--- a/Дополнительные материалы/Диплом Боритько.pptx
+++ b/Дополнительные материалы/Диплом Боритько.pptx
@@ -5,10 +5,10 @@
     <p:sldMasterId id="2147483648" r:id="rId1"/>
   </p:sldMasterIdLst>
   <p:notesMasterIdLst>
-    <p:notesMasterId r:id="rId16"/>
+    <p:notesMasterId r:id="rId13"/>
   </p:notesMasterIdLst>
   <p:handoutMasterIdLst>
-    <p:handoutMasterId r:id="rId17"/>
+    <p:handoutMasterId r:id="rId14"/>
   </p:handoutMasterIdLst>
   <p:sldIdLst>
     <p:sldId id="256" r:id="rId2"/>
@@ -21,10 +21,7 @@
     <p:sldId id="280" r:id="rId9"/>
     <p:sldId id="284" r:id="rId10"/>
     <p:sldId id="282" r:id="rId11"/>
-    <p:sldId id="271" r:id="rId12"/>
-    <p:sldId id="279" r:id="rId13"/>
-    <p:sldId id="283" r:id="rId14"/>
-    <p:sldId id="261" r:id="rId15"/>
+    <p:sldId id="261" r:id="rId12"/>
   </p:sldIdLst>
   <p:sldSz cx="12192000" cy="6858000"/>
   <p:notesSz cx="6797675" cy="9926638"/>
@@ -152,24 +149,24 @@
 <p1510:revInfo xmlns:a="http://schemas.openxmlformats.org/drawingml/2006/main" xmlns:r="http://schemas.openxmlformats.org/officeDocument/2006/relationships" xmlns:p1510="http://schemas.microsoft.com/office/powerpoint/2015/10/main">
   <p1510:revLst>
     <p1510:client id="{1834755A-E706-45D0-A131-77119861EA7E}" v="1" dt="2020-06-07T00:26:24.947"/>
-    <p1510:client id="{558A0267-FF7B-48E2-88B7-53EFE0DF2AE0}" v="69" dt="2020-06-06T23:17:34.459"/>
-    <p1510:client id="{27516B68-B18C-457B-B005-7ECF85DC4884}" v="404" dt="2020-05-31T21:37:11.705"/>
     <p1510:client id="{9C6AEF46-6462-4BA0-9C07-D99E4777B665}" v="27" dt="2020-06-07T01:12:05.003"/>
     <p1510:client id="{1C9DC87F-1521-4DB1-9EBB-5A44FCDB5E34}" v="864" dt="2020-05-21T08:14:39.926"/>
+    <p1510:client id="{27516B68-B18C-457B-B005-7ECF85DC4884}" v="404" dt="2020-05-31T21:37:11.705"/>
+    <p1510:client id="{558A0267-FF7B-48E2-88B7-53EFE0DF2AE0}" v="69" dt="2020-06-06T23:17:34.459"/>
     <p1510:client id="{DCDBE546-3601-4A22-8BFC-2374271146C1}" v="25" dt="2020-06-03T21:08:04.822"/>
     <p1510:client id="{1F991945-06C3-4889-B98D-52E675A9C0E8}" v="78" dt="2020-05-26T05:55:47.193"/>
     <p1510:client id="{20578CFB-1826-4E69-8B9B-091B37BE3DCA}" v="317" dt="2020-06-03T19:07:33.087"/>
     <p1510:client id="{356D71CC-0A76-4AE5-B3A7-E934DA93474C}" v="108" dt="2020-06-06T22:52:32.444"/>
     <p1510:client id="{571EC1E0-9DC5-478D-9A07-FCDAC4B96AC4}" v="88" dt="2020-05-31T22:33:20.817"/>
+    <p1510:client id="{6EF85006-3FD0-4040-9E61-DFD5D18BB64D}" v="15" dt="2020-06-04T05:05:26.306"/>
     <p1510:client id="{FDD7AFB2-8851-4E06-9EE3-1EB9672ED4B8}" v="565" dt="2020-05-26T06:36:08.053"/>
-    <p1510:client id="{6EF85006-3FD0-4040-9E61-DFD5D18BB64D}" v="15" dt="2020-06-04T05:05:26.306"/>
     <p1510:client id="{756226FE-5EED-4F04-8FF0-5D4E679F31E1}" v="118" dt="2020-06-06T23:49:11.892"/>
     <p1510:client id="{91CDF7A1-6167-4D06-82C6-CF110D077C1A}" v="99" dt="2020-06-06T22:08:09.914"/>
+    <p1510:client id="{990075A0-6F4E-49E0-A228-9F29585FEC61}" v="1" dt="2020-06-07T02:45:17.210"/>
     <p1510:client id="{F2E840CC-4768-441C-AB1A-99CFC702D22F}" v="39" dt="2020-05-26T05:48:50.510"/>
-    <p1510:client id="{990075A0-6F4E-49E0-A228-9F29585FEC61}" v="1" dt="2020-06-07T02:45:17.210"/>
     <p1510:client id="{B9ED28FC-C9AE-49E3-9AA3-CC8B0FB3A35B}" v="20" dt="2020-06-06T13:45:55.840"/>
+    <p1510:client id="{C7C0A810-2F9E-4FD7-A0DA-7BAFB67EEBEB}" v="214" dt="2020-06-03T19:41:13.380"/>
     <p1510:client id="{FD2CF4CF-B036-4CEC-A388-78F32B07DE6D}" v="987" dt="2020-05-31T12:05:56.528"/>
-    <p1510:client id="{C7C0A810-2F9E-4FD7-A0DA-7BAFB67EEBEB}" v="214" dt="2020-06-03T19:41:13.380"/>
     <p1510:client id="{ED76F177-E76E-4267-9855-D9CE1F9A9390}" v="95" dt="2020-06-10T07:15:12.086"/>
   </p1510:revLst>
 </p1510:revInfo>
@@ -178,26 +175,458 @@
 <file path=ppt/changesInfos/changesInfo1.xml><?xml version="1.0" encoding="utf-8"?>
 <pc:chgInfo xmlns:a="http://schemas.openxmlformats.org/drawingml/2006/main" xmlns:r="http://schemas.openxmlformats.org/officeDocument/2006/relationships" xmlns:ac="http://schemas.microsoft.com/office/drawing/2013/main/command" xmlns:pc="http://schemas.microsoft.com/office/powerpoint/2013/main/command">
   <pc:docChgLst>
-    <pc:chgData clId="Web-{558A0267-FF7B-48E2-88B7-53EFE0DF2AE0}"/>
+    <pc:chgData clId="Web-{756226FE-5EED-4F04-8FF0-5D4E679F31E1}"/>
     <pc:docChg chg="modSld">
-      <pc:chgData name="" userId="" providerId="" clId="Web-{558A0267-FF7B-48E2-88B7-53EFE0DF2AE0}" dt="2020-06-06T23:17:34.459" v="68"/>
+      <pc:chgData name="" userId="" providerId="" clId="Web-{756226FE-5EED-4F04-8FF0-5D4E679F31E1}" dt="2020-06-06T23:46:07.312" v="95"/>
       <pc:docMkLst>
         <pc:docMk/>
       </pc:docMkLst>
       <pc:sldChg chg="modSp">
-        <pc:chgData name="" userId="" providerId="" clId="Web-{558A0267-FF7B-48E2-88B7-53EFE0DF2AE0}" dt="2020-06-06T23:17:34.459" v="68"/>
+        <pc:chgData name="" userId="" providerId="" clId="Web-{756226FE-5EED-4F04-8FF0-5D4E679F31E1}" dt="2020-06-06T23:46:07.312" v="95"/>
         <pc:sldMkLst>
           <pc:docMk/>
           <pc:sldMk cId="3540037614" sldId="280"/>
         </pc:sldMkLst>
         <pc:graphicFrameChg chg="mod modGraphic">
-          <ac:chgData name="" userId="" providerId="" clId="Web-{558A0267-FF7B-48E2-88B7-53EFE0DF2AE0}" dt="2020-06-06T23:17:34.459" v="68"/>
+          <ac:chgData name="" userId="" providerId="" clId="Web-{756226FE-5EED-4F04-8FF0-5D4E679F31E1}" dt="2020-06-06T23:46:07.312" v="95"/>
           <ac:graphicFrameMkLst>
             <pc:docMk/>
             <pc:sldMk cId="3540037614" sldId="280"/>
             <ac:graphicFrameMk id="4" creationId="{00000000-0000-0000-0000-000000000000}"/>
           </ac:graphicFrameMkLst>
         </pc:graphicFrameChg>
+      </pc:sldChg>
+    </pc:docChg>
+  </pc:docChgLst>
+  <pc:docChgLst>
+    <pc:chgData clId="Web-{9C6AEF46-6462-4BA0-9C07-D99E4777B665}"/>
+    <pc:docChg chg="modSld">
+      <pc:chgData name="" userId="" providerId="" clId="Web-{9C6AEF46-6462-4BA0-9C07-D99E4777B665}" dt="2020-06-07T01:12:07.706" v="53"/>
+      <pc:docMkLst>
+        <pc:docMk/>
+      </pc:docMkLst>
+      <pc:sldChg chg="addSp delSp modSp">
+        <pc:chgData name="" userId="" providerId="" clId="Web-{9C6AEF46-6462-4BA0-9C07-D99E4777B665}" dt="2020-06-07T01:12:07.706" v="53"/>
+        <pc:sldMkLst>
+          <pc:docMk/>
+          <pc:sldMk cId="3679982346" sldId="264"/>
+        </pc:sldMkLst>
+        <pc:spChg chg="add del">
+          <ac:chgData name="" userId="" providerId="" clId="Web-{9C6AEF46-6462-4BA0-9C07-D99E4777B665}" dt="2020-06-07T01:12:07.456" v="27"/>
+          <ac:spMkLst>
+            <pc:docMk/>
+            <pc:sldMk cId="3679982346" sldId="264"/>
+            <ac:spMk id="15" creationId="{00000000-0000-0000-0000-000000000000}"/>
+          </ac:spMkLst>
+        </pc:spChg>
+        <pc:spChg chg="add del">
+          <ac:chgData name="" userId="" providerId="" clId="Web-{9C6AEF46-6462-4BA0-9C07-D99E4777B665}" dt="2020-06-07T01:12:07.472" v="28"/>
+          <ac:spMkLst>
+            <pc:docMk/>
+            <pc:sldMk cId="3679982346" sldId="264"/>
+            <ac:spMk id="20" creationId="{00000000-0000-0000-0000-000000000000}"/>
+          </ac:spMkLst>
+        </pc:spChg>
+        <pc:spChg chg="add del">
+          <ac:chgData name="" userId="" providerId="" clId="Web-{9C6AEF46-6462-4BA0-9C07-D99E4777B665}" dt="2020-06-07T01:12:07.472" v="29"/>
+          <ac:spMkLst>
+            <pc:docMk/>
+            <pc:sldMk cId="3679982346" sldId="264"/>
+            <ac:spMk id="21" creationId="{00000000-0000-0000-0000-000000000000}"/>
+          </ac:spMkLst>
+        </pc:spChg>
+        <pc:spChg chg="add del">
+          <ac:chgData name="" userId="" providerId="" clId="Web-{9C6AEF46-6462-4BA0-9C07-D99E4777B665}" dt="2020-06-07T01:12:07.487" v="32"/>
+          <ac:spMkLst>
+            <pc:docMk/>
+            <pc:sldMk cId="3679982346" sldId="264"/>
+            <ac:spMk id="38" creationId="{00000000-0000-0000-0000-000000000000}"/>
+          </ac:spMkLst>
+        </pc:spChg>
+        <pc:spChg chg="add del">
+          <ac:chgData name="" userId="" providerId="" clId="Web-{9C6AEF46-6462-4BA0-9C07-D99E4777B665}" dt="2020-06-07T01:12:07.503" v="33"/>
+          <ac:spMkLst>
+            <pc:docMk/>
+            <pc:sldMk cId="3679982346" sldId="264"/>
+            <ac:spMk id="39" creationId="{00000000-0000-0000-0000-000000000000}"/>
+          </ac:spMkLst>
+        </pc:spChg>
+        <pc:spChg chg="add del">
+          <ac:chgData name="" userId="" providerId="" clId="Web-{9C6AEF46-6462-4BA0-9C07-D99E4777B665}" dt="2020-06-07T01:12:07.503" v="34"/>
+          <ac:spMkLst>
+            <pc:docMk/>
+            <pc:sldMk cId="3679982346" sldId="264"/>
+            <ac:spMk id="40" creationId="{00000000-0000-0000-0000-000000000000}"/>
+          </ac:spMkLst>
+        </pc:spChg>
+        <pc:spChg chg="add del">
+          <ac:chgData name="" userId="" providerId="" clId="Web-{9C6AEF46-6462-4BA0-9C07-D99E4777B665}" dt="2020-06-07T01:12:07.518" v="35"/>
+          <ac:spMkLst>
+            <pc:docMk/>
+            <pc:sldMk cId="3679982346" sldId="264"/>
+            <ac:spMk id="41" creationId="{00000000-0000-0000-0000-000000000000}"/>
+          </ac:spMkLst>
+        </pc:spChg>
+        <pc:spChg chg="add del">
+          <ac:chgData name="" userId="" providerId="" clId="Web-{9C6AEF46-6462-4BA0-9C07-D99E4777B665}" dt="2020-06-07T01:12:07.518" v="36"/>
+          <ac:spMkLst>
+            <pc:docMk/>
+            <pc:sldMk cId="3679982346" sldId="264"/>
+            <ac:spMk id="42" creationId="{00000000-0000-0000-0000-000000000000}"/>
+          </ac:spMkLst>
+        </pc:spChg>
+        <pc:spChg chg="add del">
+          <ac:chgData name="" userId="" providerId="" clId="Web-{9C6AEF46-6462-4BA0-9C07-D99E4777B665}" dt="2020-06-07T01:12:07.534" v="37"/>
+          <ac:spMkLst>
+            <pc:docMk/>
+            <pc:sldMk cId="3679982346" sldId="264"/>
+            <ac:spMk id="45" creationId="{00000000-0000-0000-0000-000000000000}"/>
+          </ac:spMkLst>
+        </pc:spChg>
+        <pc:spChg chg="add del">
+          <ac:chgData name="" userId="" providerId="" clId="Web-{9C6AEF46-6462-4BA0-9C07-D99E4777B665}" dt="2020-06-07T01:12:07.550" v="38"/>
+          <ac:spMkLst>
+            <pc:docMk/>
+            <pc:sldMk cId="3679982346" sldId="264"/>
+            <ac:spMk id="50" creationId="{00000000-0000-0000-0000-000000000000}"/>
+          </ac:spMkLst>
+        </pc:spChg>
+        <pc:spChg chg="add del">
+          <ac:chgData name="" userId="" providerId="" clId="Web-{9C6AEF46-6462-4BA0-9C07-D99E4777B665}" dt="2020-06-07T01:12:07.565" v="39"/>
+          <ac:spMkLst>
+            <pc:docMk/>
+            <pc:sldMk cId="3679982346" sldId="264"/>
+            <ac:spMk id="51" creationId="{00000000-0000-0000-0000-000000000000}"/>
+          </ac:spMkLst>
+        </pc:spChg>
+        <pc:spChg chg="add del">
+          <ac:chgData name="" userId="" providerId="" clId="Web-{9C6AEF46-6462-4BA0-9C07-D99E4777B665}" dt="2020-06-07T01:12:07.565" v="40"/>
+          <ac:spMkLst>
+            <pc:docMk/>
+            <pc:sldMk cId="3679982346" sldId="264"/>
+            <ac:spMk id="52" creationId="{00000000-0000-0000-0000-000000000000}"/>
+          </ac:spMkLst>
+        </pc:spChg>
+        <pc:spChg chg="add del">
+          <ac:chgData name="" userId="" providerId="" clId="Web-{9C6AEF46-6462-4BA0-9C07-D99E4777B665}" dt="2020-06-07T01:12:07.581" v="41"/>
+          <ac:spMkLst>
+            <pc:docMk/>
+            <pc:sldMk cId="3679982346" sldId="264"/>
+            <ac:spMk id="53" creationId="{00000000-0000-0000-0000-000000000000}"/>
+          </ac:spMkLst>
+        </pc:spChg>
+        <pc:cxnChg chg="add del mod">
+          <ac:chgData name="" userId="" providerId="" clId="Web-{9C6AEF46-6462-4BA0-9C07-D99E4777B665}" dt="2020-06-07T01:12:07.487" v="30"/>
+          <ac:cxnSpMkLst>
+            <pc:docMk/>
+            <pc:sldMk cId="3679982346" sldId="264"/>
+            <ac:cxnSpMk id="35" creationId="{00000000-0000-0000-0000-000000000000}"/>
+          </ac:cxnSpMkLst>
+        </pc:cxnChg>
+        <pc:cxnChg chg="add del mod">
+          <ac:chgData name="" userId="" providerId="" clId="Web-{9C6AEF46-6462-4BA0-9C07-D99E4777B665}" dt="2020-06-07T01:12:07.487" v="31"/>
+          <ac:cxnSpMkLst>
+            <pc:docMk/>
+            <pc:sldMk cId="3679982346" sldId="264"/>
+            <ac:cxnSpMk id="37" creationId="{00000000-0000-0000-0000-000000000000}"/>
+          </ac:cxnSpMkLst>
+        </pc:cxnChg>
+        <pc:cxnChg chg="add del mod">
+          <ac:chgData name="" userId="" providerId="" clId="Web-{9C6AEF46-6462-4BA0-9C07-D99E4777B665}" dt="2020-06-07T01:12:07.597" v="42"/>
+          <ac:cxnSpMkLst>
+            <pc:docMk/>
+            <pc:sldMk cId="3679982346" sldId="264"/>
+            <ac:cxnSpMk id="55" creationId="{00000000-0000-0000-0000-000000000000}"/>
+          </ac:cxnSpMkLst>
+        </pc:cxnChg>
+        <pc:cxnChg chg="add del">
+          <ac:chgData name="" userId="" providerId="" clId="Web-{9C6AEF46-6462-4BA0-9C07-D99E4777B665}" dt="2020-06-07T01:12:07.612" v="43"/>
+          <ac:cxnSpMkLst>
+            <pc:docMk/>
+            <pc:sldMk cId="3679982346" sldId="264"/>
+            <ac:cxnSpMk id="57" creationId="{00000000-0000-0000-0000-000000000000}"/>
+          </ac:cxnSpMkLst>
+        </pc:cxnChg>
+        <pc:cxnChg chg="add del">
+          <ac:chgData name="" userId="" providerId="" clId="Web-{9C6AEF46-6462-4BA0-9C07-D99E4777B665}" dt="2020-06-07T01:12:07.612" v="44"/>
+          <ac:cxnSpMkLst>
+            <pc:docMk/>
+            <pc:sldMk cId="3679982346" sldId="264"/>
+            <ac:cxnSpMk id="59" creationId="{00000000-0000-0000-0000-000000000000}"/>
+          </ac:cxnSpMkLst>
+        </pc:cxnChg>
+        <pc:cxnChg chg="add del mod">
+          <ac:chgData name="" userId="" providerId="" clId="Web-{9C6AEF46-6462-4BA0-9C07-D99E4777B665}" dt="2020-06-07T01:12:07.628" v="45"/>
+          <ac:cxnSpMkLst>
+            <pc:docMk/>
+            <pc:sldMk cId="3679982346" sldId="264"/>
+            <ac:cxnSpMk id="77" creationId="{00000000-0000-0000-0000-000000000000}"/>
+          </ac:cxnSpMkLst>
+        </pc:cxnChg>
+        <pc:cxnChg chg="add del">
+          <ac:chgData name="" userId="" providerId="" clId="Web-{9C6AEF46-6462-4BA0-9C07-D99E4777B665}" dt="2020-06-07T01:12:07.628" v="46"/>
+          <ac:cxnSpMkLst>
+            <pc:docMk/>
+            <pc:sldMk cId="3679982346" sldId="264"/>
+            <ac:cxnSpMk id="79" creationId="{00000000-0000-0000-0000-000000000000}"/>
+          </ac:cxnSpMkLst>
+        </pc:cxnChg>
+        <pc:cxnChg chg="add del mod">
+          <ac:chgData name="" userId="" providerId="" clId="Web-{9C6AEF46-6462-4BA0-9C07-D99E4777B665}" dt="2020-06-07T01:12:07.643" v="47"/>
+          <ac:cxnSpMkLst>
+            <pc:docMk/>
+            <pc:sldMk cId="3679982346" sldId="264"/>
+            <ac:cxnSpMk id="100" creationId="{00000000-0000-0000-0000-000000000000}"/>
+          </ac:cxnSpMkLst>
+        </pc:cxnChg>
+        <pc:cxnChg chg="add del">
+          <ac:chgData name="" userId="" providerId="" clId="Web-{9C6AEF46-6462-4BA0-9C07-D99E4777B665}" dt="2020-06-07T01:12:07.659" v="48"/>
+          <ac:cxnSpMkLst>
+            <pc:docMk/>
+            <pc:sldMk cId="3679982346" sldId="264"/>
+            <ac:cxnSpMk id="104" creationId="{00000000-0000-0000-0000-000000000000}"/>
+          </ac:cxnSpMkLst>
+        </pc:cxnChg>
+        <pc:cxnChg chg="add del mod">
+          <ac:chgData name="" userId="" providerId="" clId="Web-{9C6AEF46-6462-4BA0-9C07-D99E4777B665}" dt="2020-06-07T01:12:07.659" v="49"/>
+          <ac:cxnSpMkLst>
+            <pc:docMk/>
+            <pc:sldMk cId="3679982346" sldId="264"/>
+            <ac:cxnSpMk id="114" creationId="{00000000-0000-0000-0000-000000000000}"/>
+          </ac:cxnSpMkLst>
+        </pc:cxnChg>
+        <pc:cxnChg chg="add del">
+          <ac:chgData name="" userId="" providerId="" clId="Web-{9C6AEF46-6462-4BA0-9C07-D99E4777B665}" dt="2020-06-07T01:12:07.675" v="50"/>
+          <ac:cxnSpMkLst>
+            <pc:docMk/>
+            <pc:sldMk cId="3679982346" sldId="264"/>
+            <ac:cxnSpMk id="116" creationId="{00000000-0000-0000-0000-000000000000}"/>
+          </ac:cxnSpMkLst>
+        </pc:cxnChg>
+        <pc:cxnChg chg="add del mod">
+          <ac:chgData name="" userId="" providerId="" clId="Web-{9C6AEF46-6462-4BA0-9C07-D99E4777B665}" dt="2020-06-07T01:12:07.690" v="51"/>
+          <ac:cxnSpMkLst>
+            <pc:docMk/>
+            <pc:sldMk cId="3679982346" sldId="264"/>
+            <ac:cxnSpMk id="118" creationId="{00000000-0000-0000-0000-000000000000}"/>
+          </ac:cxnSpMkLst>
+        </pc:cxnChg>
+        <pc:cxnChg chg="add del">
+          <ac:chgData name="" userId="" providerId="" clId="Web-{9C6AEF46-6462-4BA0-9C07-D99E4777B665}" dt="2020-06-07T01:12:07.690" v="52"/>
+          <ac:cxnSpMkLst>
+            <pc:docMk/>
+            <pc:sldMk cId="3679982346" sldId="264"/>
+            <ac:cxnSpMk id="122" creationId="{00000000-0000-0000-0000-000000000000}"/>
+          </ac:cxnSpMkLst>
+        </pc:cxnChg>
+        <pc:cxnChg chg="add del">
+          <ac:chgData name="" userId="" providerId="" clId="Web-{9C6AEF46-6462-4BA0-9C07-D99E4777B665}" dt="2020-06-07T01:12:07.706" v="53"/>
+          <ac:cxnSpMkLst>
+            <pc:docMk/>
+            <pc:sldMk cId="3679982346" sldId="264"/>
+            <ac:cxnSpMk id="128" creationId="{00000000-0000-0000-0000-000000000000}"/>
+          </ac:cxnSpMkLst>
+        </pc:cxnChg>
+      </pc:sldChg>
+    </pc:docChg>
+  </pc:docChgLst>
+  <pc:docChgLst>
+    <pc:chgData clId="Web-{6EF85006-3FD0-4040-9E61-DFD5D18BB64D}"/>
+    <pc:docChg chg="modSld">
+      <pc:chgData name="" userId="" providerId="" clId="Web-{6EF85006-3FD0-4040-9E61-DFD5D18BB64D}" dt="2020-06-04T05:05:26.306" v="14" actId="20577"/>
+      <pc:docMkLst>
+        <pc:docMk/>
+      </pc:docMkLst>
+      <pc:sldChg chg="modSp">
+        <pc:chgData name="" userId="" providerId="" clId="Web-{6EF85006-3FD0-4040-9E61-DFD5D18BB64D}" dt="2020-06-04T05:05:09.509" v="13" actId="20577"/>
+        <pc:sldMkLst>
+          <pc:docMk/>
+          <pc:sldMk cId="1724846376" sldId="271"/>
+        </pc:sldMkLst>
+        <pc:spChg chg="mod">
+          <ac:chgData name="" userId="" providerId="" clId="Web-{6EF85006-3FD0-4040-9E61-DFD5D18BB64D}" dt="2020-06-04T05:05:09.509" v="13" actId="20577"/>
+          <ac:spMkLst>
+            <pc:docMk/>
+            <pc:sldMk cId="1724846376" sldId="271"/>
+            <ac:spMk id="4" creationId="{00000000-0000-0000-0000-000000000000}"/>
+          </ac:spMkLst>
+        </pc:spChg>
+        <pc:spChg chg="mod">
+          <ac:chgData name="" userId="" providerId="" clId="Web-{6EF85006-3FD0-4040-9E61-DFD5D18BB64D}" dt="2020-06-04T05:05:05.337" v="10" actId="20577"/>
+          <ac:spMkLst>
+            <pc:docMk/>
+            <pc:sldMk cId="1724846376" sldId="271"/>
+            <ac:spMk id="5" creationId="{00000000-0000-0000-0000-000000000000}"/>
+          </ac:spMkLst>
+        </pc:spChg>
+      </pc:sldChg>
+      <pc:sldChg chg="modSp">
+        <pc:chgData name="" userId="" providerId="" clId="Web-{6EF85006-3FD0-4040-9E61-DFD5D18BB64D}" dt="2020-06-04T04:54:01.015" v="0"/>
+        <pc:sldMkLst>
+          <pc:docMk/>
+          <pc:sldMk cId="3540037614" sldId="280"/>
+        </pc:sldMkLst>
+        <pc:graphicFrameChg chg="modGraphic">
+          <ac:chgData name="" userId="" providerId="" clId="Web-{6EF85006-3FD0-4040-9E61-DFD5D18BB64D}" dt="2020-06-04T04:54:01.015" v="0"/>
+          <ac:graphicFrameMkLst>
+            <pc:docMk/>
+            <pc:sldMk cId="3540037614" sldId="280"/>
+            <ac:graphicFrameMk id="4" creationId="{00000000-0000-0000-0000-000000000000}"/>
+          </ac:graphicFrameMkLst>
+        </pc:graphicFrameChg>
+      </pc:sldChg>
+    </pc:docChg>
+  </pc:docChgLst>
+  <pc:docChgLst>
+    <pc:chgData clId="Web-{571EC1E0-9DC5-478D-9A07-FCDAC4B96AC4}"/>
+    <pc:docChg chg="modSld">
+      <pc:chgData name="" userId="" providerId="" clId="Web-{571EC1E0-9DC5-478D-9A07-FCDAC4B96AC4}" dt="2020-05-31T22:30:31.967" v="85"/>
+      <pc:docMkLst>
+        <pc:docMk/>
+      </pc:docMkLst>
+      <pc:sldChg chg="modSp">
+        <pc:chgData name="" userId="" providerId="" clId="Web-{571EC1E0-9DC5-478D-9A07-FCDAC4B96AC4}" dt="2020-05-31T22:30:31.967" v="85"/>
+        <pc:sldMkLst>
+          <pc:docMk/>
+          <pc:sldMk cId="3540037614" sldId="280"/>
+        </pc:sldMkLst>
+        <pc:graphicFrameChg chg="mod modGraphic">
+          <ac:chgData name="" userId="" providerId="" clId="Web-{571EC1E0-9DC5-478D-9A07-FCDAC4B96AC4}" dt="2020-05-31T22:30:31.967" v="85"/>
+          <ac:graphicFrameMkLst>
+            <pc:docMk/>
+            <pc:sldMk cId="3540037614" sldId="280"/>
+            <ac:graphicFrameMk id="4" creationId="{00000000-0000-0000-0000-000000000000}"/>
+          </ac:graphicFrameMkLst>
+        </pc:graphicFrameChg>
+      </pc:sldChg>
+    </pc:docChg>
+  </pc:docChgLst>
+  <pc:docChgLst>
+    <pc:chgData clId="Web-{91CDF7A1-6167-4D06-82C6-CF110D077C1A}"/>
+    <pc:docChg chg="modSld">
+      <pc:chgData name="" userId="" providerId="" clId="Web-{91CDF7A1-6167-4D06-82C6-CF110D077C1A}" dt="2020-06-06T22:08:09.914" v="93"/>
+      <pc:docMkLst>
+        <pc:docMk/>
+      </pc:docMkLst>
+      <pc:sldChg chg="modSp">
+        <pc:chgData name="" userId="" providerId="" clId="Web-{91CDF7A1-6167-4D06-82C6-CF110D077C1A}" dt="2020-06-06T22:03:51.706" v="22" actId="20577"/>
+        <pc:sldMkLst>
+          <pc:docMk/>
+          <pc:sldMk cId="3253294529" sldId="256"/>
+        </pc:sldMkLst>
+        <pc:spChg chg="mod">
+          <ac:chgData name="" userId="" providerId="" clId="Web-{91CDF7A1-6167-4D06-82C6-CF110D077C1A}" dt="2020-06-06T22:03:51.706" v="22" actId="20577"/>
+          <ac:spMkLst>
+            <pc:docMk/>
+            <pc:sldMk cId="3253294529" sldId="256"/>
+            <ac:spMk id="15" creationId="{00000000-0000-0000-0000-000000000000}"/>
+          </ac:spMkLst>
+        </pc:spChg>
+      </pc:sldChg>
+      <pc:sldChg chg="modSp">
+        <pc:chgData name="" userId="" providerId="" clId="Web-{91CDF7A1-6167-4D06-82C6-CF110D077C1A}" dt="2020-06-06T22:06:23.554" v="62" actId="20577"/>
+        <pc:sldMkLst>
+          <pc:docMk/>
+          <pc:sldMk cId="4152375380" sldId="259"/>
+        </pc:sldMkLst>
+        <pc:spChg chg="mod">
+          <ac:chgData name="" userId="" providerId="" clId="Web-{91CDF7A1-6167-4D06-82C6-CF110D077C1A}" dt="2020-06-06T22:06:23.554" v="62" actId="20577"/>
+          <ac:spMkLst>
+            <pc:docMk/>
+            <pc:sldMk cId="4152375380" sldId="259"/>
+            <ac:spMk id="8" creationId="{00000000-0000-0000-0000-000000000000}"/>
+          </ac:spMkLst>
+        </pc:spChg>
+      </pc:sldChg>
+      <pc:sldChg chg="modSp">
+        <pc:chgData name="" userId="" providerId="" clId="Web-{91CDF7A1-6167-4D06-82C6-CF110D077C1A}" dt="2020-06-06T22:05:40.101" v="55" actId="20577"/>
+        <pc:sldMkLst>
+          <pc:docMk/>
+          <pc:sldMk cId="1901553718" sldId="260"/>
+        </pc:sldMkLst>
+        <pc:spChg chg="mod">
+          <ac:chgData name="" userId="" providerId="" clId="Web-{91CDF7A1-6167-4D06-82C6-CF110D077C1A}" dt="2020-06-06T22:05:40.101" v="55" actId="20577"/>
+          <ac:spMkLst>
+            <pc:docMk/>
+            <pc:sldMk cId="1901553718" sldId="260"/>
+            <ac:spMk id="17" creationId="{8E77AD92-D2FC-482C-9AC5-FEAB41BD8E66}"/>
+          </ac:spMkLst>
+        </pc:spChg>
+      </pc:sldChg>
+      <pc:sldChg chg="modSp">
+        <pc:chgData name="" userId="" providerId="" clId="Web-{91CDF7A1-6167-4D06-82C6-CF110D077C1A}" dt="2020-06-06T22:06:56.695" v="66" actId="20577"/>
+        <pc:sldMkLst>
+          <pc:docMk/>
+          <pc:sldMk cId="1298404355" sldId="261"/>
+        </pc:sldMkLst>
+        <pc:spChg chg="mod">
+          <ac:chgData name="" userId="" providerId="" clId="Web-{91CDF7A1-6167-4D06-82C6-CF110D077C1A}" dt="2020-06-06T22:06:56.695" v="66" actId="20577"/>
+          <ac:spMkLst>
+            <pc:docMk/>
+            <pc:sldMk cId="1298404355" sldId="261"/>
+            <ac:spMk id="5" creationId="{00000000-0000-0000-0000-000000000000}"/>
+          </ac:spMkLst>
+        </pc:spChg>
+      </pc:sldChg>
+      <pc:sldChg chg="modSp">
+        <pc:chgData name="" userId="" providerId="" clId="Web-{91CDF7A1-6167-4D06-82C6-CF110D077C1A}" dt="2020-06-06T22:05:55.867" v="57" actId="20577"/>
+        <pc:sldMkLst>
+          <pc:docMk/>
+          <pc:sldMk cId="2228732897" sldId="269"/>
+        </pc:sldMkLst>
+        <pc:spChg chg="mod">
+          <ac:chgData name="" userId="" providerId="" clId="Web-{91CDF7A1-6167-4D06-82C6-CF110D077C1A}" dt="2020-06-06T22:05:55.867" v="57" actId="20577"/>
+          <ac:spMkLst>
+            <pc:docMk/>
+            <pc:sldMk cId="2228732897" sldId="269"/>
+            <ac:spMk id="3" creationId="{00000000-0000-0000-0000-000000000000}"/>
+          </ac:spMkLst>
+        </pc:spChg>
+      </pc:sldChg>
+      <pc:sldChg chg="modSp">
+        <pc:chgData name="" userId="" providerId="" clId="Web-{91CDF7A1-6167-4D06-82C6-CF110D077C1A}" dt="2020-06-06T22:04:47.394" v="33" actId="20577"/>
+        <pc:sldMkLst>
+          <pc:docMk/>
+          <pc:sldMk cId="2640053043" sldId="270"/>
+        </pc:sldMkLst>
+        <pc:spChg chg="mod">
+          <ac:chgData name="" userId="" providerId="" clId="Web-{91CDF7A1-6167-4D06-82C6-CF110D077C1A}" dt="2020-06-06T22:04:47.394" v="33" actId="20577"/>
+          <ac:spMkLst>
+            <pc:docMk/>
+            <pc:sldMk cId="2640053043" sldId="270"/>
+            <ac:spMk id="5" creationId="{00000000-0000-0000-0000-000000000000}"/>
+          </ac:spMkLst>
+        </pc:spChg>
+      </pc:sldChg>
+      <pc:sldChg chg="modSp">
+        <pc:chgData name="" userId="" providerId="" clId="Web-{91CDF7A1-6167-4D06-82C6-CF110D077C1A}" dt="2020-06-06T22:08:09.914" v="93"/>
+        <pc:sldMkLst>
+          <pc:docMk/>
+          <pc:sldMk cId="3540037614" sldId="280"/>
+        </pc:sldMkLst>
+        <pc:graphicFrameChg chg="mod modGraphic">
+          <ac:chgData name="" userId="" providerId="" clId="Web-{91CDF7A1-6167-4D06-82C6-CF110D077C1A}" dt="2020-06-06T22:08:09.914" v="93"/>
+          <ac:graphicFrameMkLst>
+            <pc:docMk/>
+            <pc:sldMk cId="3540037614" sldId="280"/>
+            <ac:graphicFrameMk id="4" creationId="{00000000-0000-0000-0000-000000000000}"/>
+          </ac:graphicFrameMkLst>
+        </pc:graphicFrameChg>
+      </pc:sldChg>
+      <pc:sldChg chg="modSp">
+        <pc:chgData name="" userId="" providerId="" clId="Web-{91CDF7A1-6167-4D06-82C6-CF110D077C1A}" dt="2020-06-06T22:07:11.055" v="74" actId="20577"/>
+        <pc:sldMkLst>
+          <pc:docMk/>
+          <pc:sldMk cId="604652312" sldId="283"/>
+        </pc:sldMkLst>
+        <pc:spChg chg="mod">
+          <ac:chgData name="" userId="" providerId="" clId="Web-{91CDF7A1-6167-4D06-82C6-CF110D077C1A}" dt="2020-06-06T22:07:11.055" v="74" actId="20577"/>
+          <ac:spMkLst>
+            <pc:docMk/>
+            <pc:sldMk cId="604652312" sldId="283"/>
+            <ac:spMk id="11" creationId="{00000000-0000-0000-0000-000000000000}"/>
+          </ac:spMkLst>
+        </pc:spChg>
       </pc:sldChg>
     </pc:docChg>
   </pc:docChgLst>
@@ -618,107 +1047,20 @@
     </pc:docChg>
   </pc:docChgLst>
   <pc:docChgLst>
-    <pc:chgData clId="Web-{DCDBE546-3601-4A22-8BFC-2374271146C1}"/>
-    <pc:docChg chg="modSld">
-      <pc:chgData name="" userId="" providerId="" clId="Web-{DCDBE546-3601-4A22-8BFC-2374271146C1}" dt="2020-06-03T20:54:16.229" v="1"/>
+    <pc:chgData clId="Web-{FD2CF4CF-B036-4CEC-A388-78F32B07DE6D}"/>
+    <pc:docChg chg="addSld delSld modSld">
+      <pc:chgData name="" userId="" providerId="" clId="Web-{FD2CF4CF-B036-4CEC-A388-78F32B07DE6D}" dt="2020-05-31T12:05:56.528" v="986"/>
       <pc:docMkLst>
         <pc:docMk/>
       </pc:docMkLst>
       <pc:sldChg chg="modSp">
-        <pc:chgData name="" userId="" providerId="" clId="Web-{DCDBE546-3601-4A22-8BFC-2374271146C1}" dt="2020-06-03T20:54:16.229" v="1"/>
+        <pc:chgData name="" userId="" providerId="" clId="Web-{FD2CF4CF-B036-4CEC-A388-78F32B07DE6D}" dt="2020-05-31T11:31:58.655" v="767"/>
         <pc:sldMkLst>
           <pc:docMk/>
           <pc:sldMk cId="3540037614" sldId="280"/>
         </pc:sldMkLst>
         <pc:graphicFrameChg chg="mod modGraphic">
-          <ac:chgData name="" userId="" providerId="" clId="Web-{DCDBE546-3601-4A22-8BFC-2374271146C1}" dt="2020-06-03T20:54:16.229" v="1"/>
-          <ac:graphicFrameMkLst>
-            <pc:docMk/>
-            <pc:sldMk cId="3540037614" sldId="280"/>
-            <ac:graphicFrameMk id="4" creationId="{00000000-0000-0000-0000-000000000000}"/>
-          </ac:graphicFrameMkLst>
-        </pc:graphicFrameChg>
-      </pc:sldChg>
-    </pc:docChg>
-  </pc:docChgLst>
-  <pc:docChgLst>
-    <pc:chgData clId="Web-{ED76F177-E76E-4267-9855-D9CE1F9A9390}"/>
-    <pc:docChg chg="modSld">
-      <pc:chgData name="" userId="" providerId="" clId="Web-{ED76F177-E76E-4267-9855-D9CE1F9A9390}" dt="2020-06-10T07:15:52.290" v="185" actId="20577"/>
-      <pc:docMkLst>
-        <pc:docMk/>
-      </pc:docMkLst>
-      <pc:sldChg chg="modSp">
-        <pc:chgData name="" userId="" providerId="" clId="Web-{ED76F177-E76E-4267-9855-D9CE1F9A9390}" dt="2020-06-10T07:15:52.290" v="185" actId="20577"/>
-        <pc:sldMkLst>
-          <pc:docMk/>
-          <pc:sldMk cId="3253294529" sldId="256"/>
-        </pc:sldMkLst>
-        <pc:spChg chg="mod">
-          <ac:chgData name="" userId="" providerId="" clId="Web-{ED76F177-E76E-4267-9855-D9CE1F9A9390}" dt="2020-06-10T07:15:48.821" v="169" actId="20577"/>
-          <ac:spMkLst>
-            <pc:docMk/>
-            <pc:sldMk cId="3253294529" sldId="256"/>
-            <ac:spMk id="3" creationId="{00000000-0000-0000-0000-000000000000}"/>
-          </ac:spMkLst>
-        </pc:spChg>
-        <pc:spChg chg="mod">
-          <ac:chgData name="" userId="" providerId="" clId="Web-{ED76F177-E76E-4267-9855-D9CE1F9A9390}" dt="2020-06-10T07:15:52.290" v="185" actId="20577"/>
-          <ac:spMkLst>
-            <pc:docMk/>
-            <pc:sldMk cId="3253294529" sldId="256"/>
-            <ac:spMk id="14" creationId="{00000000-0000-0000-0000-000000000000}"/>
-          </ac:spMkLst>
-        </pc:spChg>
-        <pc:spChg chg="mod">
-          <ac:chgData name="" userId="" providerId="" clId="Web-{ED76F177-E76E-4267-9855-D9CE1F9A9390}" dt="2020-06-10T07:15:46.368" v="152" actId="20577"/>
-          <ac:spMkLst>
-            <pc:docMk/>
-            <pc:sldMk cId="3253294529" sldId="256"/>
-            <ac:spMk id="15" creationId="{00000000-0000-0000-0000-000000000000}"/>
-          </ac:spMkLst>
-        </pc:spChg>
-      </pc:sldChg>
-      <pc:sldChg chg="modSp">
-        <pc:chgData name="" userId="" providerId="" clId="Web-{ED76F177-E76E-4267-9855-D9CE1F9A9390}" dt="2020-06-10T07:15:32.649" v="133" actId="1076"/>
-        <pc:sldMkLst>
-          <pc:docMk/>
-          <pc:sldMk cId="4152375380" sldId="259"/>
-        </pc:sldMkLst>
-        <pc:spChg chg="mod">
-          <ac:chgData name="" userId="" providerId="" clId="Web-{ED76F177-E76E-4267-9855-D9CE1F9A9390}" dt="2020-06-10T07:15:32.649" v="133" actId="1076"/>
-          <ac:spMkLst>
-            <pc:docMk/>
-            <pc:sldMk cId="4152375380" sldId="259"/>
-            <ac:spMk id="3" creationId="{00000000-0000-0000-0000-000000000000}"/>
-          </ac:spMkLst>
-        </pc:spChg>
-        <pc:spChg chg="mod">
-          <ac:chgData name="" userId="" providerId="" clId="Web-{ED76F177-E76E-4267-9855-D9CE1F9A9390}" dt="2020-06-10T07:15:29.915" v="132" actId="20577"/>
-          <ac:spMkLst>
-            <pc:docMk/>
-            <pc:sldMk cId="4152375380" sldId="259"/>
-            <ac:spMk id="8" creationId="{00000000-0000-0000-0000-000000000000}"/>
-          </ac:spMkLst>
-        </pc:spChg>
-      </pc:sldChg>
-    </pc:docChg>
-  </pc:docChgLst>
-  <pc:docChgLst>
-    <pc:chgData clId="Web-{20578CFB-1826-4E69-8B9B-091B37BE3DCA}"/>
-    <pc:docChg chg="addSld delSld modSld">
-      <pc:chgData name="" userId="" providerId="" clId="Web-{20578CFB-1826-4E69-8B9B-091B37BE3DCA}" dt="2020-06-03T19:00:53.510" v="254"/>
-      <pc:docMkLst>
-        <pc:docMk/>
-      </pc:docMkLst>
-      <pc:sldChg chg="modSp">
-        <pc:chgData name="" userId="" providerId="" clId="Web-{20578CFB-1826-4E69-8B9B-091B37BE3DCA}" dt="2020-06-03T18:51:03.425" v="138"/>
-        <pc:sldMkLst>
-          <pc:docMk/>
-          <pc:sldMk cId="3540037614" sldId="280"/>
-        </pc:sldMkLst>
-        <pc:graphicFrameChg chg="mod modGraphic">
-          <ac:chgData name="" userId="" providerId="" clId="Web-{20578CFB-1826-4E69-8B9B-091B37BE3DCA}" dt="2020-06-03T18:51:03.425" v="138"/>
+          <ac:chgData name="" userId="" providerId="" clId="Web-{FD2CF4CF-B036-4CEC-A388-78F32B07DE6D}" dt="2020-05-31T11:31:58.655" v="767"/>
           <ac:graphicFrameMkLst>
             <pc:docMk/>
             <pc:sldMk cId="3540037614" sldId="280"/>
@@ -727,501 +1069,20 @@
         </pc:graphicFrameChg>
       </pc:sldChg>
       <pc:sldChg chg="del">
-        <pc:chgData name="" userId="" providerId="" clId="Web-{20578CFB-1826-4E69-8B9B-091B37BE3DCA}" dt="2020-06-03T18:49:42.641" v="106"/>
+        <pc:chgData name="" userId="" providerId="" clId="Web-{FD2CF4CF-B036-4CEC-A388-78F32B07DE6D}" dt="2020-05-31T11:32:16.186" v="768"/>
         <pc:sldMkLst>
           <pc:docMk/>
-          <pc:sldMk cId="2840710773" sldId="281"/>
+          <pc:sldMk cId="536080396" sldId="284"/>
         </pc:sldMkLst>
       </pc:sldChg>
-      <pc:sldChg chg="modSp">
-        <pc:chgData name="" userId="" providerId="" clId="Web-{20578CFB-1826-4E69-8B9B-091B37BE3DCA}" dt="2020-06-03T18:53:02.930" v="174"/>
+      <pc:sldChg chg="modSp add replId">
+        <pc:chgData name="" userId="" providerId="" clId="Web-{FD2CF4CF-B036-4CEC-A388-78F32B07DE6D}" dt="2020-05-31T12:05:56.528" v="986"/>
         <pc:sldMkLst>
           <pc:docMk/>
           <pc:sldMk cId="4292360972" sldId="284"/>
         </pc:sldMkLst>
         <pc:graphicFrameChg chg="mod modGraphic">
-          <ac:chgData name="" userId="" providerId="" clId="Web-{20578CFB-1826-4E69-8B9B-091B37BE3DCA}" dt="2020-06-03T18:53:02.930" v="174"/>
-          <ac:graphicFrameMkLst>
-            <pc:docMk/>
-            <pc:sldMk cId="4292360972" sldId="284"/>
-            <ac:graphicFrameMk id="4" creationId="{00000000-0000-0000-0000-000000000000}"/>
-          </ac:graphicFrameMkLst>
-        </pc:graphicFrameChg>
-      </pc:sldChg>
-      <pc:sldChg chg="addSp delSp modSp add replId">
-        <pc:chgData name="" userId="" providerId="" clId="Web-{20578CFB-1826-4E69-8B9B-091B37BE3DCA}" dt="2020-06-03T19:00:53.510" v="254"/>
-        <pc:sldMkLst>
-          <pc:docMk/>
-          <pc:sldMk cId="3632528848" sldId="285"/>
-        </pc:sldMkLst>
-        <pc:spChg chg="mod">
-          <ac:chgData name="" userId="" providerId="" clId="Web-{20578CFB-1826-4E69-8B9B-091B37BE3DCA}" dt="2020-06-03T18:56:49.797" v="226" actId="14100"/>
-          <ac:spMkLst>
-            <pc:docMk/>
-            <pc:sldMk cId="3632528848" sldId="285"/>
-            <ac:spMk id="2" creationId="{00000000-0000-0000-0000-000000000000}"/>
-          </ac:spMkLst>
-        </pc:spChg>
-        <pc:spChg chg="mod">
-          <ac:chgData name="" userId="" providerId="" clId="Web-{20578CFB-1826-4E69-8B9B-091B37BE3DCA}" dt="2020-06-03T18:56:35.531" v="224" actId="14100"/>
-          <ac:spMkLst>
-            <pc:docMk/>
-            <pc:sldMk cId="3632528848" sldId="285"/>
-            <ac:spMk id="3" creationId="{00000000-0000-0000-0000-000000000000}"/>
-          </ac:spMkLst>
-        </pc:spChg>
-        <pc:spChg chg="add del mod">
-          <ac:chgData name="" userId="" providerId="" clId="Web-{20578CFB-1826-4E69-8B9B-091B37BE3DCA}" dt="2020-06-03T19:00:47.728" v="246"/>
-          <ac:spMkLst>
-            <pc:docMk/>
-            <pc:sldMk cId="3632528848" sldId="285"/>
-            <ac:spMk id="4" creationId="{00000000-0000-0000-0000-000000000000}"/>
-          </ac:spMkLst>
-        </pc:spChg>
-        <pc:spChg chg="mod">
-          <ac:chgData name="" userId="" providerId="" clId="Web-{20578CFB-1826-4E69-8B9B-091B37BE3DCA}" dt="2020-06-03T18:56:44.438" v="225" actId="14100"/>
-          <ac:spMkLst>
-            <pc:docMk/>
-            <pc:sldMk cId="3632528848" sldId="285"/>
-            <ac:spMk id="6" creationId="{00000000-0000-0000-0000-000000000000}"/>
-          </ac:spMkLst>
-        </pc:spChg>
-        <pc:spChg chg="add del mod">
-          <ac:chgData name="" userId="" providerId="" clId="Web-{20578CFB-1826-4E69-8B9B-091B37BE3DCA}" dt="2020-06-03T19:00:53.510" v="252"/>
-          <ac:spMkLst>
-            <pc:docMk/>
-            <pc:sldMk cId="3632528848" sldId="285"/>
-            <ac:spMk id="13" creationId="{AD253B5A-1C62-4359-BCB1-CA4A4EEC5346}"/>
-          </ac:spMkLst>
-        </pc:spChg>
-        <pc:graphicFrameChg chg="add del mod">
-          <ac:chgData name="" userId="" providerId="" clId="Web-{20578CFB-1826-4E69-8B9B-091B37BE3DCA}" dt="2020-06-03T19:00:53.510" v="254"/>
-          <ac:graphicFrameMkLst>
-            <pc:docMk/>
-            <pc:sldMk cId="3632528848" sldId="285"/>
-            <ac:graphicFrameMk id="7" creationId="{B43BA44A-E140-4BCA-91D0-6ED596D39A63}"/>
-          </ac:graphicFrameMkLst>
-        </pc:graphicFrameChg>
-        <pc:graphicFrameChg chg="add del mod">
-          <ac:chgData name="" userId="" providerId="" clId="Web-{20578CFB-1826-4E69-8B9B-091B37BE3DCA}" dt="2020-06-03T19:00:53.510" v="253"/>
-          <ac:graphicFrameMkLst>
-            <pc:docMk/>
-            <pc:sldMk cId="3632528848" sldId="285"/>
-            <ac:graphicFrameMk id="11" creationId="{5DAF14BA-2EE1-433A-95F1-219EBB828BB0}"/>
-          </ac:graphicFrameMkLst>
-        </pc:graphicFrameChg>
-      </pc:sldChg>
-    </pc:docChg>
-  </pc:docChgLst>
-  <pc:docChgLst>
-    <pc:chgData clId="Web-{B9ED28FC-C9AE-49E3-9AA3-CC8B0FB3A35B}"/>
-    <pc:docChg chg="modSld">
-      <pc:chgData name="" userId="" providerId="" clId="Web-{B9ED28FC-C9AE-49E3-9AA3-CC8B0FB3A35B}" dt="2020-06-06T13:45:55.840" v="19" actId="20577"/>
-      <pc:docMkLst>
-        <pc:docMk/>
-      </pc:docMkLst>
-      <pc:sldChg chg="modSp">
-        <pc:chgData name="" userId="" providerId="" clId="Web-{B9ED28FC-C9AE-49E3-9AA3-CC8B0FB3A35B}" dt="2020-06-06T13:45:55.840" v="19" actId="20577"/>
-        <pc:sldMkLst>
-          <pc:docMk/>
-          <pc:sldMk cId="1298404355" sldId="261"/>
-        </pc:sldMkLst>
-        <pc:spChg chg="mod">
-          <ac:chgData name="" userId="" providerId="" clId="Web-{B9ED28FC-C9AE-49E3-9AA3-CC8B0FB3A35B}" dt="2020-06-06T13:45:55.840" v="19" actId="20577"/>
-          <ac:spMkLst>
-            <pc:docMk/>
-            <pc:sldMk cId="1298404355" sldId="261"/>
-            <ac:spMk id="5" creationId="{00000000-0000-0000-0000-000000000000}"/>
-          </ac:spMkLst>
-        </pc:spChg>
-      </pc:sldChg>
-    </pc:docChg>
-  </pc:docChgLst>
-  <pc:docChgLst>
-    <pc:chgData clId="Web-{FDD7AFB2-8851-4E06-9EE3-1EB9672ED4B8}"/>
-    <pc:docChg chg="modSld">
-      <pc:chgData name="" userId="" providerId="" clId="Web-{FDD7AFB2-8851-4E06-9EE3-1EB9672ED4B8}" dt="2020-05-26T06:36:08.053" v="559" actId="20577"/>
-      <pc:docMkLst>
-        <pc:docMk/>
-      </pc:docMkLst>
-      <pc:sldChg chg="modSp">
-        <pc:chgData name="" userId="" providerId="" clId="Web-{FDD7AFB2-8851-4E06-9EE3-1EB9672ED4B8}" dt="2020-05-26T06:18:16.046" v="31" actId="20577"/>
-        <pc:sldMkLst>
-          <pc:docMk/>
-          <pc:sldMk cId="3640461214" sldId="258"/>
-        </pc:sldMkLst>
-        <pc:spChg chg="mod">
-          <ac:chgData name="" userId="" providerId="" clId="Web-{FDD7AFB2-8851-4E06-9EE3-1EB9672ED4B8}" dt="2020-05-26T06:18:16.046" v="31" actId="20577"/>
-          <ac:spMkLst>
-            <pc:docMk/>
-            <pc:sldMk cId="3640461214" sldId="258"/>
-            <ac:spMk id="5" creationId="{00000000-0000-0000-0000-000000000000}"/>
-          </ac:spMkLst>
-        </pc:spChg>
-      </pc:sldChg>
-      <pc:sldChg chg="modSp">
-        <pc:chgData name="" userId="" providerId="" clId="Web-{FDD7AFB2-8851-4E06-9EE3-1EB9672ED4B8}" dt="2020-05-26T06:19:34.598" v="75" actId="20577"/>
-        <pc:sldMkLst>
-          <pc:docMk/>
-          <pc:sldMk cId="1901553718" sldId="260"/>
-        </pc:sldMkLst>
-        <pc:spChg chg="mod">
-          <ac:chgData name="" userId="" providerId="" clId="Web-{FDD7AFB2-8851-4E06-9EE3-1EB9672ED4B8}" dt="2020-05-26T06:19:34.598" v="75" actId="20577"/>
-          <ac:spMkLst>
-            <pc:docMk/>
-            <pc:sldMk cId="1901553718" sldId="260"/>
-            <ac:spMk id="5" creationId="{00000000-0000-0000-0000-000000000000}"/>
-          </ac:spMkLst>
-        </pc:spChg>
-      </pc:sldChg>
-      <pc:sldChg chg="modSp">
-        <pc:chgData name="" userId="" providerId="" clId="Web-{FDD7AFB2-8851-4E06-9EE3-1EB9672ED4B8}" dt="2020-05-26T06:36:08.053" v="558" actId="20577"/>
-        <pc:sldMkLst>
-          <pc:docMk/>
-          <pc:sldMk cId="1298404355" sldId="261"/>
-        </pc:sldMkLst>
-        <pc:spChg chg="mod">
-          <ac:chgData name="" userId="" providerId="" clId="Web-{FDD7AFB2-8851-4E06-9EE3-1EB9672ED4B8}" dt="2020-05-26T06:36:08.053" v="558" actId="20577"/>
-          <ac:spMkLst>
-            <pc:docMk/>
-            <pc:sldMk cId="1298404355" sldId="261"/>
-            <ac:spMk id="5" creationId="{00000000-0000-0000-0000-000000000000}"/>
-          </ac:spMkLst>
-        </pc:spChg>
-      </pc:sldChg>
-      <pc:sldChg chg="modSp">
-        <pc:chgData name="" userId="" providerId="" clId="Web-{FDD7AFB2-8851-4E06-9EE3-1EB9672ED4B8}" dt="2020-05-26T06:23:21.628" v="173" actId="1076"/>
-        <pc:sldMkLst>
-          <pc:docMk/>
-          <pc:sldMk cId="2222363416" sldId="282"/>
-        </pc:sldMkLst>
-        <pc:spChg chg="mod">
-          <ac:chgData name="" userId="" providerId="" clId="Web-{FDD7AFB2-8851-4E06-9EE3-1EB9672ED4B8}" dt="2020-05-26T06:23:21.628" v="173" actId="1076"/>
-          <ac:spMkLst>
-            <pc:docMk/>
-            <pc:sldMk cId="2222363416" sldId="282"/>
-            <ac:spMk id="4" creationId="{00000000-0000-0000-0000-000000000000}"/>
-          </ac:spMkLst>
-        </pc:spChg>
-      </pc:sldChg>
-    </pc:docChg>
-  </pc:docChgLst>
-  <pc:docChgLst>
-    <pc:chgData clId="Web-{91CDF7A1-6167-4D06-82C6-CF110D077C1A}"/>
-    <pc:docChg chg="modSld">
-      <pc:chgData name="" userId="" providerId="" clId="Web-{91CDF7A1-6167-4D06-82C6-CF110D077C1A}" dt="2020-06-06T22:08:09.914" v="93"/>
-      <pc:docMkLst>
-        <pc:docMk/>
-      </pc:docMkLst>
-      <pc:sldChg chg="modSp">
-        <pc:chgData name="" userId="" providerId="" clId="Web-{91CDF7A1-6167-4D06-82C6-CF110D077C1A}" dt="2020-06-06T22:03:51.706" v="22" actId="20577"/>
-        <pc:sldMkLst>
-          <pc:docMk/>
-          <pc:sldMk cId="3253294529" sldId="256"/>
-        </pc:sldMkLst>
-        <pc:spChg chg="mod">
-          <ac:chgData name="" userId="" providerId="" clId="Web-{91CDF7A1-6167-4D06-82C6-CF110D077C1A}" dt="2020-06-06T22:03:51.706" v="22" actId="20577"/>
-          <ac:spMkLst>
-            <pc:docMk/>
-            <pc:sldMk cId="3253294529" sldId="256"/>
-            <ac:spMk id="15" creationId="{00000000-0000-0000-0000-000000000000}"/>
-          </ac:spMkLst>
-        </pc:spChg>
-      </pc:sldChg>
-      <pc:sldChg chg="modSp">
-        <pc:chgData name="" userId="" providerId="" clId="Web-{91CDF7A1-6167-4D06-82C6-CF110D077C1A}" dt="2020-06-06T22:06:23.554" v="62" actId="20577"/>
-        <pc:sldMkLst>
-          <pc:docMk/>
-          <pc:sldMk cId="4152375380" sldId="259"/>
-        </pc:sldMkLst>
-        <pc:spChg chg="mod">
-          <ac:chgData name="" userId="" providerId="" clId="Web-{91CDF7A1-6167-4D06-82C6-CF110D077C1A}" dt="2020-06-06T22:06:23.554" v="62" actId="20577"/>
-          <ac:spMkLst>
-            <pc:docMk/>
-            <pc:sldMk cId="4152375380" sldId="259"/>
-            <ac:spMk id="8" creationId="{00000000-0000-0000-0000-000000000000}"/>
-          </ac:spMkLst>
-        </pc:spChg>
-      </pc:sldChg>
-      <pc:sldChg chg="modSp">
-        <pc:chgData name="" userId="" providerId="" clId="Web-{91CDF7A1-6167-4D06-82C6-CF110D077C1A}" dt="2020-06-06T22:05:40.101" v="55" actId="20577"/>
-        <pc:sldMkLst>
-          <pc:docMk/>
-          <pc:sldMk cId="1901553718" sldId="260"/>
-        </pc:sldMkLst>
-        <pc:spChg chg="mod">
-          <ac:chgData name="" userId="" providerId="" clId="Web-{91CDF7A1-6167-4D06-82C6-CF110D077C1A}" dt="2020-06-06T22:05:40.101" v="55" actId="20577"/>
-          <ac:spMkLst>
-            <pc:docMk/>
-            <pc:sldMk cId="1901553718" sldId="260"/>
-            <ac:spMk id="17" creationId="{8E77AD92-D2FC-482C-9AC5-FEAB41BD8E66}"/>
-          </ac:spMkLst>
-        </pc:spChg>
-      </pc:sldChg>
-      <pc:sldChg chg="modSp">
-        <pc:chgData name="" userId="" providerId="" clId="Web-{91CDF7A1-6167-4D06-82C6-CF110D077C1A}" dt="2020-06-06T22:06:56.695" v="66" actId="20577"/>
-        <pc:sldMkLst>
-          <pc:docMk/>
-          <pc:sldMk cId="1298404355" sldId="261"/>
-        </pc:sldMkLst>
-        <pc:spChg chg="mod">
-          <ac:chgData name="" userId="" providerId="" clId="Web-{91CDF7A1-6167-4D06-82C6-CF110D077C1A}" dt="2020-06-06T22:06:56.695" v="66" actId="20577"/>
-          <ac:spMkLst>
-            <pc:docMk/>
-            <pc:sldMk cId="1298404355" sldId="261"/>
-            <ac:spMk id="5" creationId="{00000000-0000-0000-0000-000000000000}"/>
-          </ac:spMkLst>
-        </pc:spChg>
-      </pc:sldChg>
-      <pc:sldChg chg="modSp">
-        <pc:chgData name="" userId="" providerId="" clId="Web-{91CDF7A1-6167-4D06-82C6-CF110D077C1A}" dt="2020-06-06T22:05:55.867" v="57" actId="20577"/>
-        <pc:sldMkLst>
-          <pc:docMk/>
-          <pc:sldMk cId="2228732897" sldId="269"/>
-        </pc:sldMkLst>
-        <pc:spChg chg="mod">
-          <ac:chgData name="" userId="" providerId="" clId="Web-{91CDF7A1-6167-4D06-82C6-CF110D077C1A}" dt="2020-06-06T22:05:55.867" v="57" actId="20577"/>
-          <ac:spMkLst>
-            <pc:docMk/>
-            <pc:sldMk cId="2228732897" sldId="269"/>
-            <ac:spMk id="3" creationId="{00000000-0000-0000-0000-000000000000}"/>
-          </ac:spMkLst>
-        </pc:spChg>
-      </pc:sldChg>
-      <pc:sldChg chg="modSp">
-        <pc:chgData name="" userId="" providerId="" clId="Web-{91CDF7A1-6167-4D06-82C6-CF110D077C1A}" dt="2020-06-06T22:04:47.394" v="33" actId="20577"/>
-        <pc:sldMkLst>
-          <pc:docMk/>
-          <pc:sldMk cId="2640053043" sldId="270"/>
-        </pc:sldMkLst>
-        <pc:spChg chg="mod">
-          <ac:chgData name="" userId="" providerId="" clId="Web-{91CDF7A1-6167-4D06-82C6-CF110D077C1A}" dt="2020-06-06T22:04:47.394" v="33" actId="20577"/>
-          <ac:spMkLst>
-            <pc:docMk/>
-            <pc:sldMk cId="2640053043" sldId="270"/>
-            <ac:spMk id="5" creationId="{00000000-0000-0000-0000-000000000000}"/>
-          </ac:spMkLst>
-        </pc:spChg>
-      </pc:sldChg>
-      <pc:sldChg chg="modSp">
-        <pc:chgData name="" userId="" providerId="" clId="Web-{91CDF7A1-6167-4D06-82C6-CF110D077C1A}" dt="2020-06-06T22:08:09.914" v="93"/>
-        <pc:sldMkLst>
-          <pc:docMk/>
-          <pc:sldMk cId="3540037614" sldId="280"/>
-        </pc:sldMkLst>
-        <pc:graphicFrameChg chg="mod modGraphic">
-          <ac:chgData name="" userId="" providerId="" clId="Web-{91CDF7A1-6167-4D06-82C6-CF110D077C1A}" dt="2020-06-06T22:08:09.914" v="93"/>
-          <ac:graphicFrameMkLst>
-            <pc:docMk/>
-            <pc:sldMk cId="3540037614" sldId="280"/>
-            <ac:graphicFrameMk id="4" creationId="{00000000-0000-0000-0000-000000000000}"/>
-          </ac:graphicFrameMkLst>
-        </pc:graphicFrameChg>
-      </pc:sldChg>
-      <pc:sldChg chg="modSp">
-        <pc:chgData name="" userId="" providerId="" clId="Web-{91CDF7A1-6167-4D06-82C6-CF110D077C1A}" dt="2020-06-06T22:07:11.055" v="74" actId="20577"/>
-        <pc:sldMkLst>
-          <pc:docMk/>
-          <pc:sldMk cId="604652312" sldId="283"/>
-        </pc:sldMkLst>
-        <pc:spChg chg="mod">
-          <ac:chgData name="" userId="" providerId="" clId="Web-{91CDF7A1-6167-4D06-82C6-CF110D077C1A}" dt="2020-06-06T22:07:11.055" v="74" actId="20577"/>
-          <ac:spMkLst>
-            <pc:docMk/>
-            <pc:sldMk cId="604652312" sldId="283"/>
-            <ac:spMk id="11" creationId="{00000000-0000-0000-0000-000000000000}"/>
-          </ac:spMkLst>
-        </pc:spChg>
-      </pc:sldChg>
-    </pc:docChg>
-  </pc:docChgLst>
-  <pc:docChgLst>
-    <pc:chgData clId="Web-{F2E840CC-4768-441C-AB1A-99CFC702D22F}"/>
-    <pc:docChg chg="modSld">
-      <pc:chgData name="" userId="" providerId="" clId="Web-{F2E840CC-4768-441C-AB1A-99CFC702D22F}" dt="2020-05-26T05:48:50.510" v="39" actId="20577"/>
-      <pc:docMkLst>
-        <pc:docMk/>
-      </pc:docMkLst>
-      <pc:sldChg chg="modSp">
-        <pc:chgData name="" userId="" providerId="" clId="Web-{F2E840CC-4768-441C-AB1A-99CFC702D22F}" dt="2020-05-26T05:47:25.770" v="20" actId="20577"/>
-        <pc:sldMkLst>
-          <pc:docMk/>
-          <pc:sldMk cId="3640461214" sldId="258"/>
-        </pc:sldMkLst>
-        <pc:spChg chg="mod">
-          <ac:chgData name="" userId="" providerId="" clId="Web-{F2E840CC-4768-441C-AB1A-99CFC702D22F}" dt="2020-05-26T05:47:25.770" v="20" actId="20577"/>
-          <ac:spMkLst>
-            <pc:docMk/>
-            <pc:sldMk cId="3640461214" sldId="258"/>
-            <ac:spMk id="5" creationId="{00000000-0000-0000-0000-000000000000}"/>
-          </ac:spMkLst>
-        </pc:spChg>
-      </pc:sldChg>
-      <pc:sldChg chg="modSp">
-        <pc:chgData name="" userId="" providerId="" clId="Web-{F2E840CC-4768-441C-AB1A-99CFC702D22F}" dt="2020-05-26T05:48:35.712" v="33" actId="1076"/>
-        <pc:sldMkLst>
-          <pc:docMk/>
-          <pc:sldMk cId="4152375380" sldId="259"/>
-        </pc:sldMkLst>
-        <pc:spChg chg="mod">
-          <ac:chgData name="" userId="" providerId="" clId="Web-{F2E840CC-4768-441C-AB1A-99CFC702D22F}" dt="2020-05-26T05:48:27.790" v="32" actId="1076"/>
-          <ac:spMkLst>
-            <pc:docMk/>
-            <pc:sldMk cId="4152375380" sldId="259"/>
-            <ac:spMk id="4" creationId="{00000000-0000-0000-0000-000000000000}"/>
-          </ac:spMkLst>
-        </pc:spChg>
-        <pc:spChg chg="mod">
-          <ac:chgData name="" userId="" providerId="" clId="Web-{F2E840CC-4768-441C-AB1A-99CFC702D22F}" dt="2020-05-26T05:48:35.712" v="33" actId="1076"/>
-          <ac:spMkLst>
-            <pc:docMk/>
-            <pc:sldMk cId="4152375380" sldId="259"/>
-            <ac:spMk id="5" creationId="{00000000-0000-0000-0000-000000000000}"/>
-          </ac:spMkLst>
-        </pc:spChg>
-        <pc:spChg chg="mod">
-          <ac:chgData name="" userId="" providerId="" clId="Web-{F2E840CC-4768-441C-AB1A-99CFC702D22F}" dt="2020-05-26T05:47:43.412" v="23" actId="20577"/>
-          <ac:spMkLst>
-            <pc:docMk/>
-            <pc:sldMk cId="4152375380" sldId="259"/>
-            <ac:spMk id="8" creationId="{00000000-0000-0000-0000-000000000000}"/>
-          </ac:spMkLst>
-        </pc:spChg>
-        <pc:spChg chg="mod">
-          <ac:chgData name="" userId="" providerId="" clId="Web-{F2E840CC-4768-441C-AB1A-99CFC702D22F}" dt="2020-05-26T05:48:05.210" v="29" actId="1076"/>
-          <ac:spMkLst>
-            <pc:docMk/>
-            <pc:sldMk cId="4152375380" sldId="259"/>
-            <ac:spMk id="14" creationId="{00000000-0000-0000-0000-000000000000}"/>
-          </ac:spMkLst>
-        </pc:spChg>
-        <pc:spChg chg="mod">
-          <ac:chgData name="" userId="" providerId="" clId="Web-{F2E840CC-4768-441C-AB1A-99CFC702D22F}" dt="2020-05-26T05:48:14.633" v="30" actId="1076"/>
-          <ac:spMkLst>
-            <pc:docMk/>
-            <pc:sldMk cId="4152375380" sldId="259"/>
-            <ac:spMk id="15" creationId="{00000000-0000-0000-0000-000000000000}"/>
-          </ac:spMkLst>
-        </pc:spChg>
-      </pc:sldChg>
-      <pc:sldChg chg="modSp">
-        <pc:chgData name="" userId="" providerId="" clId="Web-{F2E840CC-4768-441C-AB1A-99CFC702D22F}" dt="2020-05-26T05:48:48.713" v="38" actId="20577"/>
-        <pc:sldMkLst>
-          <pc:docMk/>
-          <pc:sldMk cId="1901553718" sldId="260"/>
-        </pc:sldMkLst>
-        <pc:spChg chg="mod">
-          <ac:chgData name="" userId="" providerId="" clId="Web-{F2E840CC-4768-441C-AB1A-99CFC702D22F}" dt="2020-05-26T05:48:44.775" v="35" actId="20577"/>
-          <ac:spMkLst>
-            <pc:docMk/>
-            <pc:sldMk cId="1901553718" sldId="260"/>
-            <ac:spMk id="4" creationId="{00000000-0000-0000-0000-000000000000}"/>
-          </ac:spMkLst>
-        </pc:spChg>
-        <pc:spChg chg="mod">
-          <ac:chgData name="" userId="" providerId="" clId="Web-{F2E840CC-4768-441C-AB1A-99CFC702D22F}" dt="2020-05-26T05:48:48.713" v="38" actId="20577"/>
-          <ac:spMkLst>
-            <pc:docMk/>
-            <pc:sldMk cId="1901553718" sldId="260"/>
-            <ac:spMk id="5" creationId="{00000000-0000-0000-0000-000000000000}"/>
-          </ac:spMkLst>
-        </pc:spChg>
-      </pc:sldChg>
-      <pc:sldChg chg="modSp">
-        <pc:chgData name="" userId="" providerId="" clId="Web-{F2E840CC-4768-441C-AB1A-99CFC702D22F}" dt="2020-05-26T05:47:17.941" v="17" actId="20577"/>
-        <pc:sldMkLst>
-          <pc:docMk/>
-          <pc:sldMk cId="2228732897" sldId="269"/>
-        </pc:sldMkLst>
-        <pc:spChg chg="mod">
-          <ac:chgData name="" userId="" providerId="" clId="Web-{F2E840CC-4768-441C-AB1A-99CFC702D22F}" dt="2020-05-26T05:47:08.222" v="14" actId="20577"/>
-          <ac:spMkLst>
-            <pc:docMk/>
-            <pc:sldMk cId="2228732897" sldId="269"/>
-            <ac:spMk id="3" creationId="{00000000-0000-0000-0000-000000000000}"/>
-          </ac:spMkLst>
-        </pc:spChg>
-        <pc:spChg chg="mod">
-          <ac:chgData name="" userId="" providerId="" clId="Web-{F2E840CC-4768-441C-AB1A-99CFC702D22F}" dt="2020-05-26T05:47:17.941" v="17" actId="20577"/>
-          <ac:spMkLst>
-            <pc:docMk/>
-            <pc:sldMk cId="2228732897" sldId="269"/>
-            <ac:spMk id="6" creationId="{00000000-0000-0000-0000-000000000000}"/>
-          </ac:spMkLst>
-        </pc:spChg>
-      </pc:sldChg>
-      <pc:sldChg chg="modSp">
-        <pc:chgData name="" userId="" providerId="" clId="Web-{F2E840CC-4768-441C-AB1A-99CFC702D22F}" dt="2020-05-26T05:46:52.252" v="11" actId="20577"/>
-        <pc:sldMkLst>
-          <pc:docMk/>
-          <pc:sldMk cId="2640053043" sldId="270"/>
-        </pc:sldMkLst>
-        <pc:spChg chg="mod">
-          <ac:chgData name="" userId="" providerId="" clId="Web-{F2E840CC-4768-441C-AB1A-99CFC702D22F}" dt="2020-05-26T05:46:52.252" v="11" actId="20577"/>
-          <ac:spMkLst>
-            <pc:docMk/>
-            <pc:sldMk cId="2640053043" sldId="270"/>
-            <ac:spMk id="5" creationId="{00000000-0000-0000-0000-000000000000}"/>
-          </ac:spMkLst>
-        </pc:spChg>
-      </pc:sldChg>
-    </pc:docChg>
-  </pc:docChgLst>
-  <pc:docChgLst>
-    <pc:chgData clId="Web-{1834755A-E706-45D0-A131-77119861EA7E}"/>
-    <pc:docChg chg="modSld">
-      <pc:chgData name="" userId="" providerId="" clId="Web-{1834755A-E706-45D0-A131-77119861EA7E}" dt="2020-06-07T00:26:27.260" v="1" actId="1076"/>
-      <pc:docMkLst>
-        <pc:docMk/>
-      </pc:docMkLst>
-      <pc:sldChg chg="modSp">
-        <pc:chgData name="" userId="" providerId="" clId="Web-{1834755A-E706-45D0-A131-77119861EA7E}" dt="2020-06-07T00:26:27.260" v="1" actId="1076"/>
-        <pc:sldMkLst>
-          <pc:docMk/>
-          <pc:sldMk cId="3679982346" sldId="264"/>
-        </pc:sldMkLst>
-        <pc:spChg chg="mod">
-          <ac:chgData name="" userId="" providerId="" clId="Web-{1834755A-E706-45D0-A131-77119861EA7E}" dt="2020-06-07T00:26:27.260" v="1" actId="1076"/>
-          <ac:spMkLst>
-            <pc:docMk/>
-            <pc:sldMk cId="3679982346" sldId="264"/>
-            <ac:spMk id="20" creationId="{00000000-0000-0000-0000-000000000000}"/>
-          </ac:spMkLst>
-        </pc:spChg>
-        <pc:cxnChg chg="mod">
-          <ac:chgData name="" userId="" providerId="" clId="Web-{1834755A-E706-45D0-A131-77119861EA7E}" dt="2020-06-07T00:26:27.260" v="1" actId="1076"/>
-          <ac:cxnSpMkLst>
-            <pc:docMk/>
-            <pc:sldMk cId="3679982346" sldId="264"/>
-            <ac:cxnSpMk id="35" creationId="{00000000-0000-0000-0000-000000000000}"/>
-          </ac:cxnSpMkLst>
-        </pc:cxnChg>
-        <pc:cxnChg chg="mod">
-          <ac:chgData name="" userId="" providerId="" clId="Web-{1834755A-E706-45D0-A131-77119861EA7E}" dt="2020-06-07T00:26:27.260" v="1" actId="1076"/>
-          <ac:cxnSpMkLst>
-            <pc:docMk/>
-            <pc:sldMk cId="3679982346" sldId="264"/>
-            <ac:cxnSpMk id="37" creationId="{00000000-0000-0000-0000-000000000000}"/>
-          </ac:cxnSpMkLst>
-        </pc:cxnChg>
-      </pc:sldChg>
-    </pc:docChg>
-  </pc:docChgLst>
-  <pc:docChgLst>
-    <pc:chgData clId="Web-{990075A0-6F4E-49E0-A228-9F29585FEC61}"/>
-    <pc:docChg chg="modSld">
-      <pc:chgData name="" userId="" providerId="" clId="Web-{990075A0-6F4E-49E0-A228-9F29585FEC61}" dt="2020-06-07T02:45:17.210" v="0"/>
-      <pc:docMkLst>
-        <pc:docMk/>
-      </pc:docMkLst>
-      <pc:sldChg chg="modSp">
-        <pc:chgData name="" userId="" providerId="" clId="Web-{990075A0-6F4E-49E0-A228-9F29585FEC61}" dt="2020-06-07T02:45:17.210" v="0"/>
-        <pc:sldMkLst>
-          <pc:docMk/>
-          <pc:sldMk cId="4292360972" sldId="284"/>
-        </pc:sldMkLst>
-        <pc:graphicFrameChg chg="mod modGraphic">
-          <ac:chgData name="" userId="" providerId="" clId="Web-{990075A0-6F4E-49E0-A228-9F29585FEC61}" dt="2020-06-07T02:45:17.210" v="0"/>
+          <ac:chgData name="" userId="" providerId="" clId="Web-{FD2CF4CF-B036-4CEC-A388-78F32B07DE6D}" dt="2020-05-31T12:05:56.528" v="986"/>
           <ac:graphicFrameMkLst>
             <pc:docMk/>
             <pc:sldMk cId="4292360972" sldId="284"/>
@@ -1318,6 +1179,423 @@
     </pc:docChg>
   </pc:docChgLst>
   <pc:docChgLst>
+    <pc:chgData clId="Web-{1834755A-E706-45D0-A131-77119861EA7E}"/>
+    <pc:docChg chg="modSld">
+      <pc:chgData name="" userId="" providerId="" clId="Web-{1834755A-E706-45D0-A131-77119861EA7E}" dt="2020-06-07T00:26:27.260" v="1" actId="1076"/>
+      <pc:docMkLst>
+        <pc:docMk/>
+      </pc:docMkLst>
+      <pc:sldChg chg="modSp">
+        <pc:chgData name="" userId="" providerId="" clId="Web-{1834755A-E706-45D0-A131-77119861EA7E}" dt="2020-06-07T00:26:27.260" v="1" actId="1076"/>
+        <pc:sldMkLst>
+          <pc:docMk/>
+          <pc:sldMk cId="3679982346" sldId="264"/>
+        </pc:sldMkLst>
+        <pc:spChg chg="mod">
+          <ac:chgData name="" userId="" providerId="" clId="Web-{1834755A-E706-45D0-A131-77119861EA7E}" dt="2020-06-07T00:26:27.260" v="1" actId="1076"/>
+          <ac:spMkLst>
+            <pc:docMk/>
+            <pc:sldMk cId="3679982346" sldId="264"/>
+            <ac:spMk id="20" creationId="{00000000-0000-0000-0000-000000000000}"/>
+          </ac:spMkLst>
+        </pc:spChg>
+        <pc:cxnChg chg="mod">
+          <ac:chgData name="" userId="" providerId="" clId="Web-{1834755A-E706-45D0-A131-77119861EA7E}" dt="2020-06-07T00:26:27.260" v="1" actId="1076"/>
+          <ac:cxnSpMkLst>
+            <pc:docMk/>
+            <pc:sldMk cId="3679982346" sldId="264"/>
+            <ac:cxnSpMk id="35" creationId="{00000000-0000-0000-0000-000000000000}"/>
+          </ac:cxnSpMkLst>
+        </pc:cxnChg>
+        <pc:cxnChg chg="mod">
+          <ac:chgData name="" userId="" providerId="" clId="Web-{1834755A-E706-45D0-A131-77119861EA7E}" dt="2020-06-07T00:26:27.260" v="1" actId="1076"/>
+          <ac:cxnSpMkLst>
+            <pc:docMk/>
+            <pc:sldMk cId="3679982346" sldId="264"/>
+            <ac:cxnSpMk id="37" creationId="{00000000-0000-0000-0000-000000000000}"/>
+          </ac:cxnSpMkLst>
+        </pc:cxnChg>
+      </pc:sldChg>
+    </pc:docChg>
+  </pc:docChgLst>
+  <pc:docChgLst>
+    <pc:chgData clId="Web-{B9ED28FC-C9AE-49E3-9AA3-CC8B0FB3A35B}"/>
+    <pc:docChg chg="modSld">
+      <pc:chgData name="" userId="" providerId="" clId="Web-{B9ED28FC-C9AE-49E3-9AA3-CC8B0FB3A35B}" dt="2020-06-06T13:45:55.840" v="19" actId="20577"/>
+      <pc:docMkLst>
+        <pc:docMk/>
+      </pc:docMkLst>
+      <pc:sldChg chg="modSp">
+        <pc:chgData name="" userId="" providerId="" clId="Web-{B9ED28FC-C9AE-49E3-9AA3-CC8B0FB3A35B}" dt="2020-06-06T13:45:55.840" v="19" actId="20577"/>
+        <pc:sldMkLst>
+          <pc:docMk/>
+          <pc:sldMk cId="1298404355" sldId="261"/>
+        </pc:sldMkLst>
+        <pc:spChg chg="mod">
+          <ac:chgData name="" userId="" providerId="" clId="Web-{B9ED28FC-C9AE-49E3-9AA3-CC8B0FB3A35B}" dt="2020-06-06T13:45:55.840" v="19" actId="20577"/>
+          <ac:spMkLst>
+            <pc:docMk/>
+            <pc:sldMk cId="1298404355" sldId="261"/>
+            <ac:spMk id="5" creationId="{00000000-0000-0000-0000-000000000000}"/>
+          </ac:spMkLst>
+        </pc:spChg>
+      </pc:sldChg>
+    </pc:docChg>
+  </pc:docChgLst>
+  <pc:docChgLst>
+    <pc:chgData clId="Web-{558A0267-FF7B-48E2-88B7-53EFE0DF2AE0}"/>
+    <pc:docChg chg="modSld">
+      <pc:chgData name="" userId="" providerId="" clId="Web-{558A0267-FF7B-48E2-88B7-53EFE0DF2AE0}" dt="2020-06-06T23:17:34.459" v="68"/>
+      <pc:docMkLst>
+        <pc:docMk/>
+      </pc:docMkLst>
+      <pc:sldChg chg="modSp">
+        <pc:chgData name="" userId="" providerId="" clId="Web-{558A0267-FF7B-48E2-88B7-53EFE0DF2AE0}" dt="2020-06-06T23:17:34.459" v="68"/>
+        <pc:sldMkLst>
+          <pc:docMk/>
+          <pc:sldMk cId="3540037614" sldId="280"/>
+        </pc:sldMkLst>
+        <pc:graphicFrameChg chg="mod modGraphic">
+          <ac:chgData name="" userId="" providerId="" clId="Web-{558A0267-FF7B-48E2-88B7-53EFE0DF2AE0}" dt="2020-06-06T23:17:34.459" v="68"/>
+          <ac:graphicFrameMkLst>
+            <pc:docMk/>
+            <pc:sldMk cId="3540037614" sldId="280"/>
+            <ac:graphicFrameMk id="4" creationId="{00000000-0000-0000-0000-000000000000}"/>
+          </ac:graphicFrameMkLst>
+        </pc:graphicFrameChg>
+      </pc:sldChg>
+    </pc:docChg>
+  </pc:docChgLst>
+  <pc:docChgLst>
+    <pc:chgData clId="Web-{2B9FEBE6-950F-44A3-BB7A-16815B1B7570}"/>
+    <pc:docChg chg="addSld modSld">
+      <pc:chgData name="" userId="" providerId="" clId="Web-{2B9FEBE6-950F-44A3-BB7A-16815B1B7570}" dt="2020-06-03T19:07:33.087" v="63"/>
+      <pc:docMkLst>
+        <pc:docMk/>
+      </pc:docMkLst>
+      <pc:sldChg chg="addSp delSp modSp add replId">
+        <pc:chgData name="" userId="" providerId="" clId="Web-{2B9FEBE6-950F-44A3-BB7A-16815B1B7570}" dt="2020-06-03T19:07:33.087" v="63"/>
+        <pc:sldMkLst>
+          <pc:docMk/>
+          <pc:sldMk cId="1777612679" sldId="286"/>
+        </pc:sldMkLst>
+        <pc:spChg chg="mod">
+          <ac:chgData name="" userId="" providerId="" clId="Web-{2B9FEBE6-950F-44A3-BB7A-16815B1B7570}" dt="2020-06-03T19:04:42.596" v="43" actId="14100"/>
+          <ac:spMkLst>
+            <pc:docMk/>
+            <pc:sldMk cId="1777612679" sldId="286"/>
+            <ac:spMk id="2" creationId="{00000000-0000-0000-0000-000000000000}"/>
+          </ac:spMkLst>
+        </pc:spChg>
+        <pc:spChg chg="mod">
+          <ac:chgData name="" userId="" providerId="" clId="Web-{2B9FEBE6-950F-44A3-BB7A-16815B1B7570}" dt="2020-06-03T19:04:36.846" v="42" actId="14100"/>
+          <ac:spMkLst>
+            <pc:docMk/>
+            <pc:sldMk cId="1777612679" sldId="286"/>
+            <ac:spMk id="3" creationId="{00000000-0000-0000-0000-000000000000}"/>
+          </ac:spMkLst>
+        </pc:spChg>
+        <pc:spChg chg="del mod">
+          <ac:chgData name="" userId="" providerId="" clId="Web-{2B9FEBE6-950F-44A3-BB7A-16815B1B7570}" dt="2020-06-03T19:04:14.330" v="4"/>
+          <ac:spMkLst>
+            <pc:docMk/>
+            <pc:sldMk cId="1777612679" sldId="286"/>
+            <ac:spMk id="4" creationId="{00000000-0000-0000-0000-000000000000}"/>
+          </ac:spMkLst>
+        </pc:spChg>
+        <pc:spChg chg="add del mod">
+          <ac:chgData name="" userId="" providerId="" clId="Web-{2B9FEBE6-950F-44A3-BB7A-16815B1B7570}" dt="2020-06-03T19:07:33.087" v="63"/>
+          <ac:spMkLst>
+            <pc:docMk/>
+            <pc:sldMk cId="1777612679" sldId="286"/>
+            <ac:spMk id="5" creationId="{7E6BA2EB-5670-447C-AB3D-BB1AF32D5159}"/>
+          </ac:spMkLst>
+        </pc:spChg>
+        <pc:spChg chg="mod">
+          <ac:chgData name="" userId="" providerId="" clId="Web-{2B9FEBE6-950F-44A3-BB7A-16815B1B7570}" dt="2020-06-03T19:04:45.768" v="44" actId="14100"/>
+          <ac:spMkLst>
+            <pc:docMk/>
+            <pc:sldMk cId="1777612679" sldId="286"/>
+            <ac:spMk id="6" creationId="{00000000-0000-0000-0000-000000000000}"/>
+          </ac:spMkLst>
+        </pc:spChg>
+        <pc:spChg chg="add del mod">
+          <ac:chgData name="" userId="" providerId="" clId="Web-{2B9FEBE6-950F-44A3-BB7A-16815B1B7570}" dt="2020-06-03T19:06:57.289" v="59"/>
+          <ac:spMkLst>
+            <pc:docMk/>
+            <pc:sldMk cId="1777612679" sldId="286"/>
+            <ac:spMk id="14" creationId="{DE397702-31CF-4684-BE31-F323628CB75A}"/>
+          </ac:spMkLst>
+        </pc:spChg>
+        <pc:graphicFrameChg chg="add del mod">
+          <ac:chgData name="" userId="" providerId="" clId="Web-{2B9FEBE6-950F-44A3-BB7A-16815B1B7570}" dt="2020-06-03T19:06:57.289" v="61"/>
+          <ac:graphicFrameMkLst>
+            <pc:docMk/>
+            <pc:sldMk cId="1777612679" sldId="286"/>
+            <ac:graphicFrameMk id="10" creationId="{5B8DF562-C711-4CFB-A08B-7C94BE53DA62}"/>
+          </ac:graphicFrameMkLst>
+        </pc:graphicFrameChg>
+        <pc:graphicFrameChg chg="add del mod modGraphic">
+          <ac:chgData name="" userId="" providerId="" clId="Web-{2B9FEBE6-950F-44A3-BB7A-16815B1B7570}" dt="2020-06-03T19:06:57.289" v="60"/>
+          <ac:graphicFrameMkLst>
+            <pc:docMk/>
+            <pc:sldMk cId="1777612679" sldId="286"/>
+            <ac:graphicFrameMk id="13" creationId="{567A965C-EC31-4374-A53B-F7F5994644F4}"/>
+          </ac:graphicFrameMkLst>
+        </pc:graphicFrameChg>
+      </pc:sldChg>
+    </pc:docChg>
+  </pc:docChgLst>
+  <pc:docChgLst>
+    <pc:chgData clId="Web-{F2E840CC-4768-441C-AB1A-99CFC702D22F}"/>
+    <pc:docChg chg="modSld">
+      <pc:chgData name="" userId="" providerId="" clId="Web-{F2E840CC-4768-441C-AB1A-99CFC702D22F}" dt="2020-05-26T05:48:50.510" v="39" actId="20577"/>
+      <pc:docMkLst>
+        <pc:docMk/>
+      </pc:docMkLst>
+      <pc:sldChg chg="modSp">
+        <pc:chgData name="" userId="" providerId="" clId="Web-{F2E840CC-4768-441C-AB1A-99CFC702D22F}" dt="2020-05-26T05:47:25.770" v="20" actId="20577"/>
+        <pc:sldMkLst>
+          <pc:docMk/>
+          <pc:sldMk cId="3640461214" sldId="258"/>
+        </pc:sldMkLst>
+        <pc:spChg chg="mod">
+          <ac:chgData name="" userId="" providerId="" clId="Web-{F2E840CC-4768-441C-AB1A-99CFC702D22F}" dt="2020-05-26T05:47:25.770" v="20" actId="20577"/>
+          <ac:spMkLst>
+            <pc:docMk/>
+            <pc:sldMk cId="3640461214" sldId="258"/>
+            <ac:spMk id="5" creationId="{00000000-0000-0000-0000-000000000000}"/>
+          </ac:spMkLst>
+        </pc:spChg>
+      </pc:sldChg>
+      <pc:sldChg chg="modSp">
+        <pc:chgData name="" userId="" providerId="" clId="Web-{F2E840CC-4768-441C-AB1A-99CFC702D22F}" dt="2020-05-26T05:48:35.712" v="33" actId="1076"/>
+        <pc:sldMkLst>
+          <pc:docMk/>
+          <pc:sldMk cId="4152375380" sldId="259"/>
+        </pc:sldMkLst>
+        <pc:spChg chg="mod">
+          <ac:chgData name="" userId="" providerId="" clId="Web-{F2E840CC-4768-441C-AB1A-99CFC702D22F}" dt="2020-05-26T05:48:27.790" v="32" actId="1076"/>
+          <ac:spMkLst>
+            <pc:docMk/>
+            <pc:sldMk cId="4152375380" sldId="259"/>
+            <ac:spMk id="4" creationId="{00000000-0000-0000-0000-000000000000}"/>
+          </ac:spMkLst>
+        </pc:spChg>
+        <pc:spChg chg="mod">
+          <ac:chgData name="" userId="" providerId="" clId="Web-{F2E840CC-4768-441C-AB1A-99CFC702D22F}" dt="2020-05-26T05:48:35.712" v="33" actId="1076"/>
+          <ac:spMkLst>
+            <pc:docMk/>
+            <pc:sldMk cId="4152375380" sldId="259"/>
+            <ac:spMk id="5" creationId="{00000000-0000-0000-0000-000000000000}"/>
+          </ac:spMkLst>
+        </pc:spChg>
+        <pc:spChg chg="mod">
+          <ac:chgData name="" userId="" providerId="" clId="Web-{F2E840CC-4768-441C-AB1A-99CFC702D22F}" dt="2020-05-26T05:47:43.412" v="23" actId="20577"/>
+          <ac:spMkLst>
+            <pc:docMk/>
+            <pc:sldMk cId="4152375380" sldId="259"/>
+            <ac:spMk id="8" creationId="{00000000-0000-0000-0000-000000000000}"/>
+          </ac:spMkLst>
+        </pc:spChg>
+        <pc:spChg chg="mod">
+          <ac:chgData name="" userId="" providerId="" clId="Web-{F2E840CC-4768-441C-AB1A-99CFC702D22F}" dt="2020-05-26T05:48:05.210" v="29" actId="1076"/>
+          <ac:spMkLst>
+            <pc:docMk/>
+            <pc:sldMk cId="4152375380" sldId="259"/>
+            <ac:spMk id="14" creationId="{00000000-0000-0000-0000-000000000000}"/>
+          </ac:spMkLst>
+        </pc:spChg>
+        <pc:spChg chg="mod">
+          <ac:chgData name="" userId="" providerId="" clId="Web-{F2E840CC-4768-441C-AB1A-99CFC702D22F}" dt="2020-05-26T05:48:14.633" v="30" actId="1076"/>
+          <ac:spMkLst>
+            <pc:docMk/>
+            <pc:sldMk cId="4152375380" sldId="259"/>
+            <ac:spMk id="15" creationId="{00000000-0000-0000-0000-000000000000}"/>
+          </ac:spMkLst>
+        </pc:spChg>
+      </pc:sldChg>
+      <pc:sldChg chg="modSp">
+        <pc:chgData name="" userId="" providerId="" clId="Web-{F2E840CC-4768-441C-AB1A-99CFC702D22F}" dt="2020-05-26T05:48:48.713" v="38" actId="20577"/>
+        <pc:sldMkLst>
+          <pc:docMk/>
+          <pc:sldMk cId="1901553718" sldId="260"/>
+        </pc:sldMkLst>
+        <pc:spChg chg="mod">
+          <ac:chgData name="" userId="" providerId="" clId="Web-{F2E840CC-4768-441C-AB1A-99CFC702D22F}" dt="2020-05-26T05:48:44.775" v="35" actId="20577"/>
+          <ac:spMkLst>
+            <pc:docMk/>
+            <pc:sldMk cId="1901553718" sldId="260"/>
+            <ac:spMk id="4" creationId="{00000000-0000-0000-0000-000000000000}"/>
+          </ac:spMkLst>
+        </pc:spChg>
+        <pc:spChg chg="mod">
+          <ac:chgData name="" userId="" providerId="" clId="Web-{F2E840CC-4768-441C-AB1A-99CFC702D22F}" dt="2020-05-26T05:48:48.713" v="38" actId="20577"/>
+          <ac:spMkLst>
+            <pc:docMk/>
+            <pc:sldMk cId="1901553718" sldId="260"/>
+            <ac:spMk id="5" creationId="{00000000-0000-0000-0000-000000000000}"/>
+          </ac:spMkLst>
+        </pc:spChg>
+      </pc:sldChg>
+      <pc:sldChg chg="modSp">
+        <pc:chgData name="" userId="" providerId="" clId="Web-{F2E840CC-4768-441C-AB1A-99CFC702D22F}" dt="2020-05-26T05:47:17.941" v="17" actId="20577"/>
+        <pc:sldMkLst>
+          <pc:docMk/>
+          <pc:sldMk cId="2228732897" sldId="269"/>
+        </pc:sldMkLst>
+        <pc:spChg chg="mod">
+          <ac:chgData name="" userId="" providerId="" clId="Web-{F2E840CC-4768-441C-AB1A-99CFC702D22F}" dt="2020-05-26T05:47:08.222" v="14" actId="20577"/>
+          <ac:spMkLst>
+            <pc:docMk/>
+            <pc:sldMk cId="2228732897" sldId="269"/>
+            <ac:spMk id="3" creationId="{00000000-0000-0000-0000-000000000000}"/>
+          </ac:spMkLst>
+        </pc:spChg>
+        <pc:spChg chg="mod">
+          <ac:chgData name="" userId="" providerId="" clId="Web-{F2E840CC-4768-441C-AB1A-99CFC702D22F}" dt="2020-05-26T05:47:17.941" v="17" actId="20577"/>
+          <ac:spMkLst>
+            <pc:docMk/>
+            <pc:sldMk cId="2228732897" sldId="269"/>
+            <ac:spMk id="6" creationId="{00000000-0000-0000-0000-000000000000}"/>
+          </ac:spMkLst>
+        </pc:spChg>
+      </pc:sldChg>
+      <pc:sldChg chg="modSp">
+        <pc:chgData name="" userId="" providerId="" clId="Web-{F2E840CC-4768-441C-AB1A-99CFC702D22F}" dt="2020-05-26T05:46:52.252" v="11" actId="20577"/>
+        <pc:sldMkLst>
+          <pc:docMk/>
+          <pc:sldMk cId="2640053043" sldId="270"/>
+        </pc:sldMkLst>
+        <pc:spChg chg="mod">
+          <ac:chgData name="" userId="" providerId="" clId="Web-{F2E840CC-4768-441C-AB1A-99CFC702D22F}" dt="2020-05-26T05:46:52.252" v="11" actId="20577"/>
+          <ac:spMkLst>
+            <pc:docMk/>
+            <pc:sldMk cId="2640053043" sldId="270"/>
+            <ac:spMk id="5" creationId="{00000000-0000-0000-0000-000000000000}"/>
+          </ac:spMkLst>
+        </pc:spChg>
+      </pc:sldChg>
+    </pc:docChg>
+  </pc:docChgLst>
+  <pc:docChgLst>
+    <pc:chgData clId="Web-{DCDBE546-3601-4A22-8BFC-2374271146C1}"/>
+    <pc:docChg chg="modSld">
+      <pc:chgData name="" userId="" providerId="" clId="Web-{DCDBE546-3601-4A22-8BFC-2374271146C1}" dt="2020-06-03T20:54:16.229" v="1"/>
+      <pc:docMkLst>
+        <pc:docMk/>
+      </pc:docMkLst>
+      <pc:sldChg chg="modSp">
+        <pc:chgData name="" userId="" providerId="" clId="Web-{DCDBE546-3601-4A22-8BFC-2374271146C1}" dt="2020-06-03T20:54:16.229" v="1"/>
+        <pc:sldMkLst>
+          <pc:docMk/>
+          <pc:sldMk cId="3540037614" sldId="280"/>
+        </pc:sldMkLst>
+        <pc:graphicFrameChg chg="mod modGraphic">
+          <ac:chgData name="" userId="" providerId="" clId="Web-{DCDBE546-3601-4A22-8BFC-2374271146C1}" dt="2020-06-03T20:54:16.229" v="1"/>
+          <ac:graphicFrameMkLst>
+            <pc:docMk/>
+            <pc:sldMk cId="3540037614" sldId="280"/>
+            <ac:graphicFrameMk id="4" creationId="{00000000-0000-0000-0000-000000000000}"/>
+          </ac:graphicFrameMkLst>
+        </pc:graphicFrameChg>
+      </pc:sldChg>
+    </pc:docChg>
+  </pc:docChgLst>
+  <pc:docChgLst>
+    <pc:chgData clId="Web-{FDD7AFB2-8851-4E06-9EE3-1EB9672ED4B8}"/>
+    <pc:docChg chg="modSld">
+      <pc:chgData name="" userId="" providerId="" clId="Web-{FDD7AFB2-8851-4E06-9EE3-1EB9672ED4B8}" dt="2020-05-26T06:36:08.053" v="559" actId="20577"/>
+      <pc:docMkLst>
+        <pc:docMk/>
+      </pc:docMkLst>
+      <pc:sldChg chg="modSp">
+        <pc:chgData name="" userId="" providerId="" clId="Web-{FDD7AFB2-8851-4E06-9EE3-1EB9672ED4B8}" dt="2020-05-26T06:18:16.046" v="31" actId="20577"/>
+        <pc:sldMkLst>
+          <pc:docMk/>
+          <pc:sldMk cId="3640461214" sldId="258"/>
+        </pc:sldMkLst>
+        <pc:spChg chg="mod">
+          <ac:chgData name="" userId="" providerId="" clId="Web-{FDD7AFB2-8851-4E06-9EE3-1EB9672ED4B8}" dt="2020-05-26T06:18:16.046" v="31" actId="20577"/>
+          <ac:spMkLst>
+            <pc:docMk/>
+            <pc:sldMk cId="3640461214" sldId="258"/>
+            <ac:spMk id="5" creationId="{00000000-0000-0000-0000-000000000000}"/>
+          </ac:spMkLst>
+        </pc:spChg>
+      </pc:sldChg>
+      <pc:sldChg chg="modSp">
+        <pc:chgData name="" userId="" providerId="" clId="Web-{FDD7AFB2-8851-4E06-9EE3-1EB9672ED4B8}" dt="2020-05-26T06:19:34.598" v="75" actId="20577"/>
+        <pc:sldMkLst>
+          <pc:docMk/>
+          <pc:sldMk cId="1901553718" sldId="260"/>
+        </pc:sldMkLst>
+        <pc:spChg chg="mod">
+          <ac:chgData name="" userId="" providerId="" clId="Web-{FDD7AFB2-8851-4E06-9EE3-1EB9672ED4B8}" dt="2020-05-26T06:19:34.598" v="75" actId="20577"/>
+          <ac:spMkLst>
+            <pc:docMk/>
+            <pc:sldMk cId="1901553718" sldId="260"/>
+            <ac:spMk id="5" creationId="{00000000-0000-0000-0000-000000000000}"/>
+          </ac:spMkLst>
+        </pc:spChg>
+      </pc:sldChg>
+      <pc:sldChg chg="modSp">
+        <pc:chgData name="" userId="" providerId="" clId="Web-{FDD7AFB2-8851-4E06-9EE3-1EB9672ED4B8}" dt="2020-05-26T06:36:08.053" v="558" actId="20577"/>
+        <pc:sldMkLst>
+          <pc:docMk/>
+          <pc:sldMk cId="1298404355" sldId="261"/>
+        </pc:sldMkLst>
+        <pc:spChg chg="mod">
+          <ac:chgData name="" userId="" providerId="" clId="Web-{FDD7AFB2-8851-4E06-9EE3-1EB9672ED4B8}" dt="2020-05-26T06:36:08.053" v="558" actId="20577"/>
+          <ac:spMkLst>
+            <pc:docMk/>
+            <pc:sldMk cId="1298404355" sldId="261"/>
+            <ac:spMk id="5" creationId="{00000000-0000-0000-0000-000000000000}"/>
+          </ac:spMkLst>
+        </pc:spChg>
+      </pc:sldChg>
+      <pc:sldChg chg="modSp">
+        <pc:chgData name="" userId="" providerId="" clId="Web-{FDD7AFB2-8851-4E06-9EE3-1EB9672ED4B8}" dt="2020-05-26T06:23:21.628" v="173" actId="1076"/>
+        <pc:sldMkLst>
+          <pc:docMk/>
+          <pc:sldMk cId="2222363416" sldId="282"/>
+        </pc:sldMkLst>
+        <pc:spChg chg="mod">
+          <ac:chgData name="" userId="" providerId="" clId="Web-{FDD7AFB2-8851-4E06-9EE3-1EB9672ED4B8}" dt="2020-05-26T06:23:21.628" v="173" actId="1076"/>
+          <ac:spMkLst>
+            <pc:docMk/>
+            <pc:sldMk cId="2222363416" sldId="282"/>
+            <ac:spMk id="4" creationId="{00000000-0000-0000-0000-000000000000}"/>
+          </ac:spMkLst>
+        </pc:spChg>
+      </pc:sldChg>
+    </pc:docChg>
+  </pc:docChgLst>
+  <pc:docChgLst>
+    <pc:chgData clId="Web-{356D71CC-0A76-4AE5-B3A7-E934DA93474C}"/>
+    <pc:docChg chg="modSld">
+      <pc:chgData name="" userId="" providerId="" clId="Web-{356D71CC-0A76-4AE5-B3A7-E934DA93474C}" dt="2020-06-06T22:52:32.444" v="103"/>
+      <pc:docMkLst>
+        <pc:docMk/>
+      </pc:docMkLst>
+      <pc:sldChg chg="modSp">
+        <pc:chgData name="" userId="" providerId="" clId="Web-{356D71CC-0A76-4AE5-B3A7-E934DA93474C}" dt="2020-06-06T22:52:32.444" v="103"/>
+        <pc:sldMkLst>
+          <pc:docMk/>
+          <pc:sldMk cId="3540037614" sldId="280"/>
+        </pc:sldMkLst>
+        <pc:graphicFrameChg chg="mod modGraphic">
+          <ac:chgData name="" userId="" providerId="" clId="Web-{356D71CC-0A76-4AE5-B3A7-E934DA93474C}" dt="2020-06-06T22:52:32.444" v="103"/>
+          <ac:graphicFrameMkLst>
+            <pc:docMk/>
+            <pc:sldMk cId="3540037614" sldId="280"/>
+            <ac:graphicFrameMk id="4" creationId="{00000000-0000-0000-0000-000000000000}"/>
+          </ac:graphicFrameMkLst>
+        </pc:graphicFrameChg>
+      </pc:sldChg>
+    </pc:docChg>
+  </pc:docChgLst>
+  <pc:docChgLst>
     <pc:chgData clId="Web-{1F991945-06C3-4889-B98D-52E675A9C0E8}"/>
     <pc:docChg chg="modSld">
       <pc:chgData name="" userId="" providerId="" clId="Web-{1F991945-06C3-4889-B98D-52E675A9C0E8}" dt="2020-05-26T05:55:47.193" v="80" actId="14100"/>
@@ -1493,6 +1771,93 @@
             <ac:spMk id="23" creationId="{00000000-0000-0000-0000-000000000000}"/>
           </ac:spMkLst>
         </pc:spChg>
+      </pc:sldChg>
+    </pc:docChg>
+  </pc:docChgLst>
+  <pc:docChgLst>
+    <pc:chgData clId="Web-{ED76F177-E76E-4267-9855-D9CE1F9A9390}"/>
+    <pc:docChg chg="modSld">
+      <pc:chgData name="" userId="" providerId="" clId="Web-{ED76F177-E76E-4267-9855-D9CE1F9A9390}" dt="2020-06-10T07:15:52.290" v="185" actId="20577"/>
+      <pc:docMkLst>
+        <pc:docMk/>
+      </pc:docMkLst>
+      <pc:sldChg chg="modSp">
+        <pc:chgData name="" userId="" providerId="" clId="Web-{ED76F177-E76E-4267-9855-D9CE1F9A9390}" dt="2020-06-10T07:15:52.290" v="185" actId="20577"/>
+        <pc:sldMkLst>
+          <pc:docMk/>
+          <pc:sldMk cId="3253294529" sldId="256"/>
+        </pc:sldMkLst>
+        <pc:spChg chg="mod">
+          <ac:chgData name="" userId="" providerId="" clId="Web-{ED76F177-E76E-4267-9855-D9CE1F9A9390}" dt="2020-06-10T07:15:48.821" v="169" actId="20577"/>
+          <ac:spMkLst>
+            <pc:docMk/>
+            <pc:sldMk cId="3253294529" sldId="256"/>
+            <ac:spMk id="3" creationId="{00000000-0000-0000-0000-000000000000}"/>
+          </ac:spMkLst>
+        </pc:spChg>
+        <pc:spChg chg="mod">
+          <ac:chgData name="" userId="" providerId="" clId="Web-{ED76F177-E76E-4267-9855-D9CE1F9A9390}" dt="2020-06-10T07:15:52.290" v="185" actId="20577"/>
+          <ac:spMkLst>
+            <pc:docMk/>
+            <pc:sldMk cId="3253294529" sldId="256"/>
+            <ac:spMk id="14" creationId="{00000000-0000-0000-0000-000000000000}"/>
+          </ac:spMkLst>
+        </pc:spChg>
+        <pc:spChg chg="mod">
+          <ac:chgData name="" userId="" providerId="" clId="Web-{ED76F177-E76E-4267-9855-D9CE1F9A9390}" dt="2020-06-10T07:15:46.368" v="152" actId="20577"/>
+          <ac:spMkLst>
+            <pc:docMk/>
+            <pc:sldMk cId="3253294529" sldId="256"/>
+            <ac:spMk id="15" creationId="{00000000-0000-0000-0000-000000000000}"/>
+          </ac:spMkLst>
+        </pc:spChg>
+      </pc:sldChg>
+      <pc:sldChg chg="modSp">
+        <pc:chgData name="" userId="" providerId="" clId="Web-{ED76F177-E76E-4267-9855-D9CE1F9A9390}" dt="2020-06-10T07:15:32.649" v="133" actId="1076"/>
+        <pc:sldMkLst>
+          <pc:docMk/>
+          <pc:sldMk cId="4152375380" sldId="259"/>
+        </pc:sldMkLst>
+        <pc:spChg chg="mod">
+          <ac:chgData name="" userId="" providerId="" clId="Web-{ED76F177-E76E-4267-9855-D9CE1F9A9390}" dt="2020-06-10T07:15:32.649" v="133" actId="1076"/>
+          <ac:spMkLst>
+            <pc:docMk/>
+            <pc:sldMk cId="4152375380" sldId="259"/>
+            <ac:spMk id="3" creationId="{00000000-0000-0000-0000-000000000000}"/>
+          </ac:spMkLst>
+        </pc:spChg>
+        <pc:spChg chg="mod">
+          <ac:chgData name="" userId="" providerId="" clId="Web-{ED76F177-E76E-4267-9855-D9CE1F9A9390}" dt="2020-06-10T07:15:29.915" v="132" actId="20577"/>
+          <ac:spMkLst>
+            <pc:docMk/>
+            <pc:sldMk cId="4152375380" sldId="259"/>
+            <ac:spMk id="8" creationId="{00000000-0000-0000-0000-000000000000}"/>
+          </ac:spMkLst>
+        </pc:spChg>
+      </pc:sldChg>
+    </pc:docChg>
+  </pc:docChgLst>
+  <pc:docChgLst>
+    <pc:chgData clId="Web-{990075A0-6F4E-49E0-A228-9F29585FEC61}"/>
+    <pc:docChg chg="modSld">
+      <pc:chgData name="" userId="" providerId="" clId="Web-{990075A0-6F4E-49E0-A228-9F29585FEC61}" dt="2020-06-07T02:45:17.210" v="0"/>
+      <pc:docMkLst>
+        <pc:docMk/>
+      </pc:docMkLst>
+      <pc:sldChg chg="modSp">
+        <pc:chgData name="" userId="" providerId="" clId="Web-{990075A0-6F4E-49E0-A228-9F29585FEC61}" dt="2020-06-07T02:45:17.210" v="0"/>
+        <pc:sldMkLst>
+          <pc:docMk/>
+          <pc:sldMk cId="4292360972" sldId="284"/>
+        </pc:sldMkLst>
+        <pc:graphicFrameChg chg="mod modGraphic">
+          <ac:chgData name="" userId="" providerId="" clId="Web-{990075A0-6F4E-49E0-A228-9F29585FEC61}" dt="2020-06-07T02:45:17.210" v="0"/>
+          <ac:graphicFrameMkLst>
+            <pc:docMk/>
+            <pc:sldMk cId="4292360972" sldId="284"/>
+            <ac:graphicFrameMk id="4" creationId="{00000000-0000-0000-0000-000000000000}"/>
+          </ac:graphicFrameMkLst>
+        </pc:graphicFrameChg>
       </pc:sldChg>
     </pc:docChg>
   </pc:docChgLst>
@@ -1526,76 +1891,6 @@
         </pc:sldMkLst>
         <pc:graphicFrameChg chg="mod modGraphic">
           <ac:chgData name="" userId="" providerId="" clId="Web-{22E4991D-7451-46D8-A517-FA0DEBA563D7}" dt="2020-06-03T20:55:08.809" v="9"/>
-          <ac:graphicFrameMkLst>
-            <pc:docMk/>
-            <pc:sldMk cId="3540037614" sldId="280"/>
-            <ac:graphicFrameMk id="4" creationId="{00000000-0000-0000-0000-000000000000}"/>
-          </ac:graphicFrameMkLst>
-        </pc:graphicFrameChg>
-      </pc:sldChg>
-    </pc:docChg>
-  </pc:docChgLst>
-  <pc:docChgLst>
-    <pc:chgData clId="Web-{FD2CF4CF-B036-4CEC-A388-78F32B07DE6D}"/>
-    <pc:docChg chg="addSld delSld modSld">
-      <pc:chgData name="" userId="" providerId="" clId="Web-{FD2CF4CF-B036-4CEC-A388-78F32B07DE6D}" dt="2020-05-31T12:05:56.528" v="986"/>
-      <pc:docMkLst>
-        <pc:docMk/>
-      </pc:docMkLst>
-      <pc:sldChg chg="modSp">
-        <pc:chgData name="" userId="" providerId="" clId="Web-{FD2CF4CF-B036-4CEC-A388-78F32B07DE6D}" dt="2020-05-31T11:31:58.655" v="767"/>
-        <pc:sldMkLst>
-          <pc:docMk/>
-          <pc:sldMk cId="3540037614" sldId="280"/>
-        </pc:sldMkLst>
-        <pc:graphicFrameChg chg="mod modGraphic">
-          <ac:chgData name="" userId="" providerId="" clId="Web-{FD2CF4CF-B036-4CEC-A388-78F32B07DE6D}" dt="2020-05-31T11:31:58.655" v="767"/>
-          <ac:graphicFrameMkLst>
-            <pc:docMk/>
-            <pc:sldMk cId="3540037614" sldId="280"/>
-            <ac:graphicFrameMk id="4" creationId="{00000000-0000-0000-0000-000000000000}"/>
-          </ac:graphicFrameMkLst>
-        </pc:graphicFrameChg>
-      </pc:sldChg>
-      <pc:sldChg chg="del">
-        <pc:chgData name="" userId="" providerId="" clId="Web-{FD2CF4CF-B036-4CEC-A388-78F32B07DE6D}" dt="2020-05-31T11:32:16.186" v="768"/>
-        <pc:sldMkLst>
-          <pc:docMk/>
-          <pc:sldMk cId="536080396" sldId="284"/>
-        </pc:sldMkLst>
-      </pc:sldChg>
-      <pc:sldChg chg="modSp add replId">
-        <pc:chgData name="" userId="" providerId="" clId="Web-{FD2CF4CF-B036-4CEC-A388-78F32B07DE6D}" dt="2020-05-31T12:05:56.528" v="986"/>
-        <pc:sldMkLst>
-          <pc:docMk/>
-          <pc:sldMk cId="4292360972" sldId="284"/>
-        </pc:sldMkLst>
-        <pc:graphicFrameChg chg="mod modGraphic">
-          <ac:chgData name="" userId="" providerId="" clId="Web-{FD2CF4CF-B036-4CEC-A388-78F32B07DE6D}" dt="2020-05-31T12:05:56.528" v="986"/>
-          <ac:graphicFrameMkLst>
-            <pc:docMk/>
-            <pc:sldMk cId="4292360972" sldId="284"/>
-            <ac:graphicFrameMk id="4" creationId="{00000000-0000-0000-0000-000000000000}"/>
-          </ac:graphicFrameMkLst>
-        </pc:graphicFrameChg>
-      </pc:sldChg>
-    </pc:docChg>
-  </pc:docChgLst>
-  <pc:docChgLst>
-    <pc:chgData clId="Web-{756226FE-5EED-4F04-8FF0-5D4E679F31E1}"/>
-    <pc:docChg chg="modSld">
-      <pc:chgData name="" userId="" providerId="" clId="Web-{756226FE-5EED-4F04-8FF0-5D4E679F31E1}" dt="2020-06-06T23:46:07.312" v="95"/>
-      <pc:docMkLst>
-        <pc:docMk/>
-      </pc:docMkLst>
-      <pc:sldChg chg="modSp">
-        <pc:chgData name="" userId="" providerId="" clId="Web-{756226FE-5EED-4F04-8FF0-5D4E679F31E1}" dt="2020-06-06T23:46:07.312" v="95"/>
-        <pc:sldMkLst>
-          <pc:docMk/>
-          <pc:sldMk cId="3540037614" sldId="280"/>
-        </pc:sldMkLst>
-        <pc:graphicFrameChg chg="mod modGraphic">
-          <ac:chgData name="" userId="" providerId="" clId="Web-{756226FE-5EED-4F04-8FF0-5D4E679F31E1}" dt="2020-06-06T23:46:07.312" v="95"/>
           <ac:graphicFrameMkLst>
             <pc:docMk/>
             <pc:sldMk cId="3540037614" sldId="280"/>
@@ -1683,100 +1978,20 @@
     </pc:docChg>
   </pc:docChgLst>
   <pc:docChgLst>
-    <pc:chgData clId="Web-{2B9FEBE6-950F-44A3-BB7A-16815B1B7570}"/>
-    <pc:docChg chg="addSld modSld">
-      <pc:chgData name="" userId="" providerId="" clId="Web-{2B9FEBE6-950F-44A3-BB7A-16815B1B7570}" dt="2020-06-03T19:07:33.087" v="63"/>
-      <pc:docMkLst>
-        <pc:docMk/>
-      </pc:docMkLst>
-      <pc:sldChg chg="addSp delSp modSp add replId">
-        <pc:chgData name="" userId="" providerId="" clId="Web-{2B9FEBE6-950F-44A3-BB7A-16815B1B7570}" dt="2020-06-03T19:07:33.087" v="63"/>
-        <pc:sldMkLst>
-          <pc:docMk/>
-          <pc:sldMk cId="1777612679" sldId="286"/>
-        </pc:sldMkLst>
-        <pc:spChg chg="mod">
-          <ac:chgData name="" userId="" providerId="" clId="Web-{2B9FEBE6-950F-44A3-BB7A-16815B1B7570}" dt="2020-06-03T19:04:42.596" v="43" actId="14100"/>
-          <ac:spMkLst>
-            <pc:docMk/>
-            <pc:sldMk cId="1777612679" sldId="286"/>
-            <ac:spMk id="2" creationId="{00000000-0000-0000-0000-000000000000}"/>
-          </ac:spMkLst>
-        </pc:spChg>
-        <pc:spChg chg="mod">
-          <ac:chgData name="" userId="" providerId="" clId="Web-{2B9FEBE6-950F-44A3-BB7A-16815B1B7570}" dt="2020-06-03T19:04:36.846" v="42" actId="14100"/>
-          <ac:spMkLst>
-            <pc:docMk/>
-            <pc:sldMk cId="1777612679" sldId="286"/>
-            <ac:spMk id="3" creationId="{00000000-0000-0000-0000-000000000000}"/>
-          </ac:spMkLst>
-        </pc:spChg>
-        <pc:spChg chg="del mod">
-          <ac:chgData name="" userId="" providerId="" clId="Web-{2B9FEBE6-950F-44A3-BB7A-16815B1B7570}" dt="2020-06-03T19:04:14.330" v="4"/>
-          <ac:spMkLst>
-            <pc:docMk/>
-            <pc:sldMk cId="1777612679" sldId="286"/>
-            <ac:spMk id="4" creationId="{00000000-0000-0000-0000-000000000000}"/>
-          </ac:spMkLst>
-        </pc:spChg>
-        <pc:spChg chg="add del mod">
-          <ac:chgData name="" userId="" providerId="" clId="Web-{2B9FEBE6-950F-44A3-BB7A-16815B1B7570}" dt="2020-06-03T19:07:33.087" v="63"/>
-          <ac:spMkLst>
-            <pc:docMk/>
-            <pc:sldMk cId="1777612679" sldId="286"/>
-            <ac:spMk id="5" creationId="{7E6BA2EB-5670-447C-AB3D-BB1AF32D5159}"/>
-          </ac:spMkLst>
-        </pc:spChg>
-        <pc:spChg chg="mod">
-          <ac:chgData name="" userId="" providerId="" clId="Web-{2B9FEBE6-950F-44A3-BB7A-16815B1B7570}" dt="2020-06-03T19:04:45.768" v="44" actId="14100"/>
-          <ac:spMkLst>
-            <pc:docMk/>
-            <pc:sldMk cId="1777612679" sldId="286"/>
-            <ac:spMk id="6" creationId="{00000000-0000-0000-0000-000000000000}"/>
-          </ac:spMkLst>
-        </pc:spChg>
-        <pc:spChg chg="add del mod">
-          <ac:chgData name="" userId="" providerId="" clId="Web-{2B9FEBE6-950F-44A3-BB7A-16815B1B7570}" dt="2020-06-03T19:06:57.289" v="59"/>
-          <ac:spMkLst>
-            <pc:docMk/>
-            <pc:sldMk cId="1777612679" sldId="286"/>
-            <ac:spMk id="14" creationId="{DE397702-31CF-4684-BE31-F323628CB75A}"/>
-          </ac:spMkLst>
-        </pc:spChg>
-        <pc:graphicFrameChg chg="add del mod">
-          <ac:chgData name="" userId="" providerId="" clId="Web-{2B9FEBE6-950F-44A3-BB7A-16815B1B7570}" dt="2020-06-03T19:06:57.289" v="61"/>
-          <ac:graphicFrameMkLst>
-            <pc:docMk/>
-            <pc:sldMk cId="1777612679" sldId="286"/>
-            <ac:graphicFrameMk id="10" creationId="{5B8DF562-C711-4CFB-A08B-7C94BE53DA62}"/>
-          </ac:graphicFrameMkLst>
-        </pc:graphicFrameChg>
-        <pc:graphicFrameChg chg="add del mod modGraphic">
-          <ac:chgData name="" userId="" providerId="" clId="Web-{2B9FEBE6-950F-44A3-BB7A-16815B1B7570}" dt="2020-06-03T19:06:57.289" v="60"/>
-          <ac:graphicFrameMkLst>
-            <pc:docMk/>
-            <pc:sldMk cId="1777612679" sldId="286"/>
-            <ac:graphicFrameMk id="13" creationId="{567A965C-EC31-4374-A53B-F7F5994644F4}"/>
-          </ac:graphicFrameMkLst>
-        </pc:graphicFrameChg>
-      </pc:sldChg>
-    </pc:docChg>
-  </pc:docChgLst>
-  <pc:docChgLst>
-    <pc:chgData clId="Web-{356D71CC-0A76-4AE5-B3A7-E934DA93474C}"/>
-    <pc:docChg chg="modSld">
-      <pc:chgData name="" userId="" providerId="" clId="Web-{356D71CC-0A76-4AE5-B3A7-E934DA93474C}" dt="2020-06-06T22:52:32.444" v="103"/>
+    <pc:chgData clId="Web-{20578CFB-1826-4E69-8B9B-091B37BE3DCA}"/>
+    <pc:docChg chg="addSld delSld modSld">
+      <pc:chgData name="" userId="" providerId="" clId="Web-{20578CFB-1826-4E69-8B9B-091B37BE3DCA}" dt="2020-06-03T19:00:53.510" v="254"/>
       <pc:docMkLst>
         <pc:docMk/>
       </pc:docMkLst>
       <pc:sldChg chg="modSp">
-        <pc:chgData name="" userId="" providerId="" clId="Web-{356D71CC-0A76-4AE5-B3A7-E934DA93474C}" dt="2020-06-06T22:52:32.444" v="103"/>
+        <pc:chgData name="" userId="" providerId="" clId="Web-{20578CFB-1826-4E69-8B9B-091B37BE3DCA}" dt="2020-06-03T18:51:03.425" v="138"/>
         <pc:sldMkLst>
           <pc:docMk/>
           <pc:sldMk cId="3540037614" sldId="280"/>
         </pc:sldMkLst>
         <pc:graphicFrameChg chg="mod modGraphic">
-          <ac:chgData name="" userId="" providerId="" clId="Web-{356D71CC-0A76-4AE5-B3A7-E934DA93474C}" dt="2020-06-06T22:52:32.444" v="103"/>
+          <ac:chgData name="" userId="" providerId="" clId="Web-{20578CFB-1826-4E69-8B9B-091B37BE3DCA}" dt="2020-06-03T18:51:03.425" v="138"/>
           <ac:graphicFrameMkLst>
             <pc:docMk/>
             <pc:sldMk cId="3540037614" sldId="280"/>
@@ -1784,308 +1999,90 @@
           </ac:graphicFrameMkLst>
         </pc:graphicFrameChg>
       </pc:sldChg>
-    </pc:docChg>
-  </pc:docChgLst>
-  <pc:docChgLst>
-    <pc:chgData clId="Web-{571EC1E0-9DC5-478D-9A07-FCDAC4B96AC4}"/>
-    <pc:docChg chg="modSld">
-      <pc:chgData name="" userId="" providerId="" clId="Web-{571EC1E0-9DC5-478D-9A07-FCDAC4B96AC4}" dt="2020-05-31T22:30:31.967" v="85"/>
-      <pc:docMkLst>
-        <pc:docMk/>
-      </pc:docMkLst>
-      <pc:sldChg chg="modSp">
-        <pc:chgData name="" userId="" providerId="" clId="Web-{571EC1E0-9DC5-478D-9A07-FCDAC4B96AC4}" dt="2020-05-31T22:30:31.967" v="85"/>
+      <pc:sldChg chg="del">
+        <pc:chgData name="" userId="" providerId="" clId="Web-{20578CFB-1826-4E69-8B9B-091B37BE3DCA}" dt="2020-06-03T18:49:42.641" v="106"/>
         <pc:sldMkLst>
           <pc:docMk/>
-          <pc:sldMk cId="3540037614" sldId="280"/>
+          <pc:sldMk cId="2840710773" sldId="281"/>
+        </pc:sldMkLst>
+      </pc:sldChg>
+      <pc:sldChg chg="modSp">
+        <pc:chgData name="" userId="" providerId="" clId="Web-{20578CFB-1826-4E69-8B9B-091B37BE3DCA}" dt="2020-06-03T18:53:02.930" v="174"/>
+        <pc:sldMkLst>
+          <pc:docMk/>
+          <pc:sldMk cId="4292360972" sldId="284"/>
         </pc:sldMkLst>
         <pc:graphicFrameChg chg="mod modGraphic">
-          <ac:chgData name="" userId="" providerId="" clId="Web-{571EC1E0-9DC5-478D-9A07-FCDAC4B96AC4}" dt="2020-05-31T22:30:31.967" v="85"/>
+          <ac:chgData name="" userId="" providerId="" clId="Web-{20578CFB-1826-4E69-8B9B-091B37BE3DCA}" dt="2020-06-03T18:53:02.930" v="174"/>
           <ac:graphicFrameMkLst>
             <pc:docMk/>
-            <pc:sldMk cId="3540037614" sldId="280"/>
+            <pc:sldMk cId="4292360972" sldId="284"/>
             <ac:graphicFrameMk id="4" creationId="{00000000-0000-0000-0000-000000000000}"/>
           </ac:graphicFrameMkLst>
         </pc:graphicFrameChg>
       </pc:sldChg>
-    </pc:docChg>
-  </pc:docChgLst>
-  <pc:docChgLst>
-    <pc:chgData clId="Web-{6EF85006-3FD0-4040-9E61-DFD5D18BB64D}"/>
-    <pc:docChg chg="modSld">
-      <pc:chgData name="" userId="" providerId="" clId="Web-{6EF85006-3FD0-4040-9E61-DFD5D18BB64D}" dt="2020-06-04T05:05:26.306" v="14" actId="20577"/>
-      <pc:docMkLst>
-        <pc:docMk/>
-      </pc:docMkLst>
-      <pc:sldChg chg="modSp">
-        <pc:chgData name="" userId="" providerId="" clId="Web-{6EF85006-3FD0-4040-9E61-DFD5D18BB64D}" dt="2020-06-04T05:05:09.509" v="13" actId="20577"/>
+      <pc:sldChg chg="addSp delSp modSp add replId">
+        <pc:chgData name="" userId="" providerId="" clId="Web-{20578CFB-1826-4E69-8B9B-091B37BE3DCA}" dt="2020-06-03T19:00:53.510" v="254"/>
         <pc:sldMkLst>
           <pc:docMk/>
-          <pc:sldMk cId="1724846376" sldId="271"/>
+          <pc:sldMk cId="3632528848" sldId="285"/>
         </pc:sldMkLst>
         <pc:spChg chg="mod">
-          <ac:chgData name="" userId="" providerId="" clId="Web-{6EF85006-3FD0-4040-9E61-DFD5D18BB64D}" dt="2020-06-04T05:05:09.509" v="13" actId="20577"/>
+          <ac:chgData name="" userId="" providerId="" clId="Web-{20578CFB-1826-4E69-8B9B-091B37BE3DCA}" dt="2020-06-03T18:56:49.797" v="226" actId="14100"/>
           <ac:spMkLst>
             <pc:docMk/>
-            <pc:sldMk cId="1724846376" sldId="271"/>
+            <pc:sldMk cId="3632528848" sldId="285"/>
+            <ac:spMk id="2" creationId="{00000000-0000-0000-0000-000000000000}"/>
+          </ac:spMkLst>
+        </pc:spChg>
+        <pc:spChg chg="mod">
+          <ac:chgData name="" userId="" providerId="" clId="Web-{20578CFB-1826-4E69-8B9B-091B37BE3DCA}" dt="2020-06-03T18:56:35.531" v="224" actId="14100"/>
+          <ac:spMkLst>
+            <pc:docMk/>
+            <pc:sldMk cId="3632528848" sldId="285"/>
+            <ac:spMk id="3" creationId="{00000000-0000-0000-0000-000000000000}"/>
+          </ac:spMkLst>
+        </pc:spChg>
+        <pc:spChg chg="add del mod">
+          <ac:chgData name="" userId="" providerId="" clId="Web-{20578CFB-1826-4E69-8B9B-091B37BE3DCA}" dt="2020-06-03T19:00:47.728" v="246"/>
+          <ac:spMkLst>
+            <pc:docMk/>
+            <pc:sldMk cId="3632528848" sldId="285"/>
             <ac:spMk id="4" creationId="{00000000-0000-0000-0000-000000000000}"/>
           </ac:spMkLst>
         </pc:spChg>
         <pc:spChg chg="mod">
-          <ac:chgData name="" userId="" providerId="" clId="Web-{6EF85006-3FD0-4040-9E61-DFD5D18BB64D}" dt="2020-06-04T05:05:05.337" v="10" actId="20577"/>
+          <ac:chgData name="" userId="" providerId="" clId="Web-{20578CFB-1826-4E69-8B9B-091B37BE3DCA}" dt="2020-06-03T18:56:44.438" v="225" actId="14100"/>
           <ac:spMkLst>
             <pc:docMk/>
-            <pc:sldMk cId="1724846376" sldId="271"/>
-            <ac:spMk id="5" creationId="{00000000-0000-0000-0000-000000000000}"/>
+            <pc:sldMk cId="3632528848" sldId="285"/>
+            <ac:spMk id="6" creationId="{00000000-0000-0000-0000-000000000000}"/>
           </ac:spMkLst>
         </pc:spChg>
-      </pc:sldChg>
-      <pc:sldChg chg="modSp">
-        <pc:chgData name="" userId="" providerId="" clId="Web-{6EF85006-3FD0-4040-9E61-DFD5D18BB64D}" dt="2020-06-04T04:54:01.015" v="0"/>
-        <pc:sldMkLst>
-          <pc:docMk/>
-          <pc:sldMk cId="3540037614" sldId="280"/>
-        </pc:sldMkLst>
-        <pc:graphicFrameChg chg="modGraphic">
-          <ac:chgData name="" userId="" providerId="" clId="Web-{6EF85006-3FD0-4040-9E61-DFD5D18BB64D}" dt="2020-06-04T04:54:01.015" v="0"/>
+        <pc:spChg chg="add del mod">
+          <ac:chgData name="" userId="" providerId="" clId="Web-{20578CFB-1826-4E69-8B9B-091B37BE3DCA}" dt="2020-06-03T19:00:53.510" v="252"/>
+          <ac:spMkLst>
+            <pc:docMk/>
+            <pc:sldMk cId="3632528848" sldId="285"/>
+            <ac:spMk id="13" creationId="{AD253B5A-1C62-4359-BCB1-CA4A4EEC5346}"/>
+          </ac:spMkLst>
+        </pc:spChg>
+        <pc:graphicFrameChg chg="add del mod">
+          <ac:chgData name="" userId="" providerId="" clId="Web-{20578CFB-1826-4E69-8B9B-091B37BE3DCA}" dt="2020-06-03T19:00:53.510" v="254"/>
           <ac:graphicFrameMkLst>
             <pc:docMk/>
-            <pc:sldMk cId="3540037614" sldId="280"/>
-            <ac:graphicFrameMk id="4" creationId="{00000000-0000-0000-0000-000000000000}"/>
+            <pc:sldMk cId="3632528848" sldId="285"/>
+            <ac:graphicFrameMk id="7" creationId="{B43BA44A-E140-4BCA-91D0-6ED596D39A63}"/>
           </ac:graphicFrameMkLst>
         </pc:graphicFrameChg>
-      </pc:sldChg>
-    </pc:docChg>
-  </pc:docChgLst>
-  <pc:docChgLst>
-    <pc:chgData clId="Web-{9C6AEF46-6462-4BA0-9C07-D99E4777B665}"/>
-    <pc:docChg chg="modSld">
-      <pc:chgData name="" userId="" providerId="" clId="Web-{9C6AEF46-6462-4BA0-9C07-D99E4777B665}" dt="2020-06-07T01:12:07.706" v="53"/>
-      <pc:docMkLst>
-        <pc:docMk/>
-      </pc:docMkLst>
-      <pc:sldChg chg="addSp delSp modSp">
-        <pc:chgData name="" userId="" providerId="" clId="Web-{9C6AEF46-6462-4BA0-9C07-D99E4777B665}" dt="2020-06-07T01:12:07.706" v="53"/>
-        <pc:sldMkLst>
-          <pc:docMk/>
-          <pc:sldMk cId="3679982346" sldId="264"/>
-        </pc:sldMkLst>
-        <pc:spChg chg="add del">
-          <ac:chgData name="" userId="" providerId="" clId="Web-{9C6AEF46-6462-4BA0-9C07-D99E4777B665}" dt="2020-06-07T01:12:07.456" v="27"/>
-          <ac:spMkLst>
-            <pc:docMk/>
-            <pc:sldMk cId="3679982346" sldId="264"/>
-            <ac:spMk id="15" creationId="{00000000-0000-0000-0000-000000000000}"/>
-          </ac:spMkLst>
-        </pc:spChg>
-        <pc:spChg chg="add del">
-          <ac:chgData name="" userId="" providerId="" clId="Web-{9C6AEF46-6462-4BA0-9C07-D99E4777B665}" dt="2020-06-07T01:12:07.472" v="28"/>
-          <ac:spMkLst>
-            <pc:docMk/>
-            <pc:sldMk cId="3679982346" sldId="264"/>
-            <ac:spMk id="20" creationId="{00000000-0000-0000-0000-000000000000}"/>
-          </ac:spMkLst>
-        </pc:spChg>
-        <pc:spChg chg="add del">
-          <ac:chgData name="" userId="" providerId="" clId="Web-{9C6AEF46-6462-4BA0-9C07-D99E4777B665}" dt="2020-06-07T01:12:07.472" v="29"/>
-          <ac:spMkLst>
-            <pc:docMk/>
-            <pc:sldMk cId="3679982346" sldId="264"/>
-            <ac:spMk id="21" creationId="{00000000-0000-0000-0000-000000000000}"/>
-          </ac:spMkLst>
-        </pc:spChg>
-        <pc:spChg chg="add del">
-          <ac:chgData name="" userId="" providerId="" clId="Web-{9C6AEF46-6462-4BA0-9C07-D99E4777B665}" dt="2020-06-07T01:12:07.487" v="32"/>
-          <ac:spMkLst>
-            <pc:docMk/>
-            <pc:sldMk cId="3679982346" sldId="264"/>
-            <ac:spMk id="38" creationId="{00000000-0000-0000-0000-000000000000}"/>
-          </ac:spMkLst>
-        </pc:spChg>
-        <pc:spChg chg="add del">
-          <ac:chgData name="" userId="" providerId="" clId="Web-{9C6AEF46-6462-4BA0-9C07-D99E4777B665}" dt="2020-06-07T01:12:07.503" v="33"/>
-          <ac:spMkLst>
-            <pc:docMk/>
-            <pc:sldMk cId="3679982346" sldId="264"/>
-            <ac:spMk id="39" creationId="{00000000-0000-0000-0000-000000000000}"/>
-          </ac:spMkLst>
-        </pc:spChg>
-        <pc:spChg chg="add del">
-          <ac:chgData name="" userId="" providerId="" clId="Web-{9C6AEF46-6462-4BA0-9C07-D99E4777B665}" dt="2020-06-07T01:12:07.503" v="34"/>
-          <ac:spMkLst>
-            <pc:docMk/>
-            <pc:sldMk cId="3679982346" sldId="264"/>
-            <ac:spMk id="40" creationId="{00000000-0000-0000-0000-000000000000}"/>
-          </ac:spMkLst>
-        </pc:spChg>
-        <pc:spChg chg="add del">
-          <ac:chgData name="" userId="" providerId="" clId="Web-{9C6AEF46-6462-4BA0-9C07-D99E4777B665}" dt="2020-06-07T01:12:07.518" v="35"/>
-          <ac:spMkLst>
-            <pc:docMk/>
-            <pc:sldMk cId="3679982346" sldId="264"/>
-            <ac:spMk id="41" creationId="{00000000-0000-0000-0000-000000000000}"/>
-          </ac:spMkLst>
-        </pc:spChg>
-        <pc:spChg chg="add del">
-          <ac:chgData name="" userId="" providerId="" clId="Web-{9C6AEF46-6462-4BA0-9C07-D99E4777B665}" dt="2020-06-07T01:12:07.518" v="36"/>
-          <ac:spMkLst>
-            <pc:docMk/>
-            <pc:sldMk cId="3679982346" sldId="264"/>
-            <ac:spMk id="42" creationId="{00000000-0000-0000-0000-000000000000}"/>
-          </ac:spMkLst>
-        </pc:spChg>
-        <pc:spChg chg="add del">
-          <ac:chgData name="" userId="" providerId="" clId="Web-{9C6AEF46-6462-4BA0-9C07-D99E4777B665}" dt="2020-06-07T01:12:07.534" v="37"/>
-          <ac:spMkLst>
-            <pc:docMk/>
-            <pc:sldMk cId="3679982346" sldId="264"/>
-            <ac:spMk id="45" creationId="{00000000-0000-0000-0000-000000000000}"/>
-          </ac:spMkLst>
-        </pc:spChg>
-        <pc:spChg chg="add del">
-          <ac:chgData name="" userId="" providerId="" clId="Web-{9C6AEF46-6462-4BA0-9C07-D99E4777B665}" dt="2020-06-07T01:12:07.550" v="38"/>
-          <ac:spMkLst>
-            <pc:docMk/>
-            <pc:sldMk cId="3679982346" sldId="264"/>
-            <ac:spMk id="50" creationId="{00000000-0000-0000-0000-000000000000}"/>
-          </ac:spMkLst>
-        </pc:spChg>
-        <pc:spChg chg="add del">
-          <ac:chgData name="" userId="" providerId="" clId="Web-{9C6AEF46-6462-4BA0-9C07-D99E4777B665}" dt="2020-06-07T01:12:07.565" v="39"/>
-          <ac:spMkLst>
-            <pc:docMk/>
-            <pc:sldMk cId="3679982346" sldId="264"/>
-            <ac:spMk id="51" creationId="{00000000-0000-0000-0000-000000000000}"/>
-          </ac:spMkLst>
-        </pc:spChg>
-        <pc:spChg chg="add del">
-          <ac:chgData name="" userId="" providerId="" clId="Web-{9C6AEF46-6462-4BA0-9C07-D99E4777B665}" dt="2020-06-07T01:12:07.565" v="40"/>
-          <ac:spMkLst>
-            <pc:docMk/>
-            <pc:sldMk cId="3679982346" sldId="264"/>
-            <ac:spMk id="52" creationId="{00000000-0000-0000-0000-000000000000}"/>
-          </ac:spMkLst>
-        </pc:spChg>
-        <pc:spChg chg="add del">
-          <ac:chgData name="" userId="" providerId="" clId="Web-{9C6AEF46-6462-4BA0-9C07-D99E4777B665}" dt="2020-06-07T01:12:07.581" v="41"/>
-          <ac:spMkLst>
-            <pc:docMk/>
-            <pc:sldMk cId="3679982346" sldId="264"/>
-            <ac:spMk id="53" creationId="{00000000-0000-0000-0000-000000000000}"/>
-          </ac:spMkLst>
-        </pc:spChg>
-        <pc:cxnChg chg="add del mod">
-          <ac:chgData name="" userId="" providerId="" clId="Web-{9C6AEF46-6462-4BA0-9C07-D99E4777B665}" dt="2020-06-07T01:12:07.487" v="30"/>
-          <ac:cxnSpMkLst>
-            <pc:docMk/>
-            <pc:sldMk cId="3679982346" sldId="264"/>
-            <ac:cxnSpMk id="35" creationId="{00000000-0000-0000-0000-000000000000}"/>
-          </ac:cxnSpMkLst>
-        </pc:cxnChg>
-        <pc:cxnChg chg="add del mod">
-          <ac:chgData name="" userId="" providerId="" clId="Web-{9C6AEF46-6462-4BA0-9C07-D99E4777B665}" dt="2020-06-07T01:12:07.487" v="31"/>
-          <ac:cxnSpMkLst>
-            <pc:docMk/>
-            <pc:sldMk cId="3679982346" sldId="264"/>
-            <ac:cxnSpMk id="37" creationId="{00000000-0000-0000-0000-000000000000}"/>
-          </ac:cxnSpMkLst>
-        </pc:cxnChg>
-        <pc:cxnChg chg="add del mod">
-          <ac:chgData name="" userId="" providerId="" clId="Web-{9C6AEF46-6462-4BA0-9C07-D99E4777B665}" dt="2020-06-07T01:12:07.597" v="42"/>
-          <ac:cxnSpMkLst>
-            <pc:docMk/>
-            <pc:sldMk cId="3679982346" sldId="264"/>
-            <ac:cxnSpMk id="55" creationId="{00000000-0000-0000-0000-000000000000}"/>
-          </ac:cxnSpMkLst>
-        </pc:cxnChg>
-        <pc:cxnChg chg="add del">
-          <ac:chgData name="" userId="" providerId="" clId="Web-{9C6AEF46-6462-4BA0-9C07-D99E4777B665}" dt="2020-06-07T01:12:07.612" v="43"/>
-          <ac:cxnSpMkLst>
-            <pc:docMk/>
-            <pc:sldMk cId="3679982346" sldId="264"/>
-            <ac:cxnSpMk id="57" creationId="{00000000-0000-0000-0000-000000000000}"/>
-          </ac:cxnSpMkLst>
-        </pc:cxnChg>
-        <pc:cxnChg chg="add del">
-          <ac:chgData name="" userId="" providerId="" clId="Web-{9C6AEF46-6462-4BA0-9C07-D99E4777B665}" dt="2020-06-07T01:12:07.612" v="44"/>
-          <ac:cxnSpMkLst>
-            <pc:docMk/>
-            <pc:sldMk cId="3679982346" sldId="264"/>
-            <ac:cxnSpMk id="59" creationId="{00000000-0000-0000-0000-000000000000}"/>
-          </ac:cxnSpMkLst>
-        </pc:cxnChg>
-        <pc:cxnChg chg="add del mod">
-          <ac:chgData name="" userId="" providerId="" clId="Web-{9C6AEF46-6462-4BA0-9C07-D99E4777B665}" dt="2020-06-07T01:12:07.628" v="45"/>
-          <ac:cxnSpMkLst>
-            <pc:docMk/>
-            <pc:sldMk cId="3679982346" sldId="264"/>
-            <ac:cxnSpMk id="77" creationId="{00000000-0000-0000-0000-000000000000}"/>
-          </ac:cxnSpMkLst>
-        </pc:cxnChg>
-        <pc:cxnChg chg="add del">
-          <ac:chgData name="" userId="" providerId="" clId="Web-{9C6AEF46-6462-4BA0-9C07-D99E4777B665}" dt="2020-06-07T01:12:07.628" v="46"/>
-          <ac:cxnSpMkLst>
-            <pc:docMk/>
-            <pc:sldMk cId="3679982346" sldId="264"/>
-            <ac:cxnSpMk id="79" creationId="{00000000-0000-0000-0000-000000000000}"/>
-          </ac:cxnSpMkLst>
-        </pc:cxnChg>
-        <pc:cxnChg chg="add del mod">
-          <ac:chgData name="" userId="" providerId="" clId="Web-{9C6AEF46-6462-4BA0-9C07-D99E4777B665}" dt="2020-06-07T01:12:07.643" v="47"/>
-          <ac:cxnSpMkLst>
-            <pc:docMk/>
-            <pc:sldMk cId="3679982346" sldId="264"/>
-            <ac:cxnSpMk id="100" creationId="{00000000-0000-0000-0000-000000000000}"/>
-          </ac:cxnSpMkLst>
-        </pc:cxnChg>
-        <pc:cxnChg chg="add del">
-          <ac:chgData name="" userId="" providerId="" clId="Web-{9C6AEF46-6462-4BA0-9C07-D99E4777B665}" dt="2020-06-07T01:12:07.659" v="48"/>
-          <ac:cxnSpMkLst>
-            <pc:docMk/>
-            <pc:sldMk cId="3679982346" sldId="264"/>
-            <ac:cxnSpMk id="104" creationId="{00000000-0000-0000-0000-000000000000}"/>
-          </ac:cxnSpMkLst>
-        </pc:cxnChg>
-        <pc:cxnChg chg="add del mod">
-          <ac:chgData name="" userId="" providerId="" clId="Web-{9C6AEF46-6462-4BA0-9C07-D99E4777B665}" dt="2020-06-07T01:12:07.659" v="49"/>
-          <ac:cxnSpMkLst>
-            <pc:docMk/>
-            <pc:sldMk cId="3679982346" sldId="264"/>
-            <ac:cxnSpMk id="114" creationId="{00000000-0000-0000-0000-000000000000}"/>
-          </ac:cxnSpMkLst>
-        </pc:cxnChg>
-        <pc:cxnChg chg="add del">
-          <ac:chgData name="" userId="" providerId="" clId="Web-{9C6AEF46-6462-4BA0-9C07-D99E4777B665}" dt="2020-06-07T01:12:07.675" v="50"/>
-          <ac:cxnSpMkLst>
-            <pc:docMk/>
-            <pc:sldMk cId="3679982346" sldId="264"/>
-            <ac:cxnSpMk id="116" creationId="{00000000-0000-0000-0000-000000000000}"/>
-          </ac:cxnSpMkLst>
-        </pc:cxnChg>
-        <pc:cxnChg chg="add del mod">
-          <ac:chgData name="" userId="" providerId="" clId="Web-{9C6AEF46-6462-4BA0-9C07-D99E4777B665}" dt="2020-06-07T01:12:07.690" v="51"/>
-          <ac:cxnSpMkLst>
-            <pc:docMk/>
-            <pc:sldMk cId="3679982346" sldId="264"/>
-            <ac:cxnSpMk id="118" creationId="{00000000-0000-0000-0000-000000000000}"/>
-          </ac:cxnSpMkLst>
-        </pc:cxnChg>
-        <pc:cxnChg chg="add del">
-          <ac:chgData name="" userId="" providerId="" clId="Web-{9C6AEF46-6462-4BA0-9C07-D99E4777B665}" dt="2020-06-07T01:12:07.690" v="52"/>
-          <ac:cxnSpMkLst>
-            <pc:docMk/>
-            <pc:sldMk cId="3679982346" sldId="264"/>
-            <ac:cxnSpMk id="122" creationId="{00000000-0000-0000-0000-000000000000}"/>
-          </ac:cxnSpMkLst>
-        </pc:cxnChg>
-        <pc:cxnChg chg="add del">
-          <ac:chgData name="" userId="" providerId="" clId="Web-{9C6AEF46-6462-4BA0-9C07-D99E4777B665}" dt="2020-06-07T01:12:07.706" v="53"/>
-          <ac:cxnSpMkLst>
-            <pc:docMk/>
-            <pc:sldMk cId="3679982346" sldId="264"/>
-            <ac:cxnSpMk id="128" creationId="{00000000-0000-0000-0000-000000000000}"/>
-          </ac:cxnSpMkLst>
-        </pc:cxnChg>
+        <pc:graphicFrameChg chg="add del mod">
+          <ac:chgData name="" userId="" providerId="" clId="Web-{20578CFB-1826-4E69-8B9B-091B37BE3DCA}" dt="2020-06-03T19:00:53.510" v="253"/>
+          <ac:graphicFrameMkLst>
+            <pc:docMk/>
+            <pc:sldMk cId="3632528848" sldId="285"/>
+            <ac:graphicFrameMk id="11" creationId="{5DAF14BA-2EE1-433A-95F1-219EBB828BB0}"/>
+          </ac:graphicFrameMkLst>
+        </pc:graphicFrameChg>
       </pc:sldChg>
     </pc:docChg>
   </pc:docChgLst>
@@ -2174,7 +2171,7 @@
           <a:p>
             <a:fld id="{EBB5A0CF-0954-4876-A0B1-0AB96B8B51C5}" type="datetimeFigureOut">
               <a:rPr lang="ru-RU" smtClean="0"/>
-              <a:t>04.06.2025</a:t>
+              <a:t>05.06.2025</a:t>
             </a:fld>
             <a:endParaRPr lang="ru-RU"/>
           </a:p>
@@ -2339,7 +2336,7 @@
           <a:p>
             <a:fld id="{7177AB9E-1F6A-42AA-9770-C37E2EE1D03E}" type="datetimeFigureOut">
               <a:rPr lang="ru-RU" smtClean="0"/>
-              <a:t>04.06.2025</a:t>
+              <a:t>05.06.2025</a:t>
             </a:fld>
             <a:endParaRPr lang="ru-RU"/>
           </a:p>
@@ -2735,7 +2732,7 @@
           <a:p>
             <a:fld id="{3061A0F8-AE6A-4D46-B928-7359BADCE883}" type="datetimeFigureOut">
               <a:rPr lang="ru-RU" smtClean="0"/>
-              <a:t>04.06.2025</a:t>
+              <a:t>05.06.2025</a:t>
             </a:fld>
             <a:endParaRPr lang="ru-RU"/>
           </a:p>
@@ -2906,7 +2903,7 @@
           <a:p>
             <a:fld id="{3061A0F8-AE6A-4D46-B928-7359BADCE883}" type="datetimeFigureOut">
               <a:rPr lang="ru-RU" smtClean="0"/>
-              <a:t>04.06.2025</a:t>
+              <a:t>05.06.2025</a:t>
             </a:fld>
             <a:endParaRPr lang="ru-RU"/>
           </a:p>
@@ -3087,7 +3084,7 @@
           <a:p>
             <a:fld id="{3061A0F8-AE6A-4D46-B928-7359BADCE883}" type="datetimeFigureOut">
               <a:rPr lang="ru-RU" smtClean="0"/>
-              <a:t>04.06.2025</a:t>
+              <a:t>05.06.2025</a:t>
             </a:fld>
             <a:endParaRPr lang="ru-RU"/>
           </a:p>
@@ -3258,7 +3255,7 @@
           <a:p>
             <a:fld id="{3061A0F8-AE6A-4D46-B928-7359BADCE883}" type="datetimeFigureOut">
               <a:rPr lang="ru-RU" smtClean="0"/>
-              <a:t>04.06.2025</a:t>
+              <a:t>05.06.2025</a:t>
             </a:fld>
             <a:endParaRPr lang="ru-RU"/>
           </a:p>
@@ -3506,7 +3503,7 @@
           <a:p>
             <a:fld id="{3061A0F8-AE6A-4D46-B928-7359BADCE883}" type="datetimeFigureOut">
               <a:rPr lang="ru-RU" smtClean="0"/>
-              <a:t>04.06.2025</a:t>
+              <a:t>05.06.2025</a:t>
             </a:fld>
             <a:endParaRPr lang="ru-RU"/>
           </a:p>
@@ -3738,7 +3735,7 @@
           <a:p>
             <a:fld id="{3061A0F8-AE6A-4D46-B928-7359BADCE883}" type="datetimeFigureOut">
               <a:rPr lang="ru-RU" smtClean="0"/>
-              <a:t>04.06.2025</a:t>
+              <a:t>05.06.2025</a:t>
             </a:fld>
             <a:endParaRPr lang="ru-RU"/>
           </a:p>
@@ -4105,7 +4102,7 @@
           <a:p>
             <a:fld id="{3061A0F8-AE6A-4D46-B928-7359BADCE883}" type="datetimeFigureOut">
               <a:rPr lang="ru-RU" smtClean="0"/>
-              <a:t>04.06.2025</a:t>
+              <a:t>05.06.2025</a:t>
             </a:fld>
             <a:endParaRPr lang="ru-RU"/>
           </a:p>
@@ -4225,7 +4222,7 @@
           <a:p>
             <a:fld id="{3061A0F8-AE6A-4D46-B928-7359BADCE883}" type="datetimeFigureOut">
               <a:rPr lang="ru-RU" smtClean="0"/>
-              <a:t>04.06.2025</a:t>
+              <a:t>05.06.2025</a:t>
             </a:fld>
             <a:endParaRPr lang="ru-RU"/>
           </a:p>
@@ -4323,7 +4320,7 @@
           <a:p>
             <a:fld id="{3061A0F8-AE6A-4D46-B928-7359BADCE883}" type="datetimeFigureOut">
               <a:rPr lang="ru-RU" smtClean="0"/>
-              <a:t>04.06.2025</a:t>
+              <a:t>05.06.2025</a:t>
             </a:fld>
             <a:endParaRPr lang="ru-RU"/>
           </a:p>
@@ -4601,7 +4598,7 @@
           <a:p>
             <a:fld id="{3061A0F8-AE6A-4D46-B928-7359BADCE883}" type="datetimeFigureOut">
               <a:rPr lang="ru-RU" smtClean="0"/>
-              <a:t>04.06.2025</a:t>
+              <a:t>05.06.2025</a:t>
             </a:fld>
             <a:endParaRPr lang="ru-RU"/>
           </a:p>
@@ -4856,7 +4853,7 @@
           <a:p>
             <a:fld id="{3061A0F8-AE6A-4D46-B928-7359BADCE883}" type="datetimeFigureOut">
               <a:rPr lang="ru-RU" smtClean="0"/>
-              <a:t>04.06.2025</a:t>
+              <a:t>05.06.2025</a:t>
             </a:fld>
             <a:endParaRPr lang="ru-RU"/>
           </a:p>
@@ -5073,7 +5070,7 @@
           <a:p>
             <a:fld id="{3061A0F8-AE6A-4D46-B928-7359BADCE883}" type="datetimeFigureOut">
               <a:rPr lang="ru-RU" smtClean="0"/>
-              <a:t>04.06.2025</a:t>
+              <a:t>05.06.2025</a:t>
             </a:fld>
             <a:endParaRPr lang="ru-RU"/>
           </a:p>
@@ -6004,49 +6001,6 @@
       </p:sp>
       <p:sp>
         <p:nvSpPr>
-          <p:cNvPr id="3" name="TextBox 2"/>
-          <p:cNvSpPr txBox="1"/>
-          <p:nvPr/>
-        </p:nvSpPr>
-        <p:spPr>
-          <a:xfrm>
-            <a:off x="8154444" y="211366"/>
-            <a:ext cx="3735869" cy="523220"/>
-          </a:xfrm>
-          <a:prstGeom prst="rect">
-            <a:avLst/>
-          </a:prstGeom>
-          <a:noFill/>
-        </p:spPr>
-        <p:txBody>
-          <a:bodyPr wrap="square" rtlCol="0" anchor="t">
-            <a:spAutoFit/>
-          </a:bodyPr>
-          <a:lstStyle/>
-          <a:p>
-            <a:r>
-              <a:rPr lang="ru-RU" sz="2800" b="1" dirty="0">
-                <a:solidFill>
-                  <a:srgbClr val="002060"/>
-                </a:solidFill>
-                <a:latin typeface="Times New Roman"/>
-                <a:ea typeface="Calibri" panose="020F0502020204030204" pitchFamily="34" charset="0"/>
-                <a:cs typeface="Times New Roman"/>
-              </a:rPr>
-              <a:t>Вывод по I ГЛАВЕ</a:t>
-            </a:r>
-            <a:endParaRPr lang="ru-RU" sz="2800" b="1" dirty="0">
-              <a:solidFill>
-                <a:srgbClr val="002060"/>
-              </a:solidFill>
-              <a:latin typeface="Times New Roman" panose="02020603050405020304" pitchFamily="18" charset="0"/>
-              <a:ea typeface="Calibri" panose="020F0502020204030204" pitchFamily="34" charset="0"/>
-            </a:endParaRPr>
-          </a:p>
-        </p:txBody>
-      </p:sp>
-      <p:sp>
-        <p:nvSpPr>
           <p:cNvPr id="12" name="TextBox 11"/>
           <p:cNvSpPr txBox="1"/>
           <p:nvPr/>
@@ -6203,88 +6157,229 @@
       </p:sp>
       <p:sp>
         <p:nvSpPr>
-          <p:cNvPr id="4" name="TextBox 3"/>
-          <p:cNvSpPr txBox="1"/>
+          <p:cNvPr id="5" name="Прямоугольник 4">
+            <a:extLst>
+              <a:ext uri="{FF2B5EF4-FFF2-40B4-BE49-F238E27FC236}">
+                <a16:creationId xmlns:a16="http://schemas.microsoft.com/office/drawing/2014/main" id="{7CFC94A7-E8DC-46A7-9F88-A6B1743D8F06}"/>
+              </a:ext>
+            </a:extLst>
+          </p:cNvPr>
+          <p:cNvSpPr/>
           <p:nvPr/>
         </p:nvSpPr>
         <p:spPr>
           <a:xfrm>
-            <a:off x="773047" y="1568695"/>
-            <a:ext cx="10951315" cy="1323439"/>
-          </a:xfrm>
-          <a:prstGeom prst="rect">
-            <a:avLst/>
-          </a:prstGeom>
-          <a:noFill/>
-        </p:spPr>
-        <p:txBody>
-          <a:bodyPr wrap="square" rtlCol="0" anchor="t">
+            <a:off x="8154445" y="277429"/>
+            <a:ext cx="2778005" cy="461665"/>
+          </a:xfrm>
+          <a:prstGeom prst="rect">
+            <a:avLst/>
+          </a:prstGeom>
+        </p:spPr>
+        <p:txBody>
+          <a:bodyPr wrap="none">
             <a:spAutoFit/>
           </a:bodyPr>
           <a:lstStyle/>
           <a:p>
             <a:r>
-              <a:rPr lang="ru-RU" sz="2000" dirty="0">
+              <a:rPr lang="ru-RU" sz="2400" b="1" dirty="0">
+                <a:solidFill>
+                  <a:srgbClr val="002060"/>
+                </a:solidFill>
+                <a:latin typeface="Times New Roman"/>
+                <a:ea typeface="Calibri" panose="020F0502020204030204" pitchFamily="34" charset="0"/>
+                <a:cs typeface="Times New Roman"/>
+              </a:rPr>
+              <a:t>ТЕСТИРОВАНИЕ</a:t>
+            </a:r>
+            <a:endParaRPr lang="ru-RU" b="1" dirty="0">
+              <a:solidFill>
+                <a:srgbClr val="002060"/>
+              </a:solidFill>
+              <a:latin typeface="Times New Roman" panose="02020603050405020304" pitchFamily="18" charset="0"/>
+              <a:ea typeface="Calibri" panose="020F0502020204030204" pitchFamily="34" charset="0"/>
+            </a:endParaRPr>
+          </a:p>
+        </p:txBody>
+      </p:sp>
+      <p:sp>
+        <p:nvSpPr>
+          <p:cNvPr id="10" name="Прямоугольник 9">
+            <a:extLst>
+              <a:ext uri="{FF2B5EF4-FFF2-40B4-BE49-F238E27FC236}">
+                <a16:creationId xmlns:a16="http://schemas.microsoft.com/office/drawing/2014/main" id="{D8DD76B0-F013-4432-8117-55EA212CB328}"/>
+              </a:ext>
+            </a:extLst>
+          </p:cNvPr>
+          <p:cNvSpPr/>
+          <p:nvPr/>
+        </p:nvSpPr>
+        <p:spPr>
+          <a:xfrm>
+            <a:off x="679550" y="1593196"/>
+            <a:ext cx="6124847" cy="1200329"/>
+          </a:xfrm>
+          <a:prstGeom prst="rect">
+            <a:avLst/>
+          </a:prstGeom>
+        </p:spPr>
+        <p:txBody>
+          <a:bodyPr wrap="square">
+            <a:spAutoFit/>
+          </a:bodyPr>
+          <a:lstStyle/>
+          <a:p>
+            <a:r>
+              <a:rPr lang="ru-RU" dirty="0">
                 <a:latin typeface="Times New Roman" panose="02020603050405020304" pitchFamily="18" charset="0"/>
                 <a:cs typeface="Times New Roman" panose="02020603050405020304" pitchFamily="18" charset="0"/>
               </a:rPr>
-              <a:t>В результате, в первой главе, были рассмотрены и перечислены характеристики беспроводной сети </a:t>
-            </a:r>
-            <a:r>
-              <a:rPr lang="en-US" sz="2000" dirty="0">
-                <a:latin typeface="Times New Roman" panose="02020603050405020304" pitchFamily="18" charset="0"/>
-                <a:cs typeface="Times New Roman" panose="02020603050405020304" pitchFamily="18" charset="0"/>
+              <a:t>Платформа прошла функциональное и пользовательское тестирование. Все ключевые модули работают корректно, интерфейс интуитивно понятен. Платформа готова к практическому использованию.</a:t>
+            </a:r>
+            <a:endParaRPr lang="ru-RU" dirty="0"/>
+          </a:p>
+        </p:txBody>
+      </p:sp>
+      <p:pic>
+        <p:nvPicPr>
+          <p:cNvPr id="13" name="Рисунок 12">
+            <a:extLst>
+              <a:ext uri="{FF2B5EF4-FFF2-40B4-BE49-F238E27FC236}">
+                <a16:creationId xmlns:a16="http://schemas.microsoft.com/office/drawing/2014/main" id="{5A5D3EDC-1AF5-4F60-A6A7-E79E2C3B94A2}"/>
+              </a:ext>
+            </a:extLst>
+          </p:cNvPr>
+          <p:cNvPicPr/>
+          <p:nvPr/>
+        </p:nvPicPr>
+        <p:blipFill>
+          <a:blip r:embed="rId3">
+            <a:extLst>
+              <a:ext uri="{28A0092B-C50C-407E-A947-70E740481C1C}">
+                <a14:useLocalDpi xmlns:a14="http://schemas.microsoft.com/office/drawing/2010/main" val="0"/>
+              </a:ext>
+            </a:extLst>
+          </a:blip>
+          <a:srcRect/>
+          <a:stretch>
+            <a:fillRect/>
+          </a:stretch>
+        </p:blipFill>
+        <p:spPr bwMode="auto">
+          <a:xfrm>
+            <a:off x="7647852" y="2101892"/>
+            <a:ext cx="3505200" cy="3515995"/>
+          </a:xfrm>
+          <a:prstGeom prst="rect">
+            <a:avLst/>
+          </a:prstGeom>
+          <a:noFill/>
+          <a:ln>
+            <a:noFill/>
+          </a:ln>
+        </p:spPr>
+      </p:pic>
+      <p:pic>
+        <p:nvPicPr>
+          <p:cNvPr id="11" name="Рисунок 10">
+            <a:extLst>
+              <a:ext uri="{FF2B5EF4-FFF2-40B4-BE49-F238E27FC236}">
+                <a16:creationId xmlns:a16="http://schemas.microsoft.com/office/drawing/2014/main" id="{5CA4F1AE-C460-40FF-B214-BF38D9D9555A}"/>
+              </a:ext>
+            </a:extLst>
+          </p:cNvPr>
+          <p:cNvPicPr>
+            <a:picLocks noChangeAspect="1"/>
+          </p:cNvPicPr>
+          <p:nvPr/>
+        </p:nvPicPr>
+        <p:blipFill>
+          <a:blip r:embed="rId4"/>
+          <a:stretch>
+            <a:fillRect/>
+          </a:stretch>
+        </p:blipFill>
+        <p:spPr>
+          <a:xfrm>
+            <a:off x="1333027" y="3768919"/>
+            <a:ext cx="5410200" cy="1066800"/>
+          </a:xfrm>
+          <a:prstGeom prst="rect">
+            <a:avLst/>
+          </a:prstGeom>
+        </p:spPr>
+      </p:pic>
+      <p:sp>
+        <p:nvSpPr>
+          <p:cNvPr id="14" name="Прямоугольник 13">
+            <a:extLst>
+              <a:ext uri="{FF2B5EF4-FFF2-40B4-BE49-F238E27FC236}">
+                <a16:creationId xmlns:a16="http://schemas.microsoft.com/office/drawing/2014/main" id="{F1284262-D0FC-4871-9F32-6D3E7BAB7CC3}"/>
+              </a:ext>
+            </a:extLst>
+          </p:cNvPr>
+          <p:cNvSpPr/>
+          <p:nvPr/>
+        </p:nvSpPr>
+        <p:spPr>
+          <a:xfrm>
+            <a:off x="7298723" y="1731953"/>
+            <a:ext cx="4203458" cy="369332"/>
+          </a:xfrm>
+          <a:prstGeom prst="rect">
+            <a:avLst/>
+          </a:prstGeom>
+        </p:spPr>
+        <p:txBody>
+          <a:bodyPr wrap="none">
+            <a:spAutoFit/>
+          </a:bodyPr>
+          <a:lstStyle/>
+          <a:p>
+            <a:r>
+              <a:rPr lang="ru-RU" dirty="0">
+                <a:latin typeface="Times New Roman"/>
+                <a:cs typeface="Times New Roman"/>
               </a:rPr>
-              <a:t>Wi-Fi</a:t>
-            </a:r>
-            <a:r>
-              <a:rPr lang="ru-RU" sz="2000" dirty="0">
-                <a:latin typeface="Times New Roman" panose="02020603050405020304" pitchFamily="18" charset="0"/>
-                <a:cs typeface="Times New Roman" panose="02020603050405020304" pitchFamily="18" charset="0"/>
+              <a:t>Главная страница с созданными курсами</a:t>
+            </a:r>
+          </a:p>
+        </p:txBody>
+      </p:sp>
+      <p:sp>
+        <p:nvSpPr>
+          <p:cNvPr id="15" name="Прямоугольник 14">
+            <a:extLst>
+              <a:ext uri="{FF2B5EF4-FFF2-40B4-BE49-F238E27FC236}">
+                <a16:creationId xmlns:a16="http://schemas.microsoft.com/office/drawing/2014/main" id="{A23A2AB8-A830-46D9-AAEC-61DEC77AC8C9}"/>
+              </a:ext>
+            </a:extLst>
+          </p:cNvPr>
+          <p:cNvSpPr/>
+          <p:nvPr/>
+        </p:nvSpPr>
+        <p:spPr>
+          <a:xfrm>
+            <a:off x="1271857" y="3429000"/>
+            <a:ext cx="5532540" cy="369332"/>
+          </a:xfrm>
+          <a:prstGeom prst="rect">
+            <a:avLst/>
+          </a:prstGeom>
+        </p:spPr>
+        <p:txBody>
+          <a:bodyPr wrap="none">
+            <a:spAutoFit/>
+          </a:bodyPr>
+          <a:lstStyle/>
+          <a:p>
+            <a:r>
+              <a:rPr lang="ru-RU" dirty="0">
+                <a:latin typeface="Times New Roman"/>
+                <a:cs typeface="Times New Roman"/>
               </a:rPr>
-              <a:t>. Изучены достоинства и недостатки. В результате был выбран маршрутизатор </a:t>
-            </a:r>
-            <a:r>
-              <a:rPr lang="ru-RU" sz="2000" dirty="0" err="1">
-                <a:latin typeface="Times New Roman" panose="02020603050405020304" pitchFamily="18" charset="0"/>
-                <a:cs typeface="Times New Roman" panose="02020603050405020304" pitchFamily="18" charset="0"/>
-              </a:rPr>
-              <a:t>Keenetic</a:t>
-            </a:r>
-            <a:r>
-              <a:rPr lang="ru-RU" sz="2000" dirty="0">
-                <a:latin typeface="Times New Roman" panose="02020603050405020304" pitchFamily="18" charset="0"/>
-                <a:cs typeface="Times New Roman" panose="02020603050405020304" pitchFamily="18" charset="0"/>
-              </a:rPr>
-              <a:t> </a:t>
-            </a:r>
-            <a:r>
-              <a:rPr lang="ru-RU" sz="2000" dirty="0" err="1">
-                <a:latin typeface="Times New Roman" panose="02020603050405020304" pitchFamily="18" charset="0"/>
-                <a:cs typeface="Times New Roman" panose="02020603050405020304" pitchFamily="18" charset="0"/>
-              </a:rPr>
-              <a:t>Sprinter</a:t>
-            </a:r>
-            <a:r>
-              <a:rPr lang="ru-RU" sz="2000" dirty="0">
-                <a:latin typeface="Times New Roman" panose="02020603050405020304" pitchFamily="18" charset="0"/>
-                <a:cs typeface="Times New Roman" panose="02020603050405020304" pitchFamily="18" charset="0"/>
-              </a:rPr>
-              <a:t>, а также адаптеры </a:t>
-            </a:r>
-            <a:r>
-              <a:rPr lang="ru-RU" sz="2000" dirty="0" err="1">
-                <a:latin typeface="Times New Roman" panose="02020603050405020304" pitchFamily="18" charset="0"/>
-                <a:cs typeface="Times New Roman" panose="02020603050405020304" pitchFamily="18" charset="0"/>
-              </a:rPr>
-              <a:t>ZyXEL</a:t>
-            </a:r>
-            <a:r>
-              <a:rPr lang="ru-RU" sz="2000" dirty="0">
-                <a:latin typeface="Times New Roman" panose="02020603050405020304" pitchFamily="18" charset="0"/>
-                <a:cs typeface="Times New Roman" panose="02020603050405020304" pitchFamily="18" charset="0"/>
-              </a:rPr>
-              <a:t> NWD6602. Настройку маршрутизатора рассмотрим в следящей главе.</a:t>
+              <a:t>Соответствие информации БД с имеющейся на сайте</a:t>
             </a:r>
           </a:p>
         </p:txBody>
@@ -6330,8 +6425,8 @@
         </p:nvSpPr>
         <p:spPr>
           <a:xfrm>
-            <a:off x="6816670" y="0"/>
-            <a:ext cx="5375330" cy="190500"/>
+            <a:off x="6724003" y="0"/>
+            <a:ext cx="5467997" cy="190500"/>
           </a:xfrm>
           <a:prstGeom prst="rect">
             <a:avLst/>
@@ -6422,8 +6517,8 @@
         </p:nvSpPr>
         <p:spPr>
           <a:xfrm>
-            <a:off x="6815066" y="286006"/>
-            <a:ext cx="5376934" cy="1384995"/>
+            <a:off x="6724003" y="286006"/>
+            <a:ext cx="3769909" cy="523220"/>
           </a:xfrm>
           <a:prstGeom prst="rect">
             <a:avLst/>
@@ -6431,7 +6526,7 @@
           <a:noFill/>
         </p:spPr>
         <p:txBody>
-          <a:bodyPr wrap="square" rtlCol="0" anchor="t">
+          <a:bodyPr wrap="square" rtlCol="0">
             <a:spAutoFit/>
           </a:bodyPr>
           <a:lstStyle/>
@@ -6441,53 +6536,11 @@
                 <a:solidFill>
                   <a:srgbClr val="002060"/>
                 </a:solidFill>
-                <a:latin typeface="Times New Roman"/>
+                <a:latin typeface="Times New Roman" panose="02020603050405020304" pitchFamily="18" charset="0"/>
                 <a:ea typeface="Calibri" panose="020F0502020204030204" pitchFamily="34" charset="0"/>
-                <a:cs typeface="Times New Roman"/>
               </a:rPr>
-              <a:t>ГЛАВА </a:t>
-            </a:r>
-            <a:r>
-              <a:rPr lang="en-US" sz="2800" b="1" dirty="0">
-                <a:solidFill>
-                  <a:srgbClr val="002060"/>
-                </a:solidFill>
-                <a:latin typeface="Times New Roman"/>
-                <a:ea typeface="Calibri" panose="020F0502020204030204" pitchFamily="34" charset="0"/>
-                <a:cs typeface="Times New Roman"/>
-              </a:rPr>
-              <a:t>II</a:t>
-            </a:r>
-            <a:r>
-              <a:rPr lang="ru-RU" sz="2800" b="1" dirty="0">
-                <a:solidFill>
-                  <a:srgbClr val="002060"/>
-                </a:solidFill>
-                <a:latin typeface="Times New Roman"/>
-                <a:ea typeface="Calibri" panose="020F0502020204030204" pitchFamily="34" charset="0"/>
-                <a:cs typeface="Times New Roman"/>
-              </a:rPr>
-              <a:t>. Анализ сети и проектирование беспроводной сети </a:t>
-            </a:r>
-            <a:r>
-              <a:rPr lang="en-US" sz="2800" b="1" dirty="0">
-                <a:solidFill>
-                  <a:srgbClr val="002060"/>
-                </a:solidFill>
-                <a:latin typeface="Times New Roman"/>
-                <a:ea typeface="Calibri" panose="020F0502020204030204" pitchFamily="34" charset="0"/>
-                <a:cs typeface="Times New Roman"/>
-              </a:rPr>
-              <a:t>Wi-Fi</a:t>
-            </a:r>
-            <a:endParaRPr lang="ru-RU" sz="2800" b="1" dirty="0">
-              <a:solidFill>
-                <a:srgbClr val="002060"/>
-              </a:solidFill>
-              <a:latin typeface="Times New Roman"/>
-              <a:ea typeface="Calibri" panose="020F0502020204030204" pitchFamily="34" charset="0"/>
-              <a:cs typeface="Times New Roman"/>
-            </a:endParaRPr>
+              <a:t>ЗАКЛЮЧЕНИЕ</a:t>
+            </a:r>
           </a:p>
         </p:txBody>
       </p:sp>
@@ -6499,7 +6552,7 @@
         </p:nvSpPr>
         <p:spPr>
           <a:xfrm>
-            <a:off x="11785094" y="6482834"/>
+            <a:off x="11776502" y="6488668"/>
             <a:ext cx="406906" cy="369332"/>
           </a:xfrm>
           <a:prstGeom prst="rect">
@@ -6527,52 +6580,6 @@
               </a:rPr>
               <a:t>11</a:t>
             </a:r>
-          </a:p>
-        </p:txBody>
-      </p:sp>
-      <p:sp>
-        <p:nvSpPr>
-          <p:cNvPr id="6" name="Прямоугольник 5"/>
-          <p:cNvSpPr/>
-          <p:nvPr/>
-        </p:nvSpPr>
-        <p:spPr>
-          <a:xfrm flipV="1">
-            <a:off x="6815066" y="1666734"/>
-            <a:ext cx="5375330" cy="45719"/>
-          </a:xfrm>
-          <a:prstGeom prst="rect">
-            <a:avLst/>
-          </a:prstGeom>
-          <a:solidFill>
-            <a:srgbClr val="002060"/>
-          </a:solidFill>
-          <a:ln>
-            <a:noFill/>
-          </a:ln>
-        </p:spPr>
-        <p:style>
-          <a:lnRef idx="2">
-            <a:schemeClr val="accent1">
-              <a:shade val="50000"/>
-            </a:schemeClr>
-          </a:lnRef>
-          <a:fillRef idx="1">
-            <a:schemeClr val="accent1"/>
-          </a:fillRef>
-          <a:effectRef idx="0">
-            <a:schemeClr val="accent1"/>
-          </a:effectRef>
-          <a:fontRef idx="minor">
-            <a:schemeClr val="lt1"/>
-          </a:fontRef>
-        </p:style>
-        <p:txBody>
-          <a:bodyPr rtlCol="0" anchor="ctr"/>
-          <a:lstStyle/>
-          <a:p>
-            <a:pPr algn="ctr"/>
-            <a:endParaRPr lang="ru-RU"/>
           </a:p>
         </p:txBody>
       </p:sp>
@@ -6613,14 +6620,19 @@
           <p:nvPr/>
         </p:nvSpPr>
         <p:spPr>
-          <a:xfrm>
-            <a:off x="380977" y="1952844"/>
-            <a:ext cx="11509337" cy="4360587"/>
-          </a:xfrm>
-          <a:prstGeom prst="rect">
-            <a:avLst/>
-          </a:prstGeom>
-          <a:noFill/>
+          <a:xfrm flipV="1">
+            <a:off x="6724003" y="929608"/>
+            <a:ext cx="5467997" cy="45719"/>
+          </a:xfrm>
+          <a:prstGeom prst="rect">
+            <a:avLst/>
+          </a:prstGeom>
+          <a:solidFill>
+            <a:srgbClr val="002060"/>
+          </a:solidFill>
+          <a:ln>
+            <a:noFill/>
+          </a:ln>
         </p:spPr>
         <p:style>
           <a:lnRef idx="2">
@@ -6649,253 +6661,19 @@
       </p:sp>
       <p:sp>
         <p:nvSpPr>
-          <p:cNvPr id="5" name="Прямоугольник 4"/>
+          <p:cNvPr id="10" name="Прямоугольник 9"/>
           <p:cNvSpPr/>
           <p:nvPr/>
         </p:nvSpPr>
         <p:spPr>
           <a:xfrm>
-            <a:off x="526776" y="2028279"/>
-            <a:ext cx="10884435" cy="400110"/>
+            <a:off x="380976" y="1240113"/>
+            <a:ext cx="11509337" cy="5057448"/>
           </a:xfrm>
           <a:prstGeom prst="rect">
             <a:avLst/>
           </a:prstGeom>
           <a:noFill/>
-        </p:spPr>
-        <p:txBody>
-          <a:bodyPr wrap="square" lIns="91440" tIns="45720" rIns="91440" bIns="45720" anchor="t">
-            <a:spAutoFit/>
-          </a:bodyPr>
-          <a:lstStyle/>
-          <a:p>
-            <a:r>
-              <a:rPr lang="ru-RU" sz="2000" dirty="0">
-                <a:ln w="17780" cmpd="sng">
-                  <a:noFill/>
-                  <a:prstDash val="solid"/>
-                  <a:miter lim="800000"/>
-                </a:ln>
-                <a:latin typeface="Times New Roman"/>
-                <a:cs typeface="Times New Roman"/>
-              </a:rPr>
-              <a:t>Настройка роутера.</a:t>
-            </a:r>
-            <a:endParaRPr lang="ru-RU" sz="2000" cap="none" spc="0" dirty="0">
-              <a:ln w="17780" cmpd="sng">
-                <a:noFill/>
-                <a:prstDash val="solid"/>
-                <a:miter lim="800000"/>
-              </a:ln>
-              <a:latin typeface="Times New Roman"/>
-              <a:cs typeface="Times New Roman"/>
-            </a:endParaRPr>
-          </a:p>
-        </p:txBody>
-      </p:sp>
-      <p:sp>
-        <p:nvSpPr>
-          <p:cNvPr id="4" name="TextBox 3"/>
-          <p:cNvSpPr txBox="1"/>
-          <p:nvPr/>
-        </p:nvSpPr>
-        <p:spPr>
-          <a:xfrm>
-            <a:off x="526776" y="2511294"/>
-            <a:ext cx="3488584" cy="400110"/>
-          </a:xfrm>
-          <a:prstGeom prst="rect">
-            <a:avLst/>
-          </a:prstGeom>
-          <a:noFill/>
-        </p:spPr>
-        <p:txBody>
-          <a:bodyPr wrap="none" rtlCol="0" anchor="t">
-            <a:spAutoFit/>
-          </a:bodyPr>
-          <a:lstStyle/>
-          <a:p>
-            <a:r>
-              <a:rPr lang="ru-RU" sz="2000" dirty="0">
-                <a:latin typeface="Times New Roman"/>
-                <a:cs typeface="Times New Roman"/>
-              </a:rPr>
-              <a:t>1. Приветственное сообщение</a:t>
-            </a:r>
-          </a:p>
-        </p:txBody>
-      </p:sp>
-      <p:sp>
-        <p:nvSpPr>
-          <p:cNvPr id="7" name="TextBox 6"/>
-          <p:cNvSpPr txBox="1"/>
-          <p:nvPr/>
-        </p:nvSpPr>
-        <p:spPr>
-          <a:xfrm>
-            <a:off x="6029265" y="3051729"/>
-            <a:ext cx="2373086" cy="400110"/>
-          </a:xfrm>
-          <a:prstGeom prst="rect">
-            <a:avLst/>
-          </a:prstGeom>
-          <a:noFill/>
-        </p:spPr>
-        <p:txBody>
-          <a:bodyPr wrap="none" rtlCol="0" anchor="t">
-            <a:spAutoFit/>
-          </a:bodyPr>
-          <a:lstStyle/>
-          <a:p>
-            <a:r>
-              <a:rPr lang="ru-RU" sz="2000" dirty="0">
-                <a:latin typeface="Times New Roman"/>
-                <a:cs typeface="Times New Roman"/>
-              </a:rPr>
-              <a:t>2. Установка пароля</a:t>
-            </a:r>
-          </a:p>
-        </p:txBody>
-      </p:sp>
-      <p:cxnSp>
-        <p:nvCxnSpPr>
-          <p:cNvPr id="18" name="Соединительная линия уступом 17"/>
-          <p:cNvCxnSpPr/>
-          <p:nvPr/>
-        </p:nvCxnSpPr>
-        <p:spPr>
-          <a:xfrm rot="5400000" flipH="1" flipV="1">
-            <a:off x="3797534" y="3907013"/>
-            <a:ext cx="331151" cy="2388088"/>
-          </a:xfrm>
-          <a:prstGeom prst="bentConnector4">
-            <a:avLst>
-              <a:gd name="adj1" fmla="val -69032"/>
-              <a:gd name="adj2" fmla="val 95616"/>
-            </a:avLst>
-          </a:prstGeom>
-          <a:ln>
-            <a:solidFill>
-              <a:srgbClr val="0070C0"/>
-            </a:solidFill>
-          </a:ln>
-        </p:spPr>
-        <p:style>
-          <a:lnRef idx="1">
-            <a:schemeClr val="accent1"/>
-          </a:lnRef>
-          <a:fillRef idx="0">
-            <a:schemeClr val="accent1"/>
-          </a:fillRef>
-          <a:effectRef idx="0">
-            <a:schemeClr val="accent1"/>
-          </a:effectRef>
-          <a:fontRef idx="minor">
-            <a:schemeClr val="tx1"/>
-          </a:fontRef>
-        </p:style>
-      </p:cxnSp>
-      <p:pic>
-        <p:nvPicPr>
-          <p:cNvPr id="16" name="image1.png"/>
-          <p:cNvPicPr/>
-          <p:nvPr/>
-        </p:nvPicPr>
-        <p:blipFill>
-          <a:blip r:embed="rId3"/>
-          <a:srcRect/>
-          <a:stretch>
-            <a:fillRect/>
-          </a:stretch>
-        </p:blipFill>
-        <p:spPr>
-          <a:xfrm>
-            <a:off x="526776" y="2994308"/>
-            <a:ext cx="5378724" cy="2520667"/>
-          </a:xfrm>
-          <a:prstGeom prst="rect">
-            <a:avLst/>
-          </a:prstGeom>
-          <a:ln/>
-        </p:spPr>
-      </p:pic>
-      <p:pic>
-        <p:nvPicPr>
-          <p:cNvPr id="17" name="image2.png"/>
-          <p:cNvPicPr/>
-          <p:nvPr/>
-        </p:nvPicPr>
-        <p:blipFill>
-          <a:blip r:embed="rId4"/>
-          <a:srcRect/>
-          <a:stretch>
-            <a:fillRect/>
-          </a:stretch>
-        </p:blipFill>
-        <p:spPr>
-          <a:xfrm>
-            <a:off x="6029265" y="3557531"/>
-            <a:ext cx="5385435" cy="2755900"/>
-          </a:xfrm>
-          <a:prstGeom prst="rect">
-            <a:avLst/>
-          </a:prstGeom>
-          <a:ln/>
-        </p:spPr>
-      </p:pic>
-    </p:spTree>
-    <p:extLst>
-      <p:ext uri="{BB962C8B-B14F-4D97-AF65-F5344CB8AC3E}">
-        <p14:creationId xmlns:p14="http://schemas.microsoft.com/office/powerpoint/2010/main" val="1724846376"/>
-      </p:ext>
-    </p:extLst>
-  </p:cSld>
-  <p:clrMapOvr>
-    <a:masterClrMapping/>
-  </p:clrMapOvr>
-  <p:transition spd="slow">
-    <p:push dir="u"/>
-  </p:transition>
-</p:sld>
-</file>
-
-<file path=ppt/slides/slide12.xml><?xml version="1.0" encoding="utf-8"?>
-<p:sld xmlns:a="http://schemas.openxmlformats.org/drawingml/2006/main" xmlns:r="http://schemas.openxmlformats.org/officeDocument/2006/relationships" xmlns:p="http://schemas.openxmlformats.org/presentationml/2006/main">
-  <p:cSld>
-    <p:spTree>
-      <p:nvGrpSpPr>
-        <p:cNvPr id="1" name=""/>
-        <p:cNvGrpSpPr/>
-        <p:nvPr/>
-      </p:nvGrpSpPr>
-      <p:grpSpPr>
-        <a:xfrm>
-          <a:off x="0" y="0"/>
-          <a:ext cx="0" cy="0"/>
-          <a:chOff x="0" y="0"/>
-          <a:chExt cx="0" cy="0"/>
-        </a:xfrm>
-      </p:grpSpPr>
-      <p:sp>
-        <p:nvSpPr>
-          <p:cNvPr id="2" name="Прямоугольник 1"/>
-          <p:cNvSpPr/>
-          <p:nvPr/>
-        </p:nvSpPr>
-        <p:spPr>
-          <a:xfrm>
-            <a:off x="6815066" y="0"/>
-            <a:ext cx="5376934" cy="205162"/>
-          </a:xfrm>
-          <a:prstGeom prst="rect">
-            <a:avLst/>
-          </a:prstGeom>
-          <a:solidFill>
-            <a:srgbClr val="002060"/>
-          </a:solidFill>
-          <a:ln>
-            <a:noFill/>
-          </a:ln>
         </p:spPr>
         <p:style>
           <a:lnRef idx="2">
@@ -6924,1038 +6702,6 @@
       </p:sp>
       <p:sp>
         <p:nvSpPr>
-          <p:cNvPr id="9" name="Прямоугольник 8"/>
-          <p:cNvSpPr/>
-          <p:nvPr/>
-        </p:nvSpPr>
-        <p:spPr>
-          <a:xfrm>
-            <a:off x="0" y="6667500"/>
-            <a:ext cx="5321300" cy="190500"/>
-          </a:xfrm>
-          <a:prstGeom prst="rect">
-            <a:avLst/>
-          </a:prstGeom>
-          <a:solidFill>
-            <a:srgbClr val="002060"/>
-          </a:solidFill>
-          <a:ln>
-            <a:noFill/>
-          </a:ln>
-        </p:spPr>
-        <p:style>
-          <a:lnRef idx="2">
-            <a:schemeClr val="accent1">
-              <a:shade val="50000"/>
-            </a:schemeClr>
-          </a:lnRef>
-          <a:fillRef idx="1">
-            <a:schemeClr val="accent1"/>
-          </a:fillRef>
-          <a:effectRef idx="0">
-            <a:schemeClr val="accent1"/>
-          </a:effectRef>
-          <a:fontRef idx="minor">
-            <a:schemeClr val="lt1"/>
-          </a:fontRef>
-        </p:style>
-        <p:txBody>
-          <a:bodyPr rtlCol="0" anchor="ctr"/>
-          <a:lstStyle/>
-          <a:p>
-            <a:pPr algn="ctr"/>
-            <a:endParaRPr lang="ru-RU"/>
-          </a:p>
-        </p:txBody>
-      </p:sp>
-      <p:sp>
-        <p:nvSpPr>
-          <p:cNvPr id="3" name="TextBox 2"/>
-          <p:cNvSpPr txBox="1"/>
-          <p:nvPr/>
-        </p:nvSpPr>
-        <p:spPr>
-          <a:xfrm>
-            <a:off x="6815066" y="219896"/>
-            <a:ext cx="5375330" cy="954107"/>
-          </a:xfrm>
-          <a:prstGeom prst="rect">
-            <a:avLst/>
-          </a:prstGeom>
-          <a:noFill/>
-        </p:spPr>
-        <p:txBody>
-          <a:bodyPr wrap="square" rtlCol="0" anchor="t">
-            <a:spAutoFit/>
-          </a:bodyPr>
-          <a:lstStyle/>
-          <a:p>
-            <a:r>
-              <a:rPr lang="ru-RU" sz="2800" b="1" dirty="0">
-                <a:solidFill>
-                  <a:srgbClr val="002060"/>
-                </a:solidFill>
-                <a:latin typeface="Times New Roman"/>
-                <a:ea typeface="Calibri" panose="020F0502020204030204" pitchFamily="34" charset="0"/>
-                <a:cs typeface="Times New Roman"/>
-              </a:rPr>
-              <a:t>Анализ сети и проектирование беспроводной сети </a:t>
-            </a:r>
-            <a:r>
-              <a:rPr lang="en-US" sz="2800" b="1" dirty="0">
-                <a:solidFill>
-                  <a:srgbClr val="002060"/>
-                </a:solidFill>
-                <a:latin typeface="Times New Roman"/>
-                <a:ea typeface="Calibri" panose="020F0502020204030204" pitchFamily="34" charset="0"/>
-                <a:cs typeface="Times New Roman"/>
-              </a:rPr>
-              <a:t>Wi-Fi</a:t>
-            </a:r>
-            <a:endParaRPr lang="ru-RU" sz="2800" b="1" dirty="0">
-              <a:solidFill>
-                <a:srgbClr val="002060"/>
-              </a:solidFill>
-              <a:latin typeface="Times New Roman"/>
-              <a:ea typeface="Calibri" panose="020F0502020204030204" pitchFamily="34" charset="0"/>
-              <a:cs typeface="Times New Roman"/>
-            </a:endParaRPr>
-          </a:p>
-        </p:txBody>
-      </p:sp>
-      <p:sp>
-        <p:nvSpPr>
-          <p:cNvPr id="12" name="TextBox 11"/>
-          <p:cNvSpPr txBox="1"/>
-          <p:nvPr/>
-        </p:nvSpPr>
-        <p:spPr>
-          <a:xfrm>
-            <a:off x="11774898" y="6482834"/>
-            <a:ext cx="415498" cy="369332"/>
-          </a:xfrm>
-          <a:prstGeom prst="rect">
-            <a:avLst/>
-          </a:prstGeom>
-          <a:solidFill>
-            <a:srgbClr val="DBDEE1"/>
-          </a:solidFill>
-        </p:spPr>
-        <p:txBody>
-          <a:bodyPr wrap="none" rtlCol="0">
-            <a:spAutoFit/>
-          </a:bodyPr>
-          <a:lstStyle/>
-          <a:p>
-            <a:r>
-              <a:rPr lang="ru-RU" dirty="0">
-                <a:solidFill>
-                  <a:schemeClr val="bg1">
-                    <a:lumMod val="50000"/>
-                  </a:schemeClr>
-                </a:solidFill>
-                <a:latin typeface="Times New Roman" panose="02020603050405020304" pitchFamily="18" charset="0"/>
-                <a:cs typeface="Times New Roman" panose="02020603050405020304" pitchFamily="18" charset="0"/>
-              </a:rPr>
-              <a:t>12</a:t>
-            </a:r>
-          </a:p>
-        </p:txBody>
-      </p:sp>
-      <p:sp>
-        <p:nvSpPr>
-          <p:cNvPr id="6" name="Прямоугольник 5"/>
-          <p:cNvSpPr/>
-          <p:nvPr/>
-        </p:nvSpPr>
-        <p:spPr>
-          <a:xfrm flipV="1">
-            <a:off x="6815066" y="1231987"/>
-            <a:ext cx="5375330" cy="45719"/>
-          </a:xfrm>
-          <a:prstGeom prst="rect">
-            <a:avLst/>
-          </a:prstGeom>
-          <a:solidFill>
-            <a:srgbClr val="002060"/>
-          </a:solidFill>
-          <a:ln>
-            <a:noFill/>
-          </a:ln>
-        </p:spPr>
-        <p:style>
-          <a:lnRef idx="2">
-            <a:schemeClr val="accent1">
-              <a:shade val="50000"/>
-            </a:schemeClr>
-          </a:lnRef>
-          <a:fillRef idx="1">
-            <a:schemeClr val="accent1"/>
-          </a:fillRef>
-          <a:effectRef idx="0">
-            <a:schemeClr val="accent1"/>
-          </a:effectRef>
-          <a:fontRef idx="minor">
-            <a:schemeClr val="lt1"/>
-          </a:fontRef>
-        </p:style>
-        <p:txBody>
-          <a:bodyPr rtlCol="0" anchor="ctr"/>
-          <a:lstStyle/>
-          <a:p>
-            <a:pPr algn="ctr"/>
-            <a:endParaRPr lang="ru-RU"/>
-          </a:p>
-        </p:txBody>
-      </p:sp>
-      <p:pic>
-        <p:nvPicPr>
-          <p:cNvPr id="24" name="Рисунок 23"/>
-          <p:cNvPicPr>
-            <a:picLocks noChangeAspect="1"/>
-          </p:cNvPicPr>
-          <p:nvPr/>
-        </p:nvPicPr>
-        <p:blipFill>
-          <a:blip r:embed="rId2" cstate="print">
-            <a:extLst>
-              <a:ext uri="{28A0092B-C50C-407E-A947-70E740481C1C}">
-                <a14:useLocalDpi xmlns:a14="http://schemas.microsoft.com/office/drawing/2010/main" val="0"/>
-              </a:ext>
-            </a:extLst>
-          </a:blip>
-          <a:stretch>
-            <a:fillRect/>
-          </a:stretch>
-        </p:blipFill>
-        <p:spPr>
-          <a:xfrm>
-            <a:off x="380977" y="132635"/>
-            <a:ext cx="597147" cy="829963"/>
-          </a:xfrm>
-          <a:prstGeom prst="rect">
-            <a:avLst/>
-          </a:prstGeom>
-        </p:spPr>
-      </p:pic>
-      <p:sp>
-        <p:nvSpPr>
-          <p:cNvPr id="8" name="Прямоугольник 7"/>
-          <p:cNvSpPr/>
-          <p:nvPr/>
-        </p:nvSpPr>
-        <p:spPr>
-          <a:xfrm>
-            <a:off x="380976" y="2057399"/>
-            <a:ext cx="11509337" cy="4240161"/>
-          </a:xfrm>
-          <a:prstGeom prst="rect">
-            <a:avLst/>
-          </a:prstGeom>
-          <a:noFill/>
-        </p:spPr>
-        <p:style>
-          <a:lnRef idx="2">
-            <a:schemeClr val="accent1">
-              <a:shade val="50000"/>
-            </a:schemeClr>
-          </a:lnRef>
-          <a:fillRef idx="1">
-            <a:schemeClr val="accent1"/>
-          </a:fillRef>
-          <a:effectRef idx="0">
-            <a:schemeClr val="accent1"/>
-          </a:effectRef>
-          <a:fontRef idx="minor">
-            <a:schemeClr val="lt1"/>
-          </a:fontRef>
-        </p:style>
-        <p:txBody>
-          <a:bodyPr rtlCol="0" anchor="ctr"/>
-          <a:lstStyle/>
-          <a:p>
-            <a:pPr algn="ctr"/>
-            <a:endParaRPr lang="ru-RU"/>
-          </a:p>
-        </p:txBody>
-      </p:sp>
-      <p:sp>
-        <p:nvSpPr>
-          <p:cNvPr id="25" name="TextBox 24"/>
-          <p:cNvSpPr txBox="1"/>
-          <p:nvPr/>
-        </p:nvSpPr>
-        <p:spPr>
-          <a:xfrm>
-            <a:off x="490938" y="2168406"/>
-            <a:ext cx="3645870" cy="400110"/>
-          </a:xfrm>
-          <a:prstGeom prst="rect">
-            <a:avLst/>
-          </a:prstGeom>
-          <a:noFill/>
-        </p:spPr>
-        <p:txBody>
-          <a:bodyPr wrap="none" rtlCol="0" anchor="t">
-            <a:spAutoFit/>
-          </a:bodyPr>
-          <a:lstStyle/>
-          <a:p>
-            <a:r>
-              <a:rPr lang="en-US" sz="2000" dirty="0">
-                <a:latin typeface="Times New Roman"/>
-                <a:cs typeface="Times New Roman"/>
-              </a:rPr>
-              <a:t>3</a:t>
-            </a:r>
-            <a:r>
-              <a:rPr lang="ru-RU" sz="2000" dirty="0">
-                <a:latin typeface="Times New Roman"/>
-                <a:cs typeface="Times New Roman"/>
-              </a:rPr>
-              <a:t>. Установка Интернет-фильтра</a:t>
-            </a:r>
-          </a:p>
-        </p:txBody>
-      </p:sp>
-      <p:pic>
-        <p:nvPicPr>
-          <p:cNvPr id="16" name="image3.png"/>
-          <p:cNvPicPr/>
-          <p:nvPr/>
-        </p:nvPicPr>
-        <p:blipFill>
-          <a:blip r:embed="rId3"/>
-          <a:srcRect/>
-          <a:stretch>
-            <a:fillRect/>
-          </a:stretch>
-        </p:blipFill>
-        <p:spPr>
-          <a:xfrm>
-            <a:off x="490938" y="2568516"/>
-            <a:ext cx="6214662" cy="3489384"/>
-          </a:xfrm>
-          <a:prstGeom prst="rect">
-            <a:avLst/>
-          </a:prstGeom>
-          <a:ln/>
-        </p:spPr>
-      </p:pic>
-    </p:spTree>
-    <p:extLst>
-      <p:ext uri="{BB962C8B-B14F-4D97-AF65-F5344CB8AC3E}">
-        <p14:creationId xmlns:p14="http://schemas.microsoft.com/office/powerpoint/2010/main" val="1099076862"/>
-      </p:ext>
-    </p:extLst>
-  </p:cSld>
-  <p:clrMapOvr>
-    <a:masterClrMapping/>
-  </p:clrMapOvr>
-  <p:transition spd="slow">
-    <p:push dir="u"/>
-  </p:transition>
-</p:sld>
-</file>
-
-<file path=ppt/slides/slide13.xml><?xml version="1.0" encoding="utf-8"?>
-<p:sld xmlns:a="http://schemas.openxmlformats.org/drawingml/2006/main" xmlns:r="http://schemas.openxmlformats.org/officeDocument/2006/relationships" xmlns:p="http://schemas.openxmlformats.org/presentationml/2006/main">
-  <p:cSld>
-    <p:spTree>
-      <p:nvGrpSpPr>
-        <p:cNvPr id="1" name=""/>
-        <p:cNvGrpSpPr/>
-        <p:nvPr/>
-      </p:nvGrpSpPr>
-      <p:grpSpPr>
-        <a:xfrm>
-          <a:off x="0" y="0"/>
-          <a:ext cx="0" cy="0"/>
-          <a:chOff x="0" y="0"/>
-          <a:chExt cx="0" cy="0"/>
-        </a:xfrm>
-      </p:grpSpPr>
-      <p:sp>
-        <p:nvSpPr>
-          <p:cNvPr id="2" name="Прямоугольник 1"/>
-          <p:cNvSpPr/>
-          <p:nvPr/>
-        </p:nvSpPr>
-        <p:spPr>
-          <a:xfrm>
-            <a:off x="7891397" y="0"/>
-            <a:ext cx="4300603" cy="95250"/>
-          </a:xfrm>
-          <a:prstGeom prst="rect">
-            <a:avLst/>
-          </a:prstGeom>
-          <a:solidFill>
-            <a:srgbClr val="002060"/>
-          </a:solidFill>
-          <a:ln>
-            <a:noFill/>
-          </a:ln>
-        </p:spPr>
-        <p:style>
-          <a:lnRef idx="2">
-            <a:schemeClr val="accent1">
-              <a:shade val="50000"/>
-            </a:schemeClr>
-          </a:lnRef>
-          <a:fillRef idx="1">
-            <a:schemeClr val="accent1"/>
-          </a:fillRef>
-          <a:effectRef idx="0">
-            <a:schemeClr val="accent1"/>
-          </a:effectRef>
-          <a:fontRef idx="minor">
-            <a:schemeClr val="lt1"/>
-          </a:fontRef>
-        </p:style>
-        <p:txBody>
-          <a:bodyPr rtlCol="0" anchor="ctr"/>
-          <a:lstStyle/>
-          <a:p>
-            <a:pPr algn="ctr"/>
-            <a:endParaRPr lang="ru-RU"/>
-          </a:p>
-        </p:txBody>
-      </p:sp>
-      <p:sp>
-        <p:nvSpPr>
-          <p:cNvPr id="9" name="Прямоугольник 8"/>
-          <p:cNvSpPr/>
-          <p:nvPr/>
-        </p:nvSpPr>
-        <p:spPr>
-          <a:xfrm>
-            <a:off x="0" y="6667500"/>
-            <a:ext cx="5321300" cy="190500"/>
-          </a:xfrm>
-          <a:prstGeom prst="rect">
-            <a:avLst/>
-          </a:prstGeom>
-          <a:solidFill>
-            <a:srgbClr val="002060"/>
-          </a:solidFill>
-          <a:ln>
-            <a:noFill/>
-          </a:ln>
-        </p:spPr>
-        <p:style>
-          <a:lnRef idx="2">
-            <a:schemeClr val="accent1">
-              <a:shade val="50000"/>
-            </a:schemeClr>
-          </a:lnRef>
-          <a:fillRef idx="1">
-            <a:schemeClr val="accent1"/>
-          </a:fillRef>
-          <a:effectRef idx="0">
-            <a:schemeClr val="accent1"/>
-          </a:effectRef>
-          <a:fontRef idx="minor">
-            <a:schemeClr val="lt1"/>
-          </a:fontRef>
-        </p:style>
-        <p:txBody>
-          <a:bodyPr rtlCol="0" anchor="ctr"/>
-          <a:lstStyle/>
-          <a:p>
-            <a:pPr algn="ctr"/>
-            <a:endParaRPr lang="ru-RU"/>
-          </a:p>
-        </p:txBody>
-      </p:sp>
-      <p:sp>
-        <p:nvSpPr>
-          <p:cNvPr id="3" name="TextBox 2"/>
-          <p:cNvSpPr txBox="1"/>
-          <p:nvPr/>
-        </p:nvSpPr>
-        <p:spPr>
-          <a:xfrm>
-            <a:off x="7891397" y="211366"/>
-            <a:ext cx="5897141" cy="523220"/>
-          </a:xfrm>
-          <a:prstGeom prst="rect">
-            <a:avLst/>
-          </a:prstGeom>
-          <a:noFill/>
-        </p:spPr>
-        <p:txBody>
-          <a:bodyPr wrap="square" rtlCol="0" anchor="t">
-            <a:spAutoFit/>
-          </a:bodyPr>
-          <a:lstStyle/>
-          <a:p>
-            <a:r>
-              <a:rPr lang="ru-RU" sz="2800" b="1" dirty="0">
-                <a:solidFill>
-                  <a:srgbClr val="002060"/>
-                </a:solidFill>
-                <a:latin typeface="Times New Roman"/>
-                <a:ea typeface="Calibri" panose="020F0502020204030204" pitchFamily="34" charset="0"/>
-                <a:cs typeface="Times New Roman"/>
-              </a:rPr>
-              <a:t>Вывод по </a:t>
-            </a:r>
-            <a:r>
-              <a:rPr lang="en-US" sz="2800" b="1" dirty="0">
-                <a:solidFill>
-                  <a:srgbClr val="002060"/>
-                </a:solidFill>
-                <a:latin typeface="Times New Roman"/>
-                <a:ea typeface="Calibri" panose="020F0502020204030204" pitchFamily="34" charset="0"/>
-                <a:cs typeface="Times New Roman"/>
-              </a:rPr>
-              <a:t>II</a:t>
-            </a:r>
-            <a:r>
-              <a:rPr lang="ru-RU" sz="2800" b="1" dirty="0">
-                <a:solidFill>
-                  <a:srgbClr val="002060"/>
-                </a:solidFill>
-                <a:latin typeface="Times New Roman"/>
-                <a:ea typeface="Calibri" panose="020F0502020204030204" pitchFamily="34" charset="0"/>
-                <a:cs typeface="Times New Roman"/>
-              </a:rPr>
-              <a:t> ГЛАВЕ</a:t>
-            </a:r>
-            <a:endParaRPr lang="ru-RU" sz="2800" b="1" dirty="0">
-              <a:solidFill>
-                <a:srgbClr val="002060"/>
-              </a:solidFill>
-              <a:latin typeface="Times New Roman" panose="02020603050405020304" pitchFamily="18" charset="0"/>
-              <a:ea typeface="Calibri" panose="020F0502020204030204" pitchFamily="34" charset="0"/>
-            </a:endParaRPr>
-          </a:p>
-        </p:txBody>
-      </p:sp>
-      <p:sp>
-        <p:nvSpPr>
-          <p:cNvPr id="12" name="TextBox 11"/>
-          <p:cNvSpPr txBox="1"/>
-          <p:nvPr/>
-        </p:nvSpPr>
-        <p:spPr>
-          <a:xfrm>
-            <a:off x="11776502" y="6488668"/>
-            <a:ext cx="415498" cy="369332"/>
-          </a:xfrm>
-          <a:prstGeom prst="rect">
-            <a:avLst/>
-          </a:prstGeom>
-          <a:solidFill>
-            <a:srgbClr val="DBDEE1"/>
-          </a:solidFill>
-        </p:spPr>
-        <p:txBody>
-          <a:bodyPr wrap="none" rtlCol="0">
-            <a:spAutoFit/>
-          </a:bodyPr>
-          <a:lstStyle/>
-          <a:p>
-            <a:r>
-              <a:rPr lang="ru-RU" dirty="0">
-                <a:solidFill>
-                  <a:schemeClr val="bg1">
-                    <a:lumMod val="50000"/>
-                  </a:schemeClr>
-                </a:solidFill>
-                <a:latin typeface="Times New Roman" panose="02020603050405020304" pitchFamily="18" charset="0"/>
-                <a:cs typeface="Times New Roman" panose="02020603050405020304" pitchFamily="18" charset="0"/>
-              </a:rPr>
-              <a:t>13</a:t>
-            </a:r>
-          </a:p>
-        </p:txBody>
-      </p:sp>
-      <p:sp>
-        <p:nvSpPr>
-          <p:cNvPr id="6" name="Прямоугольник 5"/>
-          <p:cNvSpPr/>
-          <p:nvPr/>
-        </p:nvSpPr>
-        <p:spPr>
-          <a:xfrm flipV="1">
-            <a:off x="7891397" y="929607"/>
-            <a:ext cx="4300603" cy="45719"/>
-          </a:xfrm>
-          <a:prstGeom prst="rect">
-            <a:avLst/>
-          </a:prstGeom>
-          <a:solidFill>
-            <a:srgbClr val="002060"/>
-          </a:solidFill>
-          <a:ln>
-            <a:noFill/>
-          </a:ln>
-        </p:spPr>
-        <p:style>
-          <a:lnRef idx="2">
-            <a:schemeClr val="accent1">
-              <a:shade val="50000"/>
-            </a:schemeClr>
-          </a:lnRef>
-          <a:fillRef idx="1">
-            <a:schemeClr val="accent1"/>
-          </a:fillRef>
-          <a:effectRef idx="0">
-            <a:schemeClr val="accent1"/>
-          </a:effectRef>
-          <a:fontRef idx="minor">
-            <a:schemeClr val="lt1"/>
-          </a:fontRef>
-        </p:style>
-        <p:txBody>
-          <a:bodyPr rtlCol="0" anchor="ctr"/>
-          <a:lstStyle/>
-          <a:p>
-            <a:pPr algn="ctr"/>
-            <a:endParaRPr lang="ru-RU"/>
-          </a:p>
-        </p:txBody>
-      </p:sp>
-      <p:pic>
-        <p:nvPicPr>
-          <p:cNvPr id="24" name="Рисунок 23"/>
-          <p:cNvPicPr>
-            <a:picLocks noChangeAspect="1"/>
-          </p:cNvPicPr>
-          <p:nvPr/>
-        </p:nvPicPr>
-        <p:blipFill>
-          <a:blip r:embed="rId2" cstate="print">
-            <a:extLst>
-              <a:ext uri="{28A0092B-C50C-407E-A947-70E740481C1C}">
-                <a14:useLocalDpi xmlns:a14="http://schemas.microsoft.com/office/drawing/2010/main" val="0"/>
-              </a:ext>
-            </a:extLst>
-          </a:blip>
-          <a:stretch>
-            <a:fillRect/>
-          </a:stretch>
-        </p:blipFill>
-        <p:spPr>
-          <a:xfrm>
-            <a:off x="380977" y="132635"/>
-            <a:ext cx="597147" cy="829963"/>
-          </a:xfrm>
-          <a:prstGeom prst="rect">
-            <a:avLst/>
-          </a:prstGeom>
-        </p:spPr>
-      </p:pic>
-      <p:sp>
-        <p:nvSpPr>
-          <p:cNvPr id="8" name="Прямоугольник 7"/>
-          <p:cNvSpPr/>
-          <p:nvPr/>
-        </p:nvSpPr>
-        <p:spPr>
-          <a:xfrm>
-            <a:off x="380976" y="1240113"/>
-            <a:ext cx="11509337" cy="5057448"/>
-          </a:xfrm>
-          <a:prstGeom prst="rect">
-            <a:avLst/>
-          </a:prstGeom>
-          <a:noFill/>
-        </p:spPr>
-        <p:style>
-          <a:lnRef idx="2">
-            <a:schemeClr val="accent1">
-              <a:shade val="50000"/>
-            </a:schemeClr>
-          </a:lnRef>
-          <a:fillRef idx="1">
-            <a:schemeClr val="accent1"/>
-          </a:fillRef>
-          <a:effectRef idx="0">
-            <a:schemeClr val="accent1"/>
-          </a:effectRef>
-          <a:fontRef idx="minor">
-            <a:schemeClr val="lt1"/>
-          </a:fontRef>
-        </p:style>
-        <p:txBody>
-          <a:bodyPr rtlCol="0" anchor="ctr"/>
-          <a:lstStyle/>
-          <a:p>
-            <a:pPr algn="ctr"/>
-            <a:endParaRPr lang="ru-RU"/>
-          </a:p>
-        </p:txBody>
-      </p:sp>
-      <p:sp>
-        <p:nvSpPr>
-          <p:cNvPr id="11" name="TextBox 10"/>
-          <p:cNvSpPr txBox="1"/>
-          <p:nvPr/>
-        </p:nvSpPr>
-        <p:spPr>
-          <a:xfrm>
-            <a:off x="632027" y="1553227"/>
-            <a:ext cx="11007234" cy="1015663"/>
-          </a:xfrm>
-          <a:prstGeom prst="rect">
-            <a:avLst/>
-          </a:prstGeom>
-          <a:noFill/>
-        </p:spPr>
-        <p:txBody>
-          <a:bodyPr wrap="square" rtlCol="0" anchor="t">
-            <a:spAutoFit/>
-          </a:bodyPr>
-          <a:lstStyle/>
-          <a:p>
-            <a:r>
-              <a:rPr lang="ru-RU" sz="2000" dirty="0">
-                <a:latin typeface="Times New Roman" panose="02020603050405020304" pitchFamily="18" charset="0"/>
-                <a:cs typeface="Times New Roman" panose="02020603050405020304" pitchFamily="18" charset="0"/>
-              </a:rPr>
-              <a:t>В ходе практики была разработана и реализована беспроводная сеть на основе технологии </a:t>
-            </a:r>
-            <a:r>
-              <a:rPr lang="ru-RU" sz="2000" dirty="0" err="1">
-                <a:latin typeface="Times New Roman" panose="02020603050405020304" pitchFamily="18" charset="0"/>
-                <a:cs typeface="Times New Roman" panose="02020603050405020304" pitchFamily="18" charset="0"/>
-              </a:rPr>
-              <a:t>Wi-Fi</a:t>
-            </a:r>
-            <a:r>
-              <a:rPr lang="ru-RU" sz="2000" dirty="0">
-                <a:latin typeface="Times New Roman" panose="02020603050405020304" pitchFamily="18" charset="0"/>
-                <a:cs typeface="Times New Roman" panose="02020603050405020304" pitchFamily="18" charset="0"/>
-              </a:rPr>
-              <a:t> для предприятия АО "ИД "Новости Югры", удовлетворяющая требованиям предприятия и обеспечивающая надежное и безопасное подключение к сети.</a:t>
-            </a:r>
-            <a:endParaRPr lang="ru-RU" sz="2400" dirty="0">
-              <a:latin typeface="Times New Roman" panose="02020603050405020304" pitchFamily="18" charset="0"/>
-              <a:cs typeface="Times New Roman" panose="02020603050405020304" pitchFamily="18" charset="0"/>
-            </a:endParaRPr>
-          </a:p>
-        </p:txBody>
-      </p:sp>
-    </p:spTree>
-    <p:extLst>
-      <p:ext uri="{BB962C8B-B14F-4D97-AF65-F5344CB8AC3E}">
-        <p14:creationId xmlns:p14="http://schemas.microsoft.com/office/powerpoint/2010/main" val="604652312"/>
-      </p:ext>
-    </p:extLst>
-  </p:cSld>
-  <p:clrMapOvr>
-    <a:masterClrMapping/>
-  </p:clrMapOvr>
-  <p:transition spd="slow">
-    <p:push dir="u"/>
-  </p:transition>
-</p:sld>
-</file>
-
-<file path=ppt/slides/slide14.xml><?xml version="1.0" encoding="utf-8"?>
-<p:sld xmlns:a="http://schemas.openxmlformats.org/drawingml/2006/main" xmlns:r="http://schemas.openxmlformats.org/officeDocument/2006/relationships" xmlns:p="http://schemas.openxmlformats.org/presentationml/2006/main">
-  <p:cSld>
-    <p:spTree>
-      <p:nvGrpSpPr>
-        <p:cNvPr id="1" name=""/>
-        <p:cNvGrpSpPr/>
-        <p:nvPr/>
-      </p:nvGrpSpPr>
-      <p:grpSpPr>
-        <a:xfrm>
-          <a:off x="0" y="0"/>
-          <a:ext cx="0" cy="0"/>
-          <a:chOff x="0" y="0"/>
-          <a:chExt cx="0" cy="0"/>
-        </a:xfrm>
-      </p:grpSpPr>
-      <p:sp>
-        <p:nvSpPr>
-          <p:cNvPr id="2" name="Прямоугольник 1"/>
-          <p:cNvSpPr/>
-          <p:nvPr/>
-        </p:nvSpPr>
-        <p:spPr>
-          <a:xfrm>
-            <a:off x="6724003" y="0"/>
-            <a:ext cx="5467997" cy="190500"/>
-          </a:xfrm>
-          <a:prstGeom prst="rect">
-            <a:avLst/>
-          </a:prstGeom>
-          <a:solidFill>
-            <a:srgbClr val="002060"/>
-          </a:solidFill>
-          <a:ln>
-            <a:noFill/>
-          </a:ln>
-        </p:spPr>
-        <p:style>
-          <a:lnRef idx="2">
-            <a:schemeClr val="accent1">
-              <a:shade val="50000"/>
-            </a:schemeClr>
-          </a:lnRef>
-          <a:fillRef idx="1">
-            <a:schemeClr val="accent1"/>
-          </a:fillRef>
-          <a:effectRef idx="0">
-            <a:schemeClr val="accent1"/>
-          </a:effectRef>
-          <a:fontRef idx="minor">
-            <a:schemeClr val="lt1"/>
-          </a:fontRef>
-        </p:style>
-        <p:txBody>
-          <a:bodyPr rtlCol="0" anchor="ctr"/>
-          <a:lstStyle/>
-          <a:p>
-            <a:pPr algn="ctr"/>
-            <a:endParaRPr lang="ru-RU"/>
-          </a:p>
-        </p:txBody>
-      </p:sp>
-      <p:sp>
-        <p:nvSpPr>
-          <p:cNvPr id="9" name="Прямоугольник 8"/>
-          <p:cNvSpPr/>
-          <p:nvPr/>
-        </p:nvSpPr>
-        <p:spPr>
-          <a:xfrm>
-            <a:off x="0" y="6667500"/>
-            <a:ext cx="5321300" cy="190500"/>
-          </a:xfrm>
-          <a:prstGeom prst="rect">
-            <a:avLst/>
-          </a:prstGeom>
-          <a:solidFill>
-            <a:srgbClr val="002060"/>
-          </a:solidFill>
-          <a:ln>
-            <a:noFill/>
-          </a:ln>
-        </p:spPr>
-        <p:style>
-          <a:lnRef idx="2">
-            <a:schemeClr val="accent1">
-              <a:shade val="50000"/>
-            </a:schemeClr>
-          </a:lnRef>
-          <a:fillRef idx="1">
-            <a:schemeClr val="accent1"/>
-          </a:fillRef>
-          <a:effectRef idx="0">
-            <a:schemeClr val="accent1"/>
-          </a:effectRef>
-          <a:fontRef idx="minor">
-            <a:schemeClr val="lt1"/>
-          </a:fontRef>
-        </p:style>
-        <p:txBody>
-          <a:bodyPr rtlCol="0" anchor="ctr"/>
-          <a:lstStyle/>
-          <a:p>
-            <a:pPr algn="ctr"/>
-            <a:endParaRPr lang="ru-RU"/>
-          </a:p>
-        </p:txBody>
-      </p:sp>
-      <p:sp>
-        <p:nvSpPr>
-          <p:cNvPr id="3" name="TextBox 2"/>
-          <p:cNvSpPr txBox="1"/>
-          <p:nvPr/>
-        </p:nvSpPr>
-        <p:spPr>
-          <a:xfrm>
-            <a:off x="6724003" y="286006"/>
-            <a:ext cx="3769909" cy="523220"/>
-          </a:xfrm>
-          <a:prstGeom prst="rect">
-            <a:avLst/>
-          </a:prstGeom>
-          <a:noFill/>
-        </p:spPr>
-        <p:txBody>
-          <a:bodyPr wrap="square" rtlCol="0">
-            <a:spAutoFit/>
-          </a:bodyPr>
-          <a:lstStyle/>
-          <a:p>
-            <a:r>
-              <a:rPr lang="ru-RU" sz="2800" b="1" dirty="0">
-                <a:solidFill>
-                  <a:srgbClr val="002060"/>
-                </a:solidFill>
-                <a:latin typeface="Times New Roman" panose="02020603050405020304" pitchFamily="18" charset="0"/>
-                <a:ea typeface="Calibri" panose="020F0502020204030204" pitchFamily="34" charset="0"/>
-              </a:rPr>
-              <a:t>ЗАКЛЮЧЕНИЕ</a:t>
-            </a:r>
-          </a:p>
-        </p:txBody>
-      </p:sp>
-      <p:sp>
-        <p:nvSpPr>
-          <p:cNvPr id="12" name="TextBox 11"/>
-          <p:cNvSpPr txBox="1"/>
-          <p:nvPr/>
-        </p:nvSpPr>
-        <p:spPr>
-          <a:xfrm>
-            <a:off x="11776502" y="6488668"/>
-            <a:ext cx="415498" cy="369332"/>
-          </a:xfrm>
-          <a:prstGeom prst="rect">
-            <a:avLst/>
-          </a:prstGeom>
-          <a:solidFill>
-            <a:srgbClr val="DBDEE1"/>
-          </a:solidFill>
-        </p:spPr>
-        <p:txBody>
-          <a:bodyPr wrap="none" rtlCol="0">
-            <a:spAutoFit/>
-          </a:bodyPr>
-          <a:lstStyle/>
-          <a:p>
-            <a:r>
-              <a:rPr lang="ru-RU" dirty="0">
-                <a:solidFill>
-                  <a:schemeClr val="bg1">
-                    <a:lumMod val="50000"/>
-                  </a:schemeClr>
-                </a:solidFill>
-                <a:latin typeface="Times New Roman" panose="02020603050405020304" pitchFamily="18" charset="0"/>
-                <a:cs typeface="Times New Roman" panose="02020603050405020304" pitchFamily="18" charset="0"/>
-              </a:rPr>
-              <a:t>14</a:t>
-            </a:r>
-          </a:p>
-        </p:txBody>
-      </p:sp>
-      <p:pic>
-        <p:nvPicPr>
-          <p:cNvPr id="24" name="Рисунок 23"/>
-          <p:cNvPicPr>
-            <a:picLocks noChangeAspect="1"/>
-          </p:cNvPicPr>
-          <p:nvPr/>
-        </p:nvPicPr>
-        <p:blipFill>
-          <a:blip r:embed="rId2" cstate="print">
-            <a:extLst>
-              <a:ext uri="{28A0092B-C50C-407E-A947-70E740481C1C}">
-                <a14:useLocalDpi xmlns:a14="http://schemas.microsoft.com/office/drawing/2010/main" val="0"/>
-              </a:ext>
-            </a:extLst>
-          </a:blip>
-          <a:stretch>
-            <a:fillRect/>
-          </a:stretch>
-        </p:blipFill>
-        <p:spPr>
-          <a:xfrm>
-            <a:off x="380977" y="132635"/>
-            <a:ext cx="597147" cy="829963"/>
-          </a:xfrm>
-          <a:prstGeom prst="rect">
-            <a:avLst/>
-          </a:prstGeom>
-        </p:spPr>
-      </p:pic>
-      <p:sp>
-        <p:nvSpPr>
-          <p:cNvPr id="8" name="Прямоугольник 7"/>
-          <p:cNvSpPr/>
-          <p:nvPr/>
-        </p:nvSpPr>
-        <p:spPr>
-          <a:xfrm flipV="1">
-            <a:off x="6724003" y="929608"/>
-            <a:ext cx="5467997" cy="45719"/>
-          </a:xfrm>
-          <a:prstGeom prst="rect">
-            <a:avLst/>
-          </a:prstGeom>
-          <a:solidFill>
-            <a:srgbClr val="002060"/>
-          </a:solidFill>
-          <a:ln>
-            <a:noFill/>
-          </a:ln>
-        </p:spPr>
-        <p:style>
-          <a:lnRef idx="2">
-            <a:schemeClr val="accent1">
-              <a:shade val="50000"/>
-            </a:schemeClr>
-          </a:lnRef>
-          <a:fillRef idx="1">
-            <a:schemeClr val="accent1"/>
-          </a:fillRef>
-          <a:effectRef idx="0">
-            <a:schemeClr val="accent1"/>
-          </a:effectRef>
-          <a:fontRef idx="minor">
-            <a:schemeClr val="lt1"/>
-          </a:fontRef>
-        </p:style>
-        <p:txBody>
-          <a:bodyPr rtlCol="0" anchor="ctr"/>
-          <a:lstStyle/>
-          <a:p>
-            <a:pPr algn="ctr"/>
-            <a:endParaRPr lang="ru-RU"/>
-          </a:p>
-        </p:txBody>
-      </p:sp>
-      <p:sp>
-        <p:nvSpPr>
-          <p:cNvPr id="10" name="Прямоугольник 9"/>
-          <p:cNvSpPr/>
-          <p:nvPr/>
-        </p:nvSpPr>
-        <p:spPr>
-          <a:xfrm>
-            <a:off x="380976" y="1240113"/>
-            <a:ext cx="11509337" cy="5057448"/>
-          </a:xfrm>
-          <a:prstGeom prst="rect">
-            <a:avLst/>
-          </a:prstGeom>
-          <a:noFill/>
-        </p:spPr>
-        <p:style>
-          <a:lnRef idx="2">
-            <a:schemeClr val="accent1">
-              <a:shade val="50000"/>
-            </a:schemeClr>
-          </a:lnRef>
-          <a:fillRef idx="1">
-            <a:schemeClr val="accent1"/>
-          </a:fillRef>
-          <a:effectRef idx="0">
-            <a:schemeClr val="accent1"/>
-          </a:effectRef>
-          <a:fontRef idx="minor">
-            <a:schemeClr val="lt1"/>
-          </a:fontRef>
-        </p:style>
-        <p:txBody>
-          <a:bodyPr rtlCol="0" anchor="ctr"/>
-          <a:lstStyle/>
-          <a:p>
-            <a:pPr algn="ctr"/>
-            <a:endParaRPr lang="ru-RU"/>
-          </a:p>
-        </p:txBody>
-      </p:sp>
-      <p:sp>
-        <p:nvSpPr>
           <p:cNvPr id="5" name="TextBox 4"/>
           <p:cNvSpPr txBox="1"/>
           <p:nvPr/>
@@ -7963,7 +6709,7 @@
         <p:spPr>
           <a:xfrm>
             <a:off x="390880" y="1460513"/>
-            <a:ext cx="11649476" cy="1631216"/>
+            <a:ext cx="11499433" cy="2246769"/>
           </a:xfrm>
           <a:prstGeom prst="rect">
             <a:avLst/>
@@ -7998,21 +6744,7 @@
                 <a:latin typeface="Times New Roman" panose="02020603050405020304" pitchFamily="18" charset="0"/>
                 <a:cs typeface="Times New Roman" panose="02020603050405020304" pitchFamily="18" charset="0"/>
               </a:rPr>
-              <a:t>В результате проведенного проектирования беспроводной сети на основе технологии </a:t>
-            </a:r>
-            <a:r>
-              <a:rPr lang="ru-RU" sz="2000" dirty="0" err="1">
-                <a:latin typeface="Times New Roman" panose="02020603050405020304" pitchFamily="18" charset="0"/>
-                <a:cs typeface="Times New Roman" panose="02020603050405020304" pitchFamily="18" charset="0"/>
-              </a:rPr>
-              <a:t>Wi-Fi</a:t>
-            </a:r>
-            <a:r>
-              <a:rPr lang="ru-RU" sz="2000" dirty="0">
-                <a:latin typeface="Times New Roman" panose="02020603050405020304" pitchFamily="18" charset="0"/>
-                <a:cs typeface="Times New Roman" panose="02020603050405020304" pitchFamily="18" charset="0"/>
-              </a:rPr>
-              <a:t> для предприятия АО "ИД "Новости Югры" была создана эффективная и надежная инфраструктура, обеспечивающая стабильную передачу данных и высокую скорость подключения. Реализация проекта позволила значительно улучшить коммуникации и повысить производительность сотрудников, а также обеспечить высокий уровень безопасности и совместимость с современными устройствами.</a:t>
+              <a:t>Разработанная образовательная веб-платформа отвечает современным требованиям дистанционного обучения: она удобна, функциональна и безопасна. В процессе работы была реализована система регистрации, авторизации, управления курсами и взаимодействия пользователей. Особое внимание уделялось адаптивности интерфейса и надёжности обработки данных. Проведённое тестирование подтвердило стабильную работу и готовность к внедрению. Платформа может быть использована в образовательных учреждениях и для самостоятельного обучения, а в перспективе — расширена и интегрирована с внешними сервисами.</a:t>
             </a:r>
             <a:endParaRPr lang="ru-RU" sz="2400" dirty="0">
               <a:latin typeface="Times New Roman" panose="02020603050405020304" pitchFamily="18" charset="0"/>
@@ -9227,7 +7959,7 @@
         <p:spPr>
           <a:xfrm>
             <a:off x="4068137" y="763439"/>
-            <a:ext cx="7823689" cy="2862322"/>
+            <a:ext cx="7823689" cy="2554545"/>
           </a:xfrm>
           <a:prstGeom prst="rect">
             <a:avLst/>
@@ -9259,20 +7991,11 @@
           </a:p>
           <a:p>
             <a:r>
-              <a:rPr lang="ru-RU" sz="2000" dirty="0">
-                <a:latin typeface="Times New Roman"/>
-                <a:cs typeface="Times New Roman"/>
-              </a:rPr>
-              <a:t>3. Моделирование пользовательских сценариев взаимодействия</a:t>
-            </a:r>
-          </a:p>
-          <a:p>
-            <a:r>
               <a:rPr lang="ru-RU" sz="2000" spc="-1" dirty="0">
                 <a:latin typeface="Times New Roman"/>
                 <a:cs typeface="Times New Roman"/>
               </a:rPr>
-              <a:t>4. Веб-разработка клиентской и серверной части с использованием современных технологий (HTML, CSS, JS, Node.js, </a:t>
+              <a:t>3. Веб-разработка клиентской и серверной части с использованием современных технологий (HTML, CSS, JS, Node.js, </a:t>
             </a:r>
             <a:r>
               <a:rPr lang="ru-RU" sz="2000" spc="-1" dirty="0" err="1">
@@ -9295,7 +8018,7 @@
                 <a:latin typeface="Times New Roman"/>
                 <a:cs typeface="Times New Roman"/>
               </a:rPr>
-              <a:t>5. Тестирование (функциональное, пользовательское) для оценки качества и стабильности системы</a:t>
+              <a:t>4. Тестирование (функциональное, пользовательское) для оценки качества и стабильности системы</a:t>
             </a:r>
           </a:p>
           <a:p>
@@ -9746,158 +8469,6 @@
       </p:sp>
       <p:sp>
         <p:nvSpPr>
-          <p:cNvPr id="5" name="Прямоугольник 4"/>
-          <p:cNvSpPr/>
-          <p:nvPr/>
-        </p:nvSpPr>
-        <p:spPr>
-          <a:xfrm>
-            <a:off x="4522163" y="2595291"/>
-            <a:ext cx="324128" cy="388696"/>
-          </a:xfrm>
-          <a:prstGeom prst="rect">
-            <a:avLst/>
-          </a:prstGeom>
-        </p:spPr>
-        <p:txBody>
-          <a:bodyPr wrap="none">
-            <a:spAutoFit/>
-          </a:bodyPr>
-          <a:lstStyle/>
-          <a:p>
-            <a:pPr>
-              <a:lnSpc>
-                <a:spcPct val="107000"/>
-              </a:lnSpc>
-              <a:spcAft>
-                <a:spcPts val="800"/>
-              </a:spcAft>
-            </a:pPr>
-            <a:r>
-              <a:rPr lang="ru-RU" dirty="0">
-                <a:latin typeface="Calibri" panose="020F0502020204030204" pitchFamily="34" charset="0"/>
-                <a:ea typeface="Calibri" panose="020F0502020204030204" pitchFamily="34" charset="0"/>
-                <a:cs typeface="Calibri" panose="020F0502020204030204" pitchFamily="34" charset="0"/>
-              </a:rPr>
-              <a:t>●</a:t>
-            </a:r>
-            <a:endParaRPr lang="ru-RU" dirty="0">
-              <a:latin typeface="Calibri" panose="020F0502020204030204" pitchFamily="34" charset="0"/>
-              <a:ea typeface="Calibri" panose="020F0502020204030204" pitchFamily="34" charset="0"/>
-              <a:cs typeface="Times New Roman" panose="02020603050405020304" pitchFamily="18" charset="0"/>
-            </a:endParaRPr>
-          </a:p>
-        </p:txBody>
-      </p:sp>
-      <p:sp>
-        <p:nvSpPr>
-          <p:cNvPr id="15" name="Прямоугольник 14"/>
-          <p:cNvSpPr/>
-          <p:nvPr/>
-        </p:nvSpPr>
-        <p:spPr>
-          <a:xfrm>
-            <a:off x="4522163" y="3200513"/>
-            <a:ext cx="324128" cy="388696"/>
-          </a:xfrm>
-          <a:prstGeom prst="rect">
-            <a:avLst/>
-          </a:prstGeom>
-        </p:spPr>
-        <p:txBody>
-          <a:bodyPr wrap="none">
-            <a:spAutoFit/>
-          </a:bodyPr>
-          <a:lstStyle/>
-          <a:p>
-            <a:pPr>
-              <a:lnSpc>
-                <a:spcPct val="107000"/>
-              </a:lnSpc>
-              <a:spcAft>
-                <a:spcPts val="800"/>
-              </a:spcAft>
-            </a:pPr>
-            <a:r>
-              <a:rPr lang="ru-RU" dirty="0">
-                <a:latin typeface="Calibri" panose="020F0502020204030204" pitchFamily="34" charset="0"/>
-                <a:ea typeface="Calibri" panose="020F0502020204030204" pitchFamily="34" charset="0"/>
-                <a:cs typeface="Calibri" panose="020F0502020204030204" pitchFamily="34" charset="0"/>
-              </a:rPr>
-              <a:t>●</a:t>
-            </a:r>
-            <a:endParaRPr lang="ru-RU" dirty="0">
-              <a:latin typeface="Calibri" panose="020F0502020204030204" pitchFamily="34" charset="0"/>
-              <a:ea typeface="Calibri" panose="020F0502020204030204" pitchFamily="34" charset="0"/>
-              <a:cs typeface="Times New Roman" panose="02020603050405020304" pitchFamily="18" charset="0"/>
-            </a:endParaRPr>
-          </a:p>
-        </p:txBody>
-      </p:sp>
-      <p:sp>
-        <p:nvSpPr>
-          <p:cNvPr id="4" name="Прямоугольник 3"/>
-          <p:cNvSpPr/>
-          <p:nvPr/>
-        </p:nvSpPr>
-        <p:spPr>
-          <a:xfrm>
-            <a:off x="4746892" y="2580470"/>
-            <a:ext cx="6956833" cy="1015663"/>
-          </a:xfrm>
-          <a:prstGeom prst="rect">
-            <a:avLst/>
-          </a:prstGeom>
-          <a:noFill/>
-        </p:spPr>
-        <p:txBody>
-          <a:bodyPr wrap="square" lIns="91440" tIns="45720" rIns="91440" bIns="45720" anchor="t">
-            <a:spAutoFit/>
-          </a:bodyPr>
-          <a:lstStyle/>
-          <a:p>
-            <a:r>
-              <a:rPr lang="ru-RU" sz="2000" dirty="0">
-                <a:latin typeface="Times New Roman"/>
-                <a:cs typeface="Times New Roman"/>
-              </a:rPr>
-              <a:t>Исследование существующих стандартов </a:t>
-            </a:r>
-            <a:r>
-              <a:rPr lang="en-US" sz="2000" dirty="0">
-                <a:latin typeface="Times New Roman"/>
-                <a:cs typeface="Times New Roman"/>
-              </a:rPr>
-              <a:t>Wi-Fi</a:t>
-            </a:r>
-            <a:endParaRPr lang="ru-RU" sz="2000" dirty="0">
-              <a:latin typeface="Times New Roman"/>
-              <a:cs typeface="Times New Roman"/>
-            </a:endParaRPr>
-          </a:p>
-          <a:p>
-            <a:endParaRPr lang="ru-RU" sz="2000" dirty="0">
-              <a:latin typeface="Times New Roman"/>
-              <a:cs typeface="Times New Roman"/>
-            </a:endParaRPr>
-          </a:p>
-          <a:p>
-            <a:r>
-              <a:rPr lang="ru-RU" sz="2000" dirty="0">
-                <a:latin typeface="Times New Roman"/>
-                <a:cs typeface="Times New Roman"/>
-              </a:rPr>
-              <a:t>Анализ и проектирование беспроводной сети</a:t>
-            </a:r>
-            <a:endParaRPr lang="en-US" sz="2000" dirty="0">
-              <a:latin typeface="Times New Roman"/>
-              <a:cs typeface="Times New Roman"/>
-            </a:endParaRPr>
-          </a:p>
-        </p:txBody>
-      </p:sp>
-      <p:sp>
-        <p:nvSpPr>
           <p:cNvPr id="8" name="Прямоугольник 7"/>
           <p:cNvSpPr/>
           <p:nvPr/>
@@ -9957,6 +8528,60 @@
                 </a:outerShdw>
               </a:effectLst>
             </a:endParaRPr>
+          </a:p>
+        </p:txBody>
+      </p:sp>
+      <p:sp>
+        <p:nvSpPr>
+          <p:cNvPr id="13" name="Прямоугольник 12">
+            <a:extLst>
+              <a:ext uri="{FF2B5EF4-FFF2-40B4-BE49-F238E27FC236}">
+                <a16:creationId xmlns:a16="http://schemas.microsoft.com/office/drawing/2014/main" id="{EA1467A6-E9EE-4F99-9FF1-69F6B82F94F5}"/>
+              </a:ext>
+            </a:extLst>
+          </p:cNvPr>
+          <p:cNvSpPr/>
+          <p:nvPr/>
+        </p:nvSpPr>
+        <p:spPr>
+          <a:xfrm>
+            <a:off x="4123590" y="2458615"/>
+            <a:ext cx="6096000" cy="1754326"/>
+          </a:xfrm>
+          <a:prstGeom prst="rect">
+            <a:avLst/>
+          </a:prstGeom>
+        </p:spPr>
+        <p:txBody>
+          <a:bodyPr>
+            <a:spAutoFit/>
+          </a:bodyPr>
+          <a:lstStyle/>
+          <a:p>
+            <a:pPr marL="285750" lvl="0" indent="-285750">
+              <a:buFont typeface="Arial" panose="020B0604020202020204" pitchFamily="34" charset="0"/>
+              <a:buChar char="•"/>
+            </a:pPr>
+            <a:r>
+              <a:rPr lang="ru-RU" dirty="0">
+                <a:latin typeface="Times New Roman" panose="02020603050405020304" pitchFamily="18" charset="0"/>
+                <a:cs typeface="Times New Roman" panose="02020603050405020304" pitchFamily="18" charset="0"/>
+              </a:rPr>
+              <a:t>Спроектировать и реализовать образовательную веб-платформу с функционалом для прохождения курсов, тестирования и взаимодействия пользователей</a:t>
+            </a:r>
+          </a:p>
+          <a:p>
+            <a:pPr marL="285750" lvl="0" indent="-285750">
+              <a:buFont typeface="Arial" panose="020B0604020202020204" pitchFamily="34" charset="0"/>
+              <a:buChar char="•"/>
+            </a:pPr>
+            <a:r>
+              <a:rPr lang="ru-RU" dirty="0">
+                <a:latin typeface="Times New Roman" panose="02020603050405020304" pitchFamily="18" charset="0"/>
+                <a:cs typeface="Times New Roman" panose="02020603050405020304" pitchFamily="18" charset="0"/>
+              </a:rPr>
+              <a:t>Провести тестирование системы для оценки её работоспособности, стабильности и удобства использования.</a:t>
+            </a:r>
           </a:p>
         </p:txBody>
       </p:sp>
@@ -10407,7 +9032,7 @@
         <p:spPr>
           <a:xfrm>
             <a:off x="4123589" y="991710"/>
-            <a:ext cx="7586002" cy="1015663"/>
+            <a:ext cx="7586002" cy="1631216"/>
           </a:xfrm>
           <a:prstGeom prst="rect">
             <a:avLst/>
@@ -10425,7 +9050,7 @@
                 <a:latin typeface="Times New Roman" panose="02020603050405020304" pitchFamily="18" charset="0"/>
                 <a:cs typeface="Times New Roman" panose="02020603050405020304" pitchFamily="18" charset="0"/>
               </a:rPr>
-              <a:t>Улучшение коммуникаций, обеспечении мобильности, повышении безопасности, оптимизации инфраструктуры и достижении экономической эффективности.</a:t>
+              <a:t>Разработанная веб-платформа может использоваться в образовательных учреждениях и для самостоятельного обучения. Она обеспечивает удобный доступ к курсам, автоматизирует процесс обучения и может быть легко адаптирована под разные образовательные программы и уровни подготовки.</a:t>
             </a:r>
             <a:endParaRPr lang="en-US" sz="2000" dirty="0">
               <a:latin typeface="Times New Roman" panose="02020603050405020304" pitchFamily="18" charset="0"/>
@@ -10449,7 +9074,7 @@
         <p:spPr>
           <a:xfrm>
             <a:off x="4123588" y="4299147"/>
-            <a:ext cx="7766723" cy="646331"/>
+            <a:ext cx="7766723" cy="369332"/>
           </a:xfrm>
           <a:prstGeom prst="rect">
             <a:avLst/>
@@ -10466,46 +9091,11 @@
           <a:lstStyle/>
           <a:p>
             <a:r>
-              <a:rPr lang="ru-RU" dirty="0" err="1">
-                <a:latin typeface="Times New Roman"/>
-                <a:cs typeface="Calibri"/>
-              </a:rPr>
-              <a:t>Трунин</a:t>
-            </a:r>
-            <a:r>
               <a:rPr lang="ru-RU" dirty="0">
                 <a:latin typeface="Times New Roman"/>
                 <a:cs typeface="Calibri"/>
               </a:rPr>
-              <a:t> </a:t>
-            </a:r>
-            <a:r>
-              <a:rPr lang="ru-RU" dirty="0" err="1">
-                <a:latin typeface="Times New Roman"/>
-                <a:cs typeface="Calibri"/>
-              </a:rPr>
-              <a:t>Радмир</a:t>
-            </a:r>
-            <a:r>
-              <a:rPr lang="ru-RU" dirty="0">
-                <a:latin typeface="Times New Roman"/>
-                <a:cs typeface="Calibri"/>
-              </a:rPr>
-              <a:t> Анатольевич руководитель отдела </a:t>
-            </a:r>
-            <a:r>
-              <a:rPr lang="en-US" dirty="0">
-                <a:latin typeface="Times New Roman"/>
-                <a:cs typeface="Calibri"/>
-              </a:rPr>
-              <a:t>IT </a:t>
-            </a:r>
-            <a:r>
-              <a:rPr lang="ru-RU" dirty="0">
-                <a:latin typeface="Times New Roman"/>
-                <a:cs typeface="Calibri"/>
-              </a:rPr>
-              <a:t>АО «ИД «Новости Югры»</a:t>
+              <a:t>????</a:t>
             </a:r>
             <a:endParaRPr lang="ru-RU" dirty="0"/>
           </a:p>
@@ -10644,8 +9234,8 @@
         </p:nvSpPr>
         <p:spPr>
           <a:xfrm>
-            <a:off x="5969183" y="211366"/>
-            <a:ext cx="6221213" cy="954107"/>
+            <a:off x="5962804" y="435128"/>
+            <a:ext cx="6221213" cy="461665"/>
           </a:xfrm>
           <a:prstGeom prst="rect">
             <a:avLst/>
@@ -10659,7 +9249,7 @@
           <a:lstStyle/>
           <a:p>
             <a:r>
-              <a:rPr lang="ru-RU" sz="2800" b="1" dirty="0">
+              <a:rPr lang="ru-RU" sz="2400" b="1" dirty="0">
                 <a:solidFill>
                   <a:srgbClr val="002060"/>
                 </a:solidFill>
@@ -10667,31 +9257,9 @@
                 <a:ea typeface="Calibri" panose="020F0502020204030204" pitchFamily="34" charset="0"/>
                 <a:cs typeface="Times New Roman"/>
               </a:rPr>
-              <a:t>ГЛАВА I. Основы беспроводных сетей и технологии </a:t>
-            </a:r>
-            <a:r>
-              <a:rPr lang="en-US" sz="2800" b="1" dirty="0">
-                <a:solidFill>
-                  <a:srgbClr val="002060"/>
-                </a:solidFill>
-                <a:latin typeface="Times New Roman"/>
-                <a:ea typeface="Calibri" panose="020F0502020204030204" pitchFamily="34" charset="0"/>
-                <a:cs typeface="Times New Roman"/>
-              </a:rPr>
-              <a:t>Wi-Fi</a:t>
-            </a:r>
-            <a:r>
-              <a:rPr lang="ru-RU" sz="2800" b="1" dirty="0">
-                <a:solidFill>
-                  <a:srgbClr val="002060"/>
-                </a:solidFill>
-                <a:latin typeface="Times New Roman"/>
-                <a:ea typeface="Calibri" panose="020F0502020204030204" pitchFamily="34" charset="0"/>
-                <a:cs typeface="Times New Roman"/>
-              </a:rPr>
-              <a:t> </a:t>
-            </a:r>
-            <a:endParaRPr lang="ru-RU" sz="2800" b="1" dirty="0">
+              <a:t>АРХИТЕКТУРА ПЛАТФОРМЫ</a:t>
+            </a:r>
+            <a:endParaRPr lang="ru-RU" sz="2400" b="1" dirty="0">
               <a:solidFill>
                 <a:srgbClr val="002060"/>
               </a:solidFill>
@@ -10857,163 +9425,181 @@
           </a:p>
         </p:txBody>
       </p:sp>
-      <p:sp>
-        <p:nvSpPr>
-          <p:cNvPr id="5" name="Прямоугольник 4"/>
-          <p:cNvSpPr/>
-          <p:nvPr/>
-        </p:nvSpPr>
-        <p:spPr>
-          <a:xfrm>
-            <a:off x="479910" y="2342810"/>
-            <a:ext cx="11311467" cy="1338828"/>
-          </a:xfrm>
-          <a:prstGeom prst="rect">
-            <a:avLst/>
-          </a:prstGeom>
-        </p:spPr>
-        <p:txBody>
-          <a:bodyPr wrap="square">
-            <a:spAutoFit/>
-          </a:bodyPr>
-          <a:lstStyle/>
-          <a:p>
-            <a:pPr algn="just">
-              <a:lnSpc>
-                <a:spcPct val="150000"/>
-              </a:lnSpc>
-              <a:spcAft>
-                <a:spcPts val="0"/>
-              </a:spcAft>
-            </a:pPr>
-            <a:r>
-              <a:rPr lang="ru-RU" dirty="0" err="1">
-                <a:latin typeface="Times New Roman" panose="02020603050405020304" pitchFamily="18" charset="0"/>
-                <a:ea typeface="Times New Roman" panose="02020603050405020304" pitchFamily="18" charset="0"/>
-              </a:rPr>
-              <a:t>Wi-Fi</a:t>
-            </a:r>
-            <a:r>
-              <a:rPr lang="ru-RU" dirty="0">
-                <a:latin typeface="Times New Roman" panose="02020603050405020304" pitchFamily="18" charset="0"/>
-                <a:ea typeface="Times New Roman" panose="02020603050405020304" pitchFamily="18" charset="0"/>
-              </a:rPr>
-              <a:t> сети — это наиболее распространенный тип беспроводных сетей, который используется для передачи данных между устройствами внутри ограниченной зоны покрытия. Этот тип сети основан на стандарте IEEE 802.11 и имеет высокую скорость передачи данных и низкую задержку.</a:t>
-            </a:r>
-            <a:endParaRPr lang="ru-RU" sz="1400" dirty="0">
-              <a:effectLst/>
-              <a:latin typeface="Arial" panose="020B0604020202020204" pitchFamily="34" charset="0"/>
-              <a:ea typeface="Arial" panose="020B0604020202020204" pitchFamily="34" charset="0"/>
-            </a:endParaRPr>
-          </a:p>
-        </p:txBody>
-      </p:sp>
-      <p:sp>
-        <p:nvSpPr>
-          <p:cNvPr id="7" name="Прямоугольник 6"/>
-          <p:cNvSpPr/>
-          <p:nvPr/>
-        </p:nvSpPr>
-        <p:spPr>
-          <a:xfrm>
-            <a:off x="479910" y="1428053"/>
-            <a:ext cx="11311467" cy="873252"/>
-          </a:xfrm>
-          <a:prstGeom prst="rect">
-            <a:avLst/>
-          </a:prstGeom>
-        </p:spPr>
-        <p:txBody>
-          <a:bodyPr wrap="square">
-            <a:spAutoFit/>
-          </a:bodyPr>
-          <a:lstStyle/>
-          <a:p>
-            <a:pPr algn="just">
-              <a:lnSpc>
-                <a:spcPct val="150000"/>
-              </a:lnSpc>
-              <a:spcAft>
-                <a:spcPts val="0"/>
-              </a:spcAft>
-            </a:pPr>
-            <a:r>
-              <a:rPr lang="ru-RU" dirty="0">
-                <a:latin typeface="Times New Roman" panose="02020603050405020304" pitchFamily="18" charset="0"/>
-                <a:ea typeface="Times New Roman" panose="02020603050405020304" pitchFamily="18" charset="0"/>
-              </a:rPr>
-              <a:t>Беспроводные сети — элементы информационных технологий, предназначенные для передачи данных между приемником и отправителем на большие или малые расстояния без применения проводов. </a:t>
-            </a:r>
-            <a:endParaRPr lang="ru-RU" sz="1400" dirty="0">
-              <a:effectLst/>
-              <a:latin typeface="Arial" panose="020B0604020202020204" pitchFamily="34" charset="0"/>
-              <a:ea typeface="Arial" panose="020B0604020202020204" pitchFamily="34" charset="0"/>
-            </a:endParaRPr>
-          </a:p>
-        </p:txBody>
-      </p:sp>
       <p:pic>
         <p:nvPicPr>
-          <p:cNvPr id="2050" name="Picture 2" descr="https://cdn1.ozone.ru/s3/multimedia-g/6546390520.jpg"/>
+          <p:cNvPr id="10" name="Рисунок 9">
+            <a:extLst>
+              <a:ext uri="{FF2B5EF4-FFF2-40B4-BE49-F238E27FC236}">
+                <a16:creationId xmlns:a16="http://schemas.microsoft.com/office/drawing/2014/main" id="{ADED7D13-C803-4E3D-9AEE-0898E9AC80F3}"/>
+              </a:ext>
+            </a:extLst>
+          </p:cNvPr>
           <p:cNvPicPr>
-            <a:picLocks noChangeAspect="1" noChangeArrowheads="1"/>
+            <a:picLocks noChangeAspect="1"/>
           </p:cNvPicPr>
           <p:nvPr/>
         </p:nvPicPr>
         <p:blipFill>
-          <a:blip r:embed="rId3" cstate="print">
+          <a:blip r:embed="rId3">
             <a:extLst>
-              <a:ext uri="{BEBA8EAE-BF5A-486C-A8C5-ECC9F3942E4B}">
-                <a14:imgProps xmlns:a14="http://schemas.microsoft.com/office/drawing/2010/main">
-                  <a14:imgLayer r:embed="rId4">
-                    <a14:imgEffect>
-                      <a14:backgroundRemoval t="10000" b="90000" l="10000" r="90000">
-                        <a14:foregroundMark x1="57645" y1="86100" x2="42762" y2="85850"/>
-                        <a14:foregroundMark x1="23177" y1="60250" x2="26398" y2="72150"/>
-                        <a14:foregroundMark x1="24250" y1="14550" x2="24658" y2="78550"/>
-                        <a14:foregroundMark x1="76379" y1="15450" x2="75528" y2="81200"/>
-                        <a14:foregroundMark x1="26398" y1="84400" x2="28138" y2="87600"/>
-                        <a14:foregroundMark x1="26842" y1="84100" x2="27027" y2="87850"/>
-                        <a14:foregroundMark x1="26398" y1="83500" x2="29211" y2="88750"/>
-                        <a14:foregroundMark x1="74417" y1="83500" x2="74639" y2="81450"/>
-                      </a14:backgroundRemoval>
-                    </a14:imgEffect>
-                    <a14:imgEffect>
-                      <a14:brightnessContrast contrast="-40000"/>
-                    </a14:imgEffect>
-                  </a14:imgLayer>
-                </a14:imgProps>
-              </a:ext>
               <a:ext uri="{28A0092B-C50C-407E-A947-70E740481C1C}">
                 <a14:useLocalDpi xmlns:a14="http://schemas.microsoft.com/office/drawing/2010/main" val="0"/>
               </a:ext>
             </a:extLst>
           </a:blip>
-          <a:srcRect/>
           <a:stretch>
             <a:fillRect/>
           </a:stretch>
         </p:blipFill>
-        <p:spPr bwMode="auto">
-          <a:xfrm>
-            <a:off x="7860908" y="3394810"/>
-            <a:ext cx="3930469" cy="2910381"/>
-          </a:xfrm>
-          <a:prstGeom prst="rect">
-            <a:avLst/>
-          </a:prstGeom>
-          <a:noFill/>
-          <a:extLst>
-            <a:ext uri="{909E8E84-426E-40DD-AFC4-6F175D3DCCD1}">
-              <a14:hiddenFill xmlns:a14="http://schemas.microsoft.com/office/drawing/2010/main">
-                <a:solidFill>
-                  <a:srgbClr val="FFFFFF"/>
-                </a:solidFill>
-              </a14:hiddenFill>
-            </a:ext>
-          </a:extLst>
+        <p:spPr>
+          <a:xfrm>
+            <a:off x="609602" y="3732259"/>
+            <a:ext cx="10972800" cy="1914525"/>
+          </a:xfrm>
+          <a:prstGeom prst="rect">
+            <a:avLst/>
+          </a:prstGeom>
         </p:spPr>
       </p:pic>
+      <p:sp>
+        <p:nvSpPr>
+          <p:cNvPr id="11" name="Прямоугольник 10">
+            <a:extLst>
+              <a:ext uri="{FF2B5EF4-FFF2-40B4-BE49-F238E27FC236}">
+                <a16:creationId xmlns:a16="http://schemas.microsoft.com/office/drawing/2014/main" id="{49251E1D-AB8A-47E4-9EA9-FAC3EBD7B6A3}"/>
+              </a:ext>
+            </a:extLst>
+          </p:cNvPr>
+          <p:cNvSpPr/>
+          <p:nvPr/>
+        </p:nvSpPr>
+        <p:spPr>
+          <a:xfrm>
+            <a:off x="3857393" y="3316199"/>
+            <a:ext cx="4556504" cy="369332"/>
+          </a:xfrm>
+          <a:prstGeom prst="rect">
+            <a:avLst/>
+          </a:prstGeom>
+        </p:spPr>
+        <p:txBody>
+          <a:bodyPr wrap="none">
+            <a:spAutoFit/>
+          </a:bodyPr>
+          <a:lstStyle/>
+          <a:p>
+            <a:r>
+              <a:rPr lang="ru-RU" dirty="0">
+                <a:latin typeface="Times New Roman"/>
+                <a:cs typeface="Times New Roman"/>
+              </a:rPr>
+              <a:t>Общая схема взаимодействия клиент-сервер</a:t>
+            </a:r>
+          </a:p>
+        </p:txBody>
+      </p:sp>
+      <p:sp>
+        <p:nvSpPr>
+          <p:cNvPr id="13" name="Прямоугольник 12">
+            <a:extLst>
+              <a:ext uri="{FF2B5EF4-FFF2-40B4-BE49-F238E27FC236}">
+                <a16:creationId xmlns:a16="http://schemas.microsoft.com/office/drawing/2014/main" id="{538B576B-1201-4724-9FAC-F17AE2F4BCFA}"/>
+              </a:ext>
+            </a:extLst>
+          </p:cNvPr>
+          <p:cNvSpPr/>
+          <p:nvPr/>
+        </p:nvSpPr>
+        <p:spPr>
+          <a:xfrm>
+            <a:off x="609602" y="1907840"/>
+            <a:ext cx="6096000" cy="1200329"/>
+          </a:xfrm>
+          <a:prstGeom prst="rect">
+            <a:avLst/>
+          </a:prstGeom>
+        </p:spPr>
+        <p:txBody>
+          <a:bodyPr>
+            <a:spAutoFit/>
+          </a:bodyPr>
+          <a:lstStyle/>
+          <a:p>
+            <a:pPr lvl="0"/>
+            <a:r>
+              <a:rPr lang="ru-RU" dirty="0">
+                <a:latin typeface="Times New Roman" panose="02020603050405020304" pitchFamily="18" charset="0"/>
+                <a:cs typeface="Times New Roman" panose="02020603050405020304" pitchFamily="18" charset="0"/>
+              </a:rPr>
+              <a:t>Используемые технологии:</a:t>
+            </a:r>
+          </a:p>
+          <a:p>
+            <a:pPr marL="285750" lvl="0" indent="-285750">
+              <a:buFont typeface="Arial" panose="020B0604020202020204" pitchFamily="34" charset="0"/>
+              <a:buChar char="•"/>
+            </a:pPr>
+            <a:r>
+              <a:rPr lang="en-US" dirty="0">
+                <a:latin typeface="Times New Roman" panose="02020603050405020304" pitchFamily="18" charset="0"/>
+                <a:cs typeface="Times New Roman" panose="02020603050405020304" pitchFamily="18" charset="0"/>
+              </a:rPr>
+              <a:t>Backend: Node.js, Express.js, SQLite</a:t>
+            </a:r>
+          </a:p>
+          <a:p>
+            <a:pPr marL="285750" lvl="0" indent="-285750">
+              <a:buFont typeface="Arial" panose="020B0604020202020204" pitchFamily="34" charset="0"/>
+              <a:buChar char="•"/>
+            </a:pPr>
+            <a:r>
+              <a:rPr lang="en-US" dirty="0">
+                <a:latin typeface="Times New Roman" panose="02020603050405020304" pitchFamily="18" charset="0"/>
+                <a:cs typeface="Times New Roman" panose="02020603050405020304" pitchFamily="18" charset="0"/>
+              </a:rPr>
+              <a:t>Frontend: HTML, CSS, JavaScript, EJS</a:t>
+            </a:r>
+          </a:p>
+          <a:p>
+            <a:pPr marL="285750" lvl="0" indent="-285750">
+              <a:buFont typeface="Arial" panose="020B0604020202020204" pitchFamily="34" charset="0"/>
+              <a:buChar char="•"/>
+            </a:pPr>
+            <a:r>
+              <a:rPr lang="ru-RU" dirty="0">
+                <a:latin typeface="Times New Roman" panose="02020603050405020304" pitchFamily="18" charset="0"/>
+                <a:cs typeface="Times New Roman" panose="02020603050405020304" pitchFamily="18" charset="0"/>
+              </a:rPr>
+              <a:t>Безопасность: </a:t>
+            </a:r>
+            <a:r>
+              <a:rPr lang="en-US" dirty="0">
+                <a:latin typeface="Times New Roman" panose="02020603050405020304" pitchFamily="18" charset="0"/>
+                <a:cs typeface="Times New Roman" panose="02020603050405020304" pitchFamily="18" charset="0"/>
+              </a:rPr>
+              <a:t>JWT </a:t>
+            </a:r>
+            <a:r>
+              <a:rPr lang="ru-RU" dirty="0">
+                <a:latin typeface="Times New Roman" panose="02020603050405020304" pitchFamily="18" charset="0"/>
+                <a:cs typeface="Times New Roman" panose="02020603050405020304" pitchFamily="18" charset="0"/>
+              </a:rPr>
+              <a:t>и </a:t>
+            </a:r>
+            <a:r>
+              <a:rPr lang="en-US" dirty="0" err="1">
+                <a:latin typeface="Times New Roman" panose="02020603050405020304" pitchFamily="18" charset="0"/>
+                <a:cs typeface="Times New Roman" panose="02020603050405020304" pitchFamily="18" charset="0"/>
+              </a:rPr>
+              <a:t>bcrypt</a:t>
+            </a:r>
+            <a:endParaRPr lang="en-US" dirty="0">
+              <a:latin typeface="Times New Roman" panose="02020603050405020304" pitchFamily="18" charset="0"/>
+              <a:cs typeface="Times New Roman" panose="02020603050405020304" pitchFamily="18" charset="0"/>
+            </a:endParaRPr>
+          </a:p>
+        </p:txBody>
+      </p:sp>
     </p:spTree>
     <p:extLst>
       <p:ext uri="{BB962C8B-B14F-4D97-AF65-F5344CB8AC3E}">
@@ -11147,8 +9733,8 @@
         </p:nvSpPr>
         <p:spPr>
           <a:xfrm>
-            <a:off x="5837129" y="211366"/>
-            <a:ext cx="6353267" cy="954107"/>
+            <a:off x="5837129" y="389208"/>
+            <a:ext cx="6353267" cy="461665"/>
           </a:xfrm>
           <a:prstGeom prst="rect">
             <a:avLst/>
@@ -11162,7 +9748,7 @@
           <a:lstStyle/>
           <a:p>
             <a:r>
-              <a:rPr lang="ru-RU" sz="2800" b="1" dirty="0">
+              <a:rPr lang="ru-RU" sz="2400" b="1" dirty="0">
                 <a:solidFill>
                   <a:srgbClr val="002060"/>
                 </a:solidFill>
@@ -11170,31 +9756,9 @@
                 <a:ea typeface="Calibri" panose="020F0502020204030204" pitchFamily="34" charset="0"/>
                 <a:cs typeface="Times New Roman"/>
               </a:rPr>
-              <a:t>Основы беспроводных сетей и технологии </a:t>
-            </a:r>
-            <a:r>
-              <a:rPr lang="en-US" sz="2800" b="1" dirty="0">
-                <a:solidFill>
-                  <a:srgbClr val="002060"/>
-                </a:solidFill>
-                <a:latin typeface="Times New Roman"/>
-                <a:ea typeface="Calibri" panose="020F0502020204030204" pitchFamily="34" charset="0"/>
-                <a:cs typeface="Times New Roman"/>
-              </a:rPr>
-              <a:t>Wi-Fi</a:t>
-            </a:r>
-            <a:r>
-              <a:rPr lang="ru-RU" sz="2800" b="1" dirty="0">
-                <a:solidFill>
-                  <a:srgbClr val="002060"/>
-                </a:solidFill>
-                <a:latin typeface="Times New Roman"/>
-                <a:ea typeface="Calibri" panose="020F0502020204030204" pitchFamily="34" charset="0"/>
-                <a:cs typeface="Times New Roman"/>
-              </a:rPr>
-              <a:t> </a:t>
-            </a:r>
-            <a:endParaRPr lang="ru-RU" sz="2800" b="1" dirty="0">
+              <a:t>ОСНОВНОЙ ФУНКЦИОНАЛ</a:t>
+            </a:r>
+            <a:endParaRPr lang="ru-RU" sz="2400" b="1" dirty="0">
               <a:solidFill>
                 <a:srgbClr val="002060"/>
               </a:solidFill>
@@ -11362,1532 +9926,338 @@
       </p:sp>
       <p:sp>
         <p:nvSpPr>
-          <p:cNvPr id="10" name="TextBox 9"/>
-          <p:cNvSpPr txBox="1"/>
+          <p:cNvPr id="4" name="Прямоугольник 3">
+            <a:extLst>
+              <a:ext uri="{FF2B5EF4-FFF2-40B4-BE49-F238E27FC236}">
+                <a16:creationId xmlns:a16="http://schemas.microsoft.com/office/drawing/2014/main" id="{C68DE044-4212-4125-98EB-14AD8E84ED48}"/>
+              </a:ext>
+            </a:extLst>
+          </p:cNvPr>
+          <p:cNvSpPr/>
           <p:nvPr/>
         </p:nvSpPr>
         <p:spPr>
           <a:xfrm>
-            <a:off x="465667" y="1447690"/>
-            <a:ext cx="2447337" cy="400110"/>
-          </a:xfrm>
-          <a:prstGeom prst="rect">
-            <a:avLst/>
-          </a:prstGeom>
-          <a:noFill/>
-        </p:spPr>
-        <p:txBody>
-          <a:bodyPr wrap="none" rtlCol="0">
+            <a:off x="679550" y="1563864"/>
+            <a:ext cx="5530168" cy="1754326"/>
+          </a:xfrm>
+          <a:prstGeom prst="rect">
+            <a:avLst/>
+          </a:prstGeom>
+        </p:spPr>
+        <p:txBody>
+          <a:bodyPr wrap="none">
             <a:spAutoFit/>
           </a:bodyPr>
           <a:lstStyle/>
           <a:p>
-            <a:pPr lvl="0"/>
-            <a:r>
-              <a:rPr lang="ru-RU" sz="2000" dirty="0">
+            <a:r>
+              <a:rPr lang="ru-RU" dirty="0">
                 <a:latin typeface="Times New Roman" panose="02020603050405020304" pitchFamily="18" charset="0"/>
                 <a:cs typeface="Times New Roman" panose="02020603050405020304" pitchFamily="18" charset="0"/>
               </a:rPr>
-              <a:t>Разница протоколов:</a:t>
-            </a:r>
-          </a:p>
-        </p:txBody>
-      </p:sp>
-      <p:graphicFrame>
-        <p:nvGraphicFramePr>
-          <p:cNvPr id="11" name="Таблица 10"/>
-          <p:cNvGraphicFramePr>
-            <a:graphicFrameLocks noGrp="1"/>
-          </p:cNvGraphicFramePr>
-          <p:nvPr>
-            <p:extLst>
-              <p:ext uri="{D42A27DB-BD31-4B8C-83A1-F6EECF244321}">
-                <p14:modId xmlns:p14="http://schemas.microsoft.com/office/powerpoint/2010/main" val="1623916756"/>
-              </p:ext>
-            </p:extLst>
-          </p:nvPr>
-        </p:nvGraphicFramePr>
-        <p:xfrm>
-          <a:off x="503767" y="2000200"/>
-          <a:ext cx="11201400" cy="4220876"/>
-        </p:xfrm>
-        <a:graphic>
-          <a:graphicData uri="http://schemas.openxmlformats.org/drawingml/2006/table">
-            <a:tbl>
-              <a:tblPr firstRow="1" bandRow="1">
-                <a:tableStyleId>{5C22544A-7EE6-4342-B048-85BDC9FD1C3A}</a:tableStyleId>
-              </a:tblPr>
-              <a:tblGrid>
-                <a:gridCol w="3733800">
-                  <a:extLst>
-                    <a:ext uri="{9D8B030D-6E8A-4147-A177-3AD203B41FA5}">
-                      <a16:colId xmlns:a16="http://schemas.microsoft.com/office/drawing/2014/main" val="3060914300"/>
-                    </a:ext>
-                  </a:extLst>
-                </a:gridCol>
-                <a:gridCol w="3733800">
-                  <a:extLst>
-                    <a:ext uri="{9D8B030D-6E8A-4147-A177-3AD203B41FA5}">
-                      <a16:colId xmlns:a16="http://schemas.microsoft.com/office/drawing/2014/main" val="579364147"/>
-                    </a:ext>
-                  </a:extLst>
-                </a:gridCol>
-                <a:gridCol w="3733800">
-                  <a:extLst>
-                    <a:ext uri="{9D8B030D-6E8A-4147-A177-3AD203B41FA5}">
-                      <a16:colId xmlns:a16="http://schemas.microsoft.com/office/drawing/2014/main" val="3660838546"/>
-                    </a:ext>
-                  </a:extLst>
-                </a:gridCol>
-              </a:tblGrid>
-              <a:tr h="942962">
-                <a:tc>
-                  <a:txBody>
-                    <a:bodyPr/>
-                    <a:lstStyle/>
-                    <a:p>
-                      <a:pPr algn="ctr"/>
-                      <a:r>
-                        <a:rPr lang="ru-RU" sz="2000" b="0" dirty="0">
-                          <a:solidFill>
-                            <a:schemeClr val="tx1"/>
-                          </a:solidFill>
-                          <a:latin typeface="Times New Roman" panose="02020603050405020304" pitchFamily="18" charset="0"/>
-                          <a:cs typeface="Times New Roman" panose="02020603050405020304" pitchFamily="18" charset="0"/>
-                        </a:rPr>
-                        <a:t>Название протокола</a:t>
-                      </a:r>
-                    </a:p>
-                  </a:txBody>
-                  <a:tcPr>
-                    <a:lnL w="12700" cap="flat" cmpd="sng" algn="ctr">
-                      <a:solidFill>
-                        <a:schemeClr val="tx1"/>
-                      </a:solidFill>
-                      <a:prstDash val="solid"/>
-                      <a:round/>
-                      <a:headEnd type="none" w="med" len="med"/>
-                      <a:tailEnd type="none" w="med" len="med"/>
-                    </a:lnL>
-                    <a:lnR w="12700" cap="flat" cmpd="sng" algn="ctr">
-                      <a:solidFill>
-                        <a:schemeClr val="tx1"/>
-                      </a:solidFill>
-                      <a:prstDash val="solid"/>
-                      <a:round/>
-                      <a:headEnd type="none" w="med" len="med"/>
-                      <a:tailEnd type="none" w="med" len="med"/>
-                    </a:lnR>
-                    <a:lnT w="12700" cap="flat" cmpd="sng" algn="ctr">
-                      <a:solidFill>
-                        <a:schemeClr val="tx1"/>
-                      </a:solidFill>
-                      <a:prstDash val="solid"/>
-                      <a:round/>
-                      <a:headEnd type="none" w="med" len="med"/>
-                      <a:tailEnd type="none" w="med" len="med"/>
-                    </a:lnT>
-                    <a:lnB w="12700" cap="flat" cmpd="sng" algn="ctr">
-                      <a:solidFill>
-                        <a:schemeClr val="tx1"/>
-                      </a:solidFill>
-                      <a:prstDash val="solid"/>
-                      <a:round/>
-                      <a:headEnd type="none" w="med" len="med"/>
-                      <a:tailEnd type="none" w="med" len="med"/>
-                    </a:lnB>
-                    <a:noFill/>
-                  </a:tcPr>
-                </a:tc>
-                <a:tc>
-                  <a:txBody>
-                    <a:bodyPr/>
-                    <a:lstStyle/>
-                    <a:p>
-                      <a:pPr algn="ctr"/>
-                      <a:r>
-                        <a:rPr lang="ru-RU" sz="2000" b="0" dirty="0">
-                          <a:solidFill>
-                            <a:schemeClr val="tx1"/>
-                          </a:solidFill>
-                          <a:latin typeface="Times New Roman" panose="02020603050405020304" pitchFamily="18" charset="0"/>
-                          <a:cs typeface="Times New Roman" panose="02020603050405020304" pitchFamily="18" charset="0"/>
-                        </a:rPr>
-                        <a:t>Максимальная скорость соединения</a:t>
-                      </a:r>
-                    </a:p>
-                  </a:txBody>
-                  <a:tcPr>
-                    <a:lnL w="12700" cap="flat" cmpd="sng" algn="ctr">
-                      <a:solidFill>
-                        <a:schemeClr val="tx1"/>
-                      </a:solidFill>
-                      <a:prstDash val="solid"/>
-                      <a:round/>
-                      <a:headEnd type="none" w="med" len="med"/>
-                      <a:tailEnd type="none" w="med" len="med"/>
-                    </a:lnL>
-                    <a:lnR w="12700" cap="flat" cmpd="sng" algn="ctr">
-                      <a:solidFill>
-                        <a:schemeClr val="tx1"/>
-                      </a:solidFill>
-                      <a:prstDash val="solid"/>
-                      <a:round/>
-                      <a:headEnd type="none" w="med" len="med"/>
-                      <a:tailEnd type="none" w="med" len="med"/>
-                    </a:lnR>
-                    <a:lnT w="12700" cap="flat" cmpd="sng" algn="ctr">
-                      <a:solidFill>
-                        <a:schemeClr val="tx1"/>
-                      </a:solidFill>
-                      <a:prstDash val="solid"/>
-                      <a:round/>
-                      <a:headEnd type="none" w="med" len="med"/>
-                      <a:tailEnd type="none" w="med" len="med"/>
-                    </a:lnT>
-                    <a:lnB w="12700" cap="flat" cmpd="sng" algn="ctr">
-                      <a:solidFill>
-                        <a:schemeClr val="tx1"/>
-                      </a:solidFill>
-                      <a:prstDash val="solid"/>
-                      <a:round/>
-                      <a:headEnd type="none" w="med" len="med"/>
-                      <a:tailEnd type="none" w="med" len="med"/>
-                    </a:lnB>
-                    <a:noFill/>
-                  </a:tcPr>
-                </a:tc>
-                <a:tc>
-                  <a:txBody>
-                    <a:bodyPr/>
-                    <a:lstStyle/>
-                    <a:p>
-                      <a:pPr algn="ctr"/>
-                      <a:r>
-                        <a:rPr lang="ru-RU" sz="2000" b="0" dirty="0">
-                          <a:solidFill>
-                            <a:schemeClr val="tx1"/>
-                          </a:solidFill>
-                          <a:latin typeface="Times New Roman" panose="02020603050405020304" pitchFamily="18" charset="0"/>
-                          <a:cs typeface="Times New Roman" panose="02020603050405020304" pitchFamily="18" charset="0"/>
-                        </a:rPr>
-                        <a:t>Частоты</a:t>
-                      </a:r>
-                    </a:p>
-                  </a:txBody>
-                  <a:tcPr>
-                    <a:lnL w="12700" cap="flat" cmpd="sng" algn="ctr">
-                      <a:solidFill>
-                        <a:schemeClr val="tx1"/>
-                      </a:solidFill>
-                      <a:prstDash val="solid"/>
-                      <a:round/>
-                      <a:headEnd type="none" w="med" len="med"/>
-                      <a:tailEnd type="none" w="med" len="med"/>
-                    </a:lnL>
-                    <a:lnR w="12700" cap="flat" cmpd="sng" algn="ctr">
-                      <a:solidFill>
-                        <a:schemeClr val="tx1"/>
-                      </a:solidFill>
-                      <a:prstDash val="solid"/>
-                      <a:round/>
-                      <a:headEnd type="none" w="med" len="med"/>
-                      <a:tailEnd type="none" w="med" len="med"/>
-                    </a:lnR>
-                    <a:lnT w="12700" cap="flat" cmpd="sng" algn="ctr">
-                      <a:solidFill>
-                        <a:schemeClr val="tx1"/>
-                      </a:solidFill>
-                      <a:prstDash val="solid"/>
-                      <a:round/>
-                      <a:headEnd type="none" w="med" len="med"/>
-                      <a:tailEnd type="none" w="med" len="med"/>
-                    </a:lnT>
-                    <a:lnB w="12700" cap="flat" cmpd="sng" algn="ctr">
-                      <a:solidFill>
-                        <a:schemeClr val="tx1"/>
-                      </a:solidFill>
-                      <a:prstDash val="solid"/>
-                      <a:round/>
-                      <a:headEnd type="none" w="med" len="med"/>
-                      <a:tailEnd type="none" w="med" len="med"/>
-                    </a:lnB>
-                    <a:noFill/>
-                  </a:tcPr>
-                </a:tc>
-                <a:extLst>
-                  <a:ext uri="{0D108BD9-81ED-4DB2-BD59-A6C34878D82A}">
-                    <a16:rowId xmlns:a16="http://schemas.microsoft.com/office/drawing/2014/main" val="2712551374"/>
-                  </a:ext>
-                </a:extLst>
-              </a:tr>
-              <a:tr h="546319">
-                <a:tc>
-                  <a:txBody>
-                    <a:bodyPr/>
-                    <a:lstStyle/>
-                    <a:p>
-                      <a:pPr algn="ctr"/>
-                      <a:r>
-                        <a:rPr lang="en-US" sz="2000" dirty="0">
-                          <a:latin typeface="Times New Roman" panose="02020603050405020304" pitchFamily="18" charset="0"/>
-                          <a:cs typeface="Times New Roman" panose="02020603050405020304" pitchFamily="18" charset="0"/>
-                        </a:rPr>
-                        <a:t>a</a:t>
-                      </a:r>
-                      <a:endParaRPr lang="ru-RU" sz="2000" dirty="0">
-                        <a:latin typeface="Times New Roman" panose="02020603050405020304" pitchFamily="18" charset="0"/>
-                        <a:cs typeface="Times New Roman" panose="02020603050405020304" pitchFamily="18" charset="0"/>
-                      </a:endParaRPr>
-                    </a:p>
-                  </a:txBody>
-                  <a:tcPr>
-                    <a:lnL w="12700" cap="flat" cmpd="sng" algn="ctr">
-                      <a:solidFill>
-                        <a:schemeClr val="tx1"/>
-                      </a:solidFill>
-                      <a:prstDash val="solid"/>
-                      <a:round/>
-                      <a:headEnd type="none" w="med" len="med"/>
-                      <a:tailEnd type="none" w="med" len="med"/>
-                    </a:lnL>
-                    <a:lnR w="12700" cap="flat" cmpd="sng" algn="ctr">
-                      <a:solidFill>
-                        <a:schemeClr val="tx1"/>
-                      </a:solidFill>
-                      <a:prstDash val="solid"/>
-                      <a:round/>
-                      <a:headEnd type="none" w="med" len="med"/>
-                      <a:tailEnd type="none" w="med" len="med"/>
-                    </a:lnR>
-                    <a:lnT w="12700" cap="flat" cmpd="sng" algn="ctr">
-                      <a:solidFill>
-                        <a:schemeClr val="tx1"/>
-                      </a:solidFill>
-                      <a:prstDash val="solid"/>
-                      <a:round/>
-                      <a:headEnd type="none" w="med" len="med"/>
-                      <a:tailEnd type="none" w="med" len="med"/>
-                    </a:lnT>
-                    <a:lnB w="12700" cap="flat" cmpd="sng" algn="ctr">
-                      <a:solidFill>
-                        <a:schemeClr val="tx1"/>
-                      </a:solidFill>
-                      <a:prstDash val="solid"/>
-                      <a:round/>
-                      <a:headEnd type="none" w="med" len="med"/>
-                      <a:tailEnd type="none" w="med" len="med"/>
-                    </a:lnB>
-                    <a:noFill/>
-                  </a:tcPr>
-                </a:tc>
-                <a:tc>
-                  <a:txBody>
-                    <a:bodyPr/>
-                    <a:lstStyle/>
-                    <a:p>
-                      <a:pPr algn="ctr"/>
-                      <a:r>
-                        <a:rPr lang="ru-RU" sz="2000" b="0" dirty="0">
-                          <a:solidFill>
-                            <a:schemeClr val="tx1"/>
-                          </a:solidFill>
-                          <a:latin typeface="Times New Roman" panose="02020603050405020304" pitchFamily="18" charset="0"/>
-                          <a:cs typeface="Times New Roman" panose="02020603050405020304" pitchFamily="18" charset="0"/>
-                        </a:rPr>
-                        <a:t>54</a:t>
-                      </a:r>
-                      <a:r>
-                        <a:rPr lang="ru-RU" sz="2000" b="0" baseline="0" dirty="0">
-                          <a:solidFill>
-                            <a:schemeClr val="tx1"/>
-                          </a:solidFill>
-                          <a:latin typeface="Times New Roman" panose="02020603050405020304" pitchFamily="18" charset="0"/>
-                          <a:cs typeface="Times New Roman" panose="02020603050405020304" pitchFamily="18" charset="0"/>
-                        </a:rPr>
-                        <a:t> Мбит/с</a:t>
-                      </a:r>
-                      <a:endParaRPr lang="ru-RU" sz="2000" b="0" dirty="0">
-                        <a:solidFill>
-                          <a:schemeClr val="tx1"/>
-                        </a:solidFill>
-                        <a:latin typeface="Times New Roman" panose="02020603050405020304" pitchFamily="18" charset="0"/>
-                        <a:cs typeface="Times New Roman" panose="02020603050405020304" pitchFamily="18" charset="0"/>
-                      </a:endParaRPr>
-                    </a:p>
-                  </a:txBody>
-                  <a:tcPr>
-                    <a:lnL w="12700" cap="flat" cmpd="sng" algn="ctr">
-                      <a:solidFill>
-                        <a:schemeClr val="tx1"/>
-                      </a:solidFill>
-                      <a:prstDash val="solid"/>
-                      <a:round/>
-                      <a:headEnd type="none" w="med" len="med"/>
-                      <a:tailEnd type="none" w="med" len="med"/>
-                    </a:lnL>
-                    <a:lnR w="12700" cap="flat" cmpd="sng" algn="ctr">
-                      <a:solidFill>
-                        <a:schemeClr val="tx1"/>
-                      </a:solidFill>
-                      <a:prstDash val="solid"/>
-                      <a:round/>
-                      <a:headEnd type="none" w="med" len="med"/>
-                      <a:tailEnd type="none" w="med" len="med"/>
-                    </a:lnR>
-                    <a:lnT w="12700" cap="flat" cmpd="sng" algn="ctr">
-                      <a:solidFill>
-                        <a:schemeClr val="tx1"/>
-                      </a:solidFill>
-                      <a:prstDash val="solid"/>
-                      <a:round/>
-                      <a:headEnd type="none" w="med" len="med"/>
-                      <a:tailEnd type="none" w="med" len="med"/>
-                    </a:lnT>
-                    <a:lnB w="12700" cap="flat" cmpd="sng" algn="ctr">
-                      <a:solidFill>
-                        <a:schemeClr val="tx1"/>
-                      </a:solidFill>
-                      <a:prstDash val="solid"/>
-                      <a:round/>
-                      <a:headEnd type="none" w="med" len="med"/>
-                      <a:tailEnd type="none" w="med" len="med"/>
-                    </a:lnB>
-                    <a:noFill/>
-                  </a:tcPr>
-                </a:tc>
-                <a:tc>
-                  <a:txBody>
-                    <a:bodyPr/>
-                    <a:lstStyle/>
-                    <a:p>
-                      <a:pPr algn="ctr"/>
-                      <a:r>
-                        <a:rPr lang="ru-RU" sz="2000" b="0" dirty="0">
-                          <a:solidFill>
-                            <a:schemeClr val="tx1"/>
-                          </a:solidFill>
-                          <a:latin typeface="Times New Roman" panose="02020603050405020304" pitchFamily="18" charset="0"/>
-                          <a:cs typeface="Times New Roman" panose="02020603050405020304" pitchFamily="18" charset="0"/>
-                        </a:rPr>
-                        <a:t>2.4 ГГц</a:t>
-                      </a:r>
-                    </a:p>
-                  </a:txBody>
-                  <a:tcPr>
-                    <a:lnL w="12700" cap="flat" cmpd="sng" algn="ctr">
-                      <a:solidFill>
-                        <a:schemeClr val="tx1"/>
-                      </a:solidFill>
-                      <a:prstDash val="solid"/>
-                      <a:round/>
-                      <a:headEnd type="none" w="med" len="med"/>
-                      <a:tailEnd type="none" w="med" len="med"/>
-                    </a:lnL>
-                    <a:lnR w="12700" cap="flat" cmpd="sng" algn="ctr">
-                      <a:solidFill>
-                        <a:schemeClr val="tx1"/>
-                      </a:solidFill>
-                      <a:prstDash val="solid"/>
-                      <a:round/>
-                      <a:headEnd type="none" w="med" len="med"/>
-                      <a:tailEnd type="none" w="med" len="med"/>
-                    </a:lnR>
-                    <a:lnT w="12700" cap="flat" cmpd="sng" algn="ctr">
-                      <a:solidFill>
-                        <a:schemeClr val="tx1"/>
-                      </a:solidFill>
-                      <a:prstDash val="solid"/>
-                      <a:round/>
-                      <a:headEnd type="none" w="med" len="med"/>
-                      <a:tailEnd type="none" w="med" len="med"/>
-                    </a:lnT>
-                    <a:lnB w="12700" cap="flat" cmpd="sng" algn="ctr">
-                      <a:solidFill>
-                        <a:schemeClr val="tx1"/>
-                      </a:solidFill>
-                      <a:prstDash val="solid"/>
-                      <a:round/>
-                      <a:headEnd type="none" w="med" len="med"/>
-                      <a:tailEnd type="none" w="med" len="med"/>
-                    </a:lnB>
-                    <a:noFill/>
-                  </a:tcPr>
-                </a:tc>
-                <a:extLst>
-                  <a:ext uri="{0D108BD9-81ED-4DB2-BD59-A6C34878D82A}">
-                    <a16:rowId xmlns:a16="http://schemas.microsoft.com/office/drawing/2014/main" val="2969043006"/>
-                  </a:ext>
-                </a:extLst>
-              </a:tr>
-              <a:tr h="546319">
-                <a:tc>
-                  <a:txBody>
-                    <a:bodyPr/>
-                    <a:lstStyle/>
-                    <a:p>
-                      <a:pPr algn="ctr"/>
-                      <a:r>
-                        <a:rPr lang="en-US" sz="2000" dirty="0">
-                          <a:latin typeface="Times New Roman" panose="02020603050405020304" pitchFamily="18" charset="0"/>
-                          <a:cs typeface="Times New Roman" panose="02020603050405020304" pitchFamily="18" charset="0"/>
-                        </a:rPr>
-                        <a:t>b</a:t>
-                      </a:r>
-                      <a:endParaRPr lang="ru-RU" sz="2000" dirty="0">
-                        <a:latin typeface="Times New Roman" panose="02020603050405020304" pitchFamily="18" charset="0"/>
-                        <a:cs typeface="Times New Roman" panose="02020603050405020304" pitchFamily="18" charset="0"/>
-                      </a:endParaRPr>
-                    </a:p>
-                  </a:txBody>
-                  <a:tcPr>
-                    <a:lnL w="12700" cap="flat" cmpd="sng" algn="ctr">
-                      <a:solidFill>
-                        <a:schemeClr val="tx1"/>
-                      </a:solidFill>
-                      <a:prstDash val="solid"/>
-                      <a:round/>
-                      <a:headEnd type="none" w="med" len="med"/>
-                      <a:tailEnd type="none" w="med" len="med"/>
-                    </a:lnL>
-                    <a:lnR w="12700" cap="flat" cmpd="sng" algn="ctr">
-                      <a:solidFill>
-                        <a:schemeClr val="tx1"/>
-                      </a:solidFill>
-                      <a:prstDash val="solid"/>
-                      <a:round/>
-                      <a:headEnd type="none" w="med" len="med"/>
-                      <a:tailEnd type="none" w="med" len="med"/>
-                    </a:lnR>
-                    <a:lnT w="12700" cap="flat" cmpd="sng" algn="ctr">
-                      <a:solidFill>
-                        <a:schemeClr val="tx1"/>
-                      </a:solidFill>
-                      <a:prstDash val="solid"/>
-                      <a:round/>
-                      <a:headEnd type="none" w="med" len="med"/>
-                      <a:tailEnd type="none" w="med" len="med"/>
-                    </a:lnT>
-                    <a:lnB w="12700" cap="flat" cmpd="sng" algn="ctr">
-                      <a:solidFill>
-                        <a:schemeClr val="tx1"/>
-                      </a:solidFill>
-                      <a:prstDash val="solid"/>
-                      <a:round/>
-                      <a:headEnd type="none" w="med" len="med"/>
-                      <a:tailEnd type="none" w="med" len="med"/>
-                    </a:lnB>
-                    <a:noFill/>
-                  </a:tcPr>
-                </a:tc>
-                <a:tc>
-                  <a:txBody>
-                    <a:bodyPr/>
-                    <a:lstStyle/>
-                    <a:p>
-                      <a:pPr algn="ctr"/>
-                      <a:r>
-                        <a:rPr lang="ru-RU" sz="2000" b="0" dirty="0">
-                          <a:solidFill>
-                            <a:schemeClr val="tx1"/>
-                          </a:solidFill>
-                          <a:latin typeface="Times New Roman" panose="02020603050405020304" pitchFamily="18" charset="0"/>
-                          <a:cs typeface="Times New Roman" panose="02020603050405020304" pitchFamily="18" charset="0"/>
-                        </a:rPr>
-                        <a:t>11 Мбит/с</a:t>
-                      </a:r>
-                    </a:p>
-                  </a:txBody>
-                  <a:tcPr>
-                    <a:lnL w="12700" cap="flat" cmpd="sng" algn="ctr">
-                      <a:solidFill>
-                        <a:schemeClr val="tx1"/>
-                      </a:solidFill>
-                      <a:prstDash val="solid"/>
-                      <a:round/>
-                      <a:headEnd type="none" w="med" len="med"/>
-                      <a:tailEnd type="none" w="med" len="med"/>
-                    </a:lnL>
-                    <a:lnR w="12700" cap="flat" cmpd="sng" algn="ctr">
-                      <a:solidFill>
-                        <a:schemeClr val="tx1"/>
-                      </a:solidFill>
-                      <a:prstDash val="solid"/>
-                      <a:round/>
-                      <a:headEnd type="none" w="med" len="med"/>
-                      <a:tailEnd type="none" w="med" len="med"/>
-                    </a:lnR>
-                    <a:lnT w="12700" cap="flat" cmpd="sng" algn="ctr">
-                      <a:solidFill>
-                        <a:schemeClr val="tx1"/>
-                      </a:solidFill>
-                      <a:prstDash val="solid"/>
-                      <a:round/>
-                      <a:headEnd type="none" w="med" len="med"/>
-                      <a:tailEnd type="none" w="med" len="med"/>
-                    </a:lnT>
-                    <a:lnB w="12700" cap="flat" cmpd="sng" algn="ctr">
-                      <a:solidFill>
-                        <a:schemeClr val="tx1"/>
-                      </a:solidFill>
-                      <a:prstDash val="solid"/>
-                      <a:round/>
-                      <a:headEnd type="none" w="med" len="med"/>
-                      <a:tailEnd type="none" w="med" len="med"/>
-                    </a:lnB>
-                    <a:noFill/>
-                  </a:tcPr>
-                </a:tc>
-                <a:tc>
-                  <a:txBody>
-                    <a:bodyPr/>
-                    <a:lstStyle/>
-                    <a:p>
-                      <a:pPr marL="0" marR="0" indent="0" algn="ctr" defTabSz="914400" rtl="0" eaLnBrk="1" fontAlgn="auto" latinLnBrk="0" hangingPunct="1">
-                        <a:lnSpc>
-                          <a:spcPct val="100000"/>
-                        </a:lnSpc>
-                        <a:spcBef>
-                          <a:spcPts val="0"/>
-                        </a:spcBef>
-                        <a:spcAft>
-                          <a:spcPts val="0"/>
-                        </a:spcAft>
-                        <a:buClrTx/>
-                        <a:buSzTx/>
-                        <a:buFontTx/>
-                        <a:buNone/>
-                        <a:tabLst/>
-                        <a:defRPr/>
-                      </a:pPr>
-                      <a:r>
-                        <a:rPr lang="ru-RU" sz="2000" b="0" dirty="0">
-                          <a:solidFill>
-                            <a:schemeClr val="tx1"/>
-                          </a:solidFill>
-                          <a:latin typeface="Times New Roman" panose="02020603050405020304" pitchFamily="18" charset="0"/>
-                          <a:cs typeface="Times New Roman" panose="02020603050405020304" pitchFamily="18" charset="0"/>
-                        </a:rPr>
-                        <a:t>2.4 ГГц</a:t>
-                      </a:r>
-                    </a:p>
-                  </a:txBody>
-                  <a:tcPr>
-                    <a:lnL w="12700" cap="flat" cmpd="sng" algn="ctr">
-                      <a:solidFill>
-                        <a:schemeClr val="tx1"/>
-                      </a:solidFill>
-                      <a:prstDash val="solid"/>
-                      <a:round/>
-                      <a:headEnd type="none" w="med" len="med"/>
-                      <a:tailEnd type="none" w="med" len="med"/>
-                    </a:lnL>
-                    <a:lnR w="12700" cap="flat" cmpd="sng" algn="ctr">
-                      <a:solidFill>
-                        <a:schemeClr val="tx1"/>
-                      </a:solidFill>
-                      <a:prstDash val="solid"/>
-                      <a:round/>
-                      <a:headEnd type="none" w="med" len="med"/>
-                      <a:tailEnd type="none" w="med" len="med"/>
-                    </a:lnR>
-                    <a:lnT w="12700" cap="flat" cmpd="sng" algn="ctr">
-                      <a:solidFill>
-                        <a:schemeClr val="tx1"/>
-                      </a:solidFill>
-                      <a:prstDash val="solid"/>
-                      <a:round/>
-                      <a:headEnd type="none" w="med" len="med"/>
-                      <a:tailEnd type="none" w="med" len="med"/>
-                    </a:lnT>
-                    <a:lnB w="12700" cap="flat" cmpd="sng" algn="ctr">
-                      <a:solidFill>
-                        <a:schemeClr val="tx1"/>
-                      </a:solidFill>
-                      <a:prstDash val="solid"/>
-                      <a:round/>
-                      <a:headEnd type="none" w="med" len="med"/>
-                      <a:tailEnd type="none" w="med" len="med"/>
-                    </a:lnB>
-                    <a:noFill/>
-                  </a:tcPr>
-                </a:tc>
-                <a:extLst>
-                  <a:ext uri="{0D108BD9-81ED-4DB2-BD59-A6C34878D82A}">
-                    <a16:rowId xmlns:a16="http://schemas.microsoft.com/office/drawing/2014/main" val="3642624332"/>
-                  </a:ext>
-                </a:extLst>
-              </a:tr>
-              <a:tr h="546319">
-                <a:tc>
-                  <a:txBody>
-                    <a:bodyPr/>
-                    <a:lstStyle/>
-                    <a:p>
-                      <a:pPr algn="ctr"/>
-                      <a:r>
-                        <a:rPr lang="en-US" sz="2000" dirty="0">
-                          <a:latin typeface="Times New Roman" panose="02020603050405020304" pitchFamily="18" charset="0"/>
-                          <a:cs typeface="Times New Roman" panose="02020603050405020304" pitchFamily="18" charset="0"/>
-                        </a:rPr>
-                        <a:t>g</a:t>
-                      </a:r>
-                      <a:endParaRPr lang="ru-RU" sz="2000" dirty="0">
-                        <a:latin typeface="Times New Roman" panose="02020603050405020304" pitchFamily="18" charset="0"/>
-                        <a:cs typeface="Times New Roman" panose="02020603050405020304" pitchFamily="18" charset="0"/>
-                      </a:endParaRPr>
-                    </a:p>
-                  </a:txBody>
-                  <a:tcPr>
-                    <a:lnL w="12700" cap="flat" cmpd="sng" algn="ctr">
-                      <a:solidFill>
-                        <a:schemeClr val="tx1"/>
-                      </a:solidFill>
-                      <a:prstDash val="solid"/>
-                      <a:round/>
-                      <a:headEnd type="none" w="med" len="med"/>
-                      <a:tailEnd type="none" w="med" len="med"/>
-                    </a:lnL>
-                    <a:lnR w="12700" cap="flat" cmpd="sng" algn="ctr">
-                      <a:solidFill>
-                        <a:schemeClr val="tx1"/>
-                      </a:solidFill>
-                      <a:prstDash val="solid"/>
-                      <a:round/>
-                      <a:headEnd type="none" w="med" len="med"/>
-                      <a:tailEnd type="none" w="med" len="med"/>
-                    </a:lnR>
-                    <a:lnT w="12700" cap="flat" cmpd="sng" algn="ctr">
-                      <a:solidFill>
-                        <a:schemeClr val="tx1"/>
-                      </a:solidFill>
-                      <a:prstDash val="solid"/>
-                      <a:round/>
-                      <a:headEnd type="none" w="med" len="med"/>
-                      <a:tailEnd type="none" w="med" len="med"/>
-                    </a:lnT>
-                    <a:lnB w="12700" cap="flat" cmpd="sng" algn="ctr">
-                      <a:solidFill>
-                        <a:schemeClr val="tx1"/>
-                      </a:solidFill>
-                      <a:prstDash val="solid"/>
-                      <a:round/>
-                      <a:headEnd type="none" w="med" len="med"/>
-                      <a:tailEnd type="none" w="med" len="med"/>
-                    </a:lnB>
-                    <a:noFill/>
-                  </a:tcPr>
-                </a:tc>
-                <a:tc>
-                  <a:txBody>
-                    <a:bodyPr/>
-                    <a:lstStyle/>
-                    <a:p>
-                      <a:pPr algn="ctr"/>
-                      <a:r>
-                        <a:rPr lang="ru-RU" sz="2000" b="0" dirty="0">
-                          <a:solidFill>
-                            <a:schemeClr val="tx1"/>
-                          </a:solidFill>
-                          <a:latin typeface="Times New Roman" panose="02020603050405020304" pitchFamily="18" charset="0"/>
-                          <a:cs typeface="Times New Roman" panose="02020603050405020304" pitchFamily="18" charset="0"/>
-                        </a:rPr>
-                        <a:t>11</a:t>
-                      </a:r>
-                      <a:r>
-                        <a:rPr lang="ru-RU" sz="2000" b="0" baseline="0" dirty="0">
-                          <a:solidFill>
-                            <a:schemeClr val="tx1"/>
-                          </a:solidFill>
-                          <a:latin typeface="Times New Roman" panose="02020603050405020304" pitchFamily="18" charset="0"/>
-                          <a:cs typeface="Times New Roman" panose="02020603050405020304" pitchFamily="18" charset="0"/>
-                        </a:rPr>
-                        <a:t> Мбит/с</a:t>
-                      </a:r>
-                      <a:endParaRPr lang="ru-RU" sz="2000" b="0" dirty="0">
-                        <a:solidFill>
-                          <a:schemeClr val="tx1"/>
-                        </a:solidFill>
-                        <a:latin typeface="Times New Roman" panose="02020603050405020304" pitchFamily="18" charset="0"/>
-                        <a:cs typeface="Times New Roman" panose="02020603050405020304" pitchFamily="18" charset="0"/>
-                      </a:endParaRPr>
-                    </a:p>
-                  </a:txBody>
-                  <a:tcPr>
-                    <a:lnL w="12700" cap="flat" cmpd="sng" algn="ctr">
-                      <a:solidFill>
-                        <a:schemeClr val="tx1"/>
-                      </a:solidFill>
-                      <a:prstDash val="solid"/>
-                      <a:round/>
-                      <a:headEnd type="none" w="med" len="med"/>
-                      <a:tailEnd type="none" w="med" len="med"/>
-                    </a:lnL>
-                    <a:lnR w="12700" cap="flat" cmpd="sng" algn="ctr">
-                      <a:solidFill>
-                        <a:schemeClr val="tx1"/>
-                      </a:solidFill>
-                      <a:prstDash val="solid"/>
-                      <a:round/>
-                      <a:headEnd type="none" w="med" len="med"/>
-                      <a:tailEnd type="none" w="med" len="med"/>
-                    </a:lnR>
-                    <a:lnT w="12700" cap="flat" cmpd="sng" algn="ctr">
-                      <a:solidFill>
-                        <a:schemeClr val="tx1"/>
-                      </a:solidFill>
-                      <a:prstDash val="solid"/>
-                      <a:round/>
-                      <a:headEnd type="none" w="med" len="med"/>
-                      <a:tailEnd type="none" w="med" len="med"/>
-                    </a:lnT>
-                    <a:lnB w="12700" cap="flat" cmpd="sng" algn="ctr">
-                      <a:solidFill>
-                        <a:schemeClr val="tx1"/>
-                      </a:solidFill>
-                      <a:prstDash val="solid"/>
-                      <a:round/>
-                      <a:headEnd type="none" w="med" len="med"/>
-                      <a:tailEnd type="none" w="med" len="med"/>
-                    </a:lnB>
-                    <a:noFill/>
-                  </a:tcPr>
-                </a:tc>
-                <a:tc>
-                  <a:txBody>
-                    <a:bodyPr/>
-                    <a:lstStyle/>
-                    <a:p>
-                      <a:pPr algn="ctr"/>
-                      <a:r>
-                        <a:rPr lang="ru-RU" sz="2000" b="0" dirty="0">
-                          <a:solidFill>
-                            <a:schemeClr val="tx1"/>
-                          </a:solidFill>
-                          <a:latin typeface="Times New Roman" panose="02020603050405020304" pitchFamily="18" charset="0"/>
-                          <a:cs typeface="Times New Roman" panose="02020603050405020304" pitchFamily="18" charset="0"/>
-                        </a:rPr>
-                        <a:t>2.4 ГГц</a:t>
-                      </a:r>
-                    </a:p>
-                  </a:txBody>
-                  <a:tcPr>
-                    <a:lnL w="12700" cap="flat" cmpd="sng" algn="ctr">
-                      <a:solidFill>
-                        <a:schemeClr val="tx1"/>
-                      </a:solidFill>
-                      <a:prstDash val="solid"/>
-                      <a:round/>
-                      <a:headEnd type="none" w="med" len="med"/>
-                      <a:tailEnd type="none" w="med" len="med"/>
-                    </a:lnL>
-                    <a:lnR w="12700" cap="flat" cmpd="sng" algn="ctr">
-                      <a:solidFill>
-                        <a:schemeClr val="tx1"/>
-                      </a:solidFill>
-                      <a:prstDash val="solid"/>
-                      <a:round/>
-                      <a:headEnd type="none" w="med" len="med"/>
-                      <a:tailEnd type="none" w="med" len="med"/>
-                    </a:lnR>
-                    <a:lnT w="12700" cap="flat" cmpd="sng" algn="ctr">
-                      <a:solidFill>
-                        <a:schemeClr val="tx1"/>
-                      </a:solidFill>
-                      <a:prstDash val="solid"/>
-                      <a:round/>
-                      <a:headEnd type="none" w="med" len="med"/>
-                      <a:tailEnd type="none" w="med" len="med"/>
-                    </a:lnT>
-                    <a:lnB w="12700" cap="flat" cmpd="sng" algn="ctr">
-                      <a:solidFill>
-                        <a:schemeClr val="tx1"/>
-                      </a:solidFill>
-                      <a:prstDash val="solid"/>
-                      <a:round/>
-                      <a:headEnd type="none" w="med" len="med"/>
-                      <a:tailEnd type="none" w="med" len="med"/>
-                    </a:lnB>
-                    <a:noFill/>
-                  </a:tcPr>
-                </a:tc>
-                <a:extLst>
-                  <a:ext uri="{0D108BD9-81ED-4DB2-BD59-A6C34878D82A}">
-                    <a16:rowId xmlns:a16="http://schemas.microsoft.com/office/drawing/2014/main" val="1887467207"/>
-                  </a:ext>
-                </a:extLst>
-              </a:tr>
-              <a:tr h="546319">
-                <a:tc>
-                  <a:txBody>
-                    <a:bodyPr/>
-                    <a:lstStyle/>
-                    <a:p>
-                      <a:pPr algn="ctr"/>
-                      <a:r>
-                        <a:rPr lang="en-US" sz="2000" b="0" dirty="0">
-                          <a:solidFill>
-                            <a:schemeClr val="tx1"/>
-                          </a:solidFill>
-                          <a:latin typeface="Times New Roman" panose="02020603050405020304" pitchFamily="18" charset="0"/>
-                          <a:cs typeface="Times New Roman" panose="02020603050405020304" pitchFamily="18" charset="0"/>
-                        </a:rPr>
-                        <a:t>n</a:t>
-                      </a:r>
-                      <a:endParaRPr lang="ru-RU" sz="2000" b="0" dirty="0">
-                        <a:solidFill>
-                          <a:schemeClr val="tx1"/>
-                        </a:solidFill>
-                        <a:latin typeface="Times New Roman" panose="02020603050405020304" pitchFamily="18" charset="0"/>
-                        <a:cs typeface="Times New Roman" panose="02020603050405020304" pitchFamily="18" charset="0"/>
-                      </a:endParaRPr>
-                    </a:p>
-                  </a:txBody>
-                  <a:tcPr>
-                    <a:lnL w="12700" cap="flat" cmpd="sng" algn="ctr">
-                      <a:solidFill>
-                        <a:schemeClr val="tx1"/>
-                      </a:solidFill>
-                      <a:prstDash val="solid"/>
-                      <a:round/>
-                      <a:headEnd type="none" w="med" len="med"/>
-                      <a:tailEnd type="none" w="med" len="med"/>
-                    </a:lnL>
-                    <a:lnR w="12700" cap="flat" cmpd="sng" algn="ctr">
-                      <a:solidFill>
-                        <a:schemeClr val="tx1"/>
-                      </a:solidFill>
-                      <a:prstDash val="solid"/>
-                      <a:round/>
-                      <a:headEnd type="none" w="med" len="med"/>
-                      <a:tailEnd type="none" w="med" len="med"/>
-                    </a:lnR>
-                    <a:lnT w="12700" cap="flat" cmpd="sng" algn="ctr">
-                      <a:solidFill>
-                        <a:schemeClr val="tx1"/>
-                      </a:solidFill>
-                      <a:prstDash val="solid"/>
-                      <a:round/>
-                      <a:headEnd type="none" w="med" len="med"/>
-                      <a:tailEnd type="none" w="med" len="med"/>
-                    </a:lnT>
-                    <a:lnB w="12700" cap="flat" cmpd="sng" algn="ctr">
-                      <a:solidFill>
-                        <a:schemeClr val="tx1"/>
-                      </a:solidFill>
-                      <a:prstDash val="solid"/>
-                      <a:round/>
-                      <a:headEnd type="none" w="med" len="med"/>
-                      <a:tailEnd type="none" w="med" len="med"/>
-                    </a:lnB>
-                    <a:noFill/>
-                  </a:tcPr>
-                </a:tc>
-                <a:tc>
-                  <a:txBody>
-                    <a:bodyPr/>
-                    <a:lstStyle/>
-                    <a:p>
-                      <a:pPr marL="0" marR="0" lvl="0" indent="0" algn="ctr" defTabSz="914400" rtl="0" eaLnBrk="1" fontAlgn="auto" latinLnBrk="0" hangingPunct="1">
-                        <a:lnSpc>
-                          <a:spcPct val="100000"/>
-                        </a:lnSpc>
-                        <a:spcBef>
-                          <a:spcPts val="0"/>
-                        </a:spcBef>
-                        <a:spcAft>
-                          <a:spcPts val="0"/>
-                        </a:spcAft>
-                        <a:buClrTx/>
-                        <a:buSzTx/>
-                        <a:buFontTx/>
-                        <a:buNone/>
-                        <a:tabLst/>
-                        <a:defRPr/>
-                      </a:pPr>
-                      <a:r>
-                        <a:rPr lang="ru-RU" sz="2000" b="0" dirty="0">
-                          <a:solidFill>
-                            <a:schemeClr val="tx1"/>
-                          </a:solidFill>
-                          <a:latin typeface="Times New Roman" panose="02020603050405020304" pitchFamily="18" charset="0"/>
-                          <a:cs typeface="Times New Roman" panose="02020603050405020304" pitchFamily="18" charset="0"/>
-                        </a:rPr>
-                        <a:t>480 Мбит/с</a:t>
-                      </a:r>
-                    </a:p>
-                  </a:txBody>
-                  <a:tcPr>
-                    <a:lnL w="12700" cap="flat" cmpd="sng" algn="ctr">
-                      <a:solidFill>
-                        <a:schemeClr val="tx1"/>
-                      </a:solidFill>
-                      <a:prstDash val="solid"/>
-                      <a:round/>
-                      <a:headEnd type="none" w="med" len="med"/>
-                      <a:tailEnd type="none" w="med" len="med"/>
-                    </a:lnL>
-                    <a:lnR w="12700" cap="flat" cmpd="sng" algn="ctr">
-                      <a:solidFill>
-                        <a:schemeClr val="tx1"/>
-                      </a:solidFill>
-                      <a:prstDash val="solid"/>
-                      <a:round/>
-                      <a:headEnd type="none" w="med" len="med"/>
-                      <a:tailEnd type="none" w="med" len="med"/>
-                    </a:lnR>
-                    <a:lnT w="12700" cap="flat" cmpd="sng" algn="ctr">
-                      <a:solidFill>
-                        <a:schemeClr val="tx1"/>
-                      </a:solidFill>
-                      <a:prstDash val="solid"/>
-                      <a:round/>
-                      <a:headEnd type="none" w="med" len="med"/>
-                      <a:tailEnd type="none" w="med" len="med"/>
-                    </a:lnT>
-                    <a:lnB w="12700" cap="flat" cmpd="sng" algn="ctr">
-                      <a:solidFill>
-                        <a:schemeClr val="tx1"/>
-                      </a:solidFill>
-                      <a:prstDash val="solid"/>
-                      <a:round/>
-                      <a:headEnd type="none" w="med" len="med"/>
-                      <a:tailEnd type="none" w="med" len="med"/>
-                    </a:lnB>
-                    <a:noFill/>
-                  </a:tcPr>
-                </a:tc>
-                <a:tc>
-                  <a:txBody>
-                    <a:bodyPr/>
-                    <a:lstStyle/>
-                    <a:p>
-                      <a:pPr marL="0" marR="0" indent="0" algn="ctr" defTabSz="914400" rtl="0" eaLnBrk="1" fontAlgn="auto" latinLnBrk="0" hangingPunct="1">
-                        <a:lnSpc>
-                          <a:spcPct val="100000"/>
-                        </a:lnSpc>
-                        <a:spcBef>
-                          <a:spcPts val="0"/>
-                        </a:spcBef>
-                        <a:spcAft>
-                          <a:spcPts val="0"/>
-                        </a:spcAft>
-                        <a:buClrTx/>
-                        <a:buSzTx/>
-                        <a:buFontTx/>
-                        <a:buNone/>
-                        <a:tabLst/>
-                        <a:defRPr/>
-                      </a:pPr>
-                      <a:r>
-                        <a:rPr lang="ru-RU" sz="2000" b="0" dirty="0">
-                          <a:solidFill>
-                            <a:schemeClr val="tx1"/>
-                          </a:solidFill>
-                          <a:latin typeface="Times New Roman" panose="02020603050405020304" pitchFamily="18" charset="0"/>
-                          <a:cs typeface="Times New Roman" panose="02020603050405020304" pitchFamily="18" charset="0"/>
-                        </a:rPr>
-                        <a:t>2.4 ГГц и 5 ГГц</a:t>
-                      </a:r>
-                    </a:p>
-                  </a:txBody>
-                  <a:tcPr>
-                    <a:lnL w="12700" cap="flat" cmpd="sng" algn="ctr">
-                      <a:solidFill>
-                        <a:schemeClr val="tx1"/>
-                      </a:solidFill>
-                      <a:prstDash val="solid"/>
-                      <a:round/>
-                      <a:headEnd type="none" w="med" len="med"/>
-                      <a:tailEnd type="none" w="med" len="med"/>
-                    </a:lnL>
-                    <a:lnR w="12700" cap="flat" cmpd="sng" algn="ctr">
-                      <a:solidFill>
-                        <a:schemeClr val="tx1"/>
-                      </a:solidFill>
-                      <a:prstDash val="solid"/>
-                      <a:round/>
-                      <a:headEnd type="none" w="med" len="med"/>
-                      <a:tailEnd type="none" w="med" len="med"/>
-                    </a:lnR>
-                    <a:lnT w="12700" cap="flat" cmpd="sng" algn="ctr">
-                      <a:solidFill>
-                        <a:schemeClr val="tx1"/>
-                      </a:solidFill>
-                      <a:prstDash val="solid"/>
-                      <a:round/>
-                      <a:headEnd type="none" w="med" len="med"/>
-                      <a:tailEnd type="none" w="med" len="med"/>
-                    </a:lnT>
-                    <a:lnB w="12700" cap="flat" cmpd="sng" algn="ctr">
-                      <a:solidFill>
-                        <a:schemeClr val="tx1"/>
-                      </a:solidFill>
-                      <a:prstDash val="solid"/>
-                      <a:round/>
-                      <a:headEnd type="none" w="med" len="med"/>
-                      <a:tailEnd type="none" w="med" len="med"/>
-                    </a:lnB>
-                    <a:noFill/>
-                  </a:tcPr>
-                </a:tc>
-                <a:extLst>
-                  <a:ext uri="{0D108BD9-81ED-4DB2-BD59-A6C34878D82A}">
-                    <a16:rowId xmlns:a16="http://schemas.microsoft.com/office/drawing/2014/main" val="1841214159"/>
-                  </a:ext>
-                </a:extLst>
-              </a:tr>
-              <a:tr h="546319">
-                <a:tc>
-                  <a:txBody>
-                    <a:bodyPr/>
-                    <a:lstStyle/>
-                    <a:p>
-                      <a:pPr algn="ctr"/>
-                      <a:r>
-                        <a:rPr lang="en-US" sz="2000" b="0" dirty="0">
-                          <a:solidFill>
-                            <a:schemeClr val="tx1"/>
-                          </a:solidFill>
-                          <a:latin typeface="Times New Roman" panose="02020603050405020304" pitchFamily="18" charset="0"/>
-                          <a:cs typeface="Times New Roman" panose="02020603050405020304" pitchFamily="18" charset="0"/>
-                        </a:rPr>
-                        <a:t>ac</a:t>
-                      </a:r>
-                      <a:endParaRPr lang="ru-RU" sz="2000" b="0" dirty="0">
-                        <a:solidFill>
-                          <a:schemeClr val="tx1"/>
-                        </a:solidFill>
-                        <a:latin typeface="Times New Roman" panose="02020603050405020304" pitchFamily="18" charset="0"/>
-                        <a:cs typeface="Times New Roman" panose="02020603050405020304" pitchFamily="18" charset="0"/>
-                      </a:endParaRPr>
-                    </a:p>
-                  </a:txBody>
-                  <a:tcPr>
-                    <a:lnL w="12700" cap="flat" cmpd="sng" algn="ctr">
-                      <a:solidFill>
-                        <a:schemeClr val="tx1"/>
-                      </a:solidFill>
-                      <a:prstDash val="solid"/>
-                      <a:round/>
-                      <a:headEnd type="none" w="med" len="med"/>
-                      <a:tailEnd type="none" w="med" len="med"/>
-                    </a:lnL>
-                    <a:lnR w="12700" cap="flat" cmpd="sng" algn="ctr">
-                      <a:solidFill>
-                        <a:schemeClr val="tx1"/>
-                      </a:solidFill>
-                      <a:prstDash val="solid"/>
-                      <a:round/>
-                      <a:headEnd type="none" w="med" len="med"/>
-                      <a:tailEnd type="none" w="med" len="med"/>
-                    </a:lnR>
-                    <a:lnT w="12700" cap="flat" cmpd="sng" algn="ctr">
-                      <a:solidFill>
-                        <a:schemeClr val="tx1"/>
-                      </a:solidFill>
-                      <a:prstDash val="solid"/>
-                      <a:round/>
-                      <a:headEnd type="none" w="med" len="med"/>
-                      <a:tailEnd type="none" w="med" len="med"/>
-                    </a:lnT>
-                    <a:lnB w="12700" cap="flat" cmpd="sng" algn="ctr">
-                      <a:solidFill>
-                        <a:schemeClr val="tx1"/>
-                      </a:solidFill>
-                      <a:prstDash val="solid"/>
-                      <a:round/>
-                      <a:headEnd type="none" w="med" len="med"/>
-                      <a:tailEnd type="none" w="med" len="med"/>
-                    </a:lnB>
-                    <a:noFill/>
-                  </a:tcPr>
-                </a:tc>
-                <a:tc>
-                  <a:txBody>
-                    <a:bodyPr/>
-                    <a:lstStyle/>
-                    <a:p>
-                      <a:pPr marL="0" marR="0" lvl="0" indent="0" algn="ctr" defTabSz="914400" rtl="0" eaLnBrk="1" fontAlgn="auto" latinLnBrk="0" hangingPunct="1">
-                        <a:lnSpc>
-                          <a:spcPct val="100000"/>
-                        </a:lnSpc>
-                        <a:spcBef>
-                          <a:spcPts val="0"/>
-                        </a:spcBef>
-                        <a:spcAft>
-                          <a:spcPts val="0"/>
-                        </a:spcAft>
-                        <a:buClrTx/>
-                        <a:buSzTx/>
-                        <a:buFontTx/>
-                        <a:buNone/>
-                        <a:tabLst/>
-                        <a:defRPr/>
-                      </a:pPr>
-                      <a:r>
-                        <a:rPr lang="ru-RU" sz="2000" b="0" dirty="0">
-                          <a:solidFill>
-                            <a:schemeClr val="tx1"/>
-                          </a:solidFill>
-                          <a:latin typeface="Times New Roman" panose="02020603050405020304" pitchFamily="18" charset="0"/>
-                          <a:cs typeface="Times New Roman" panose="02020603050405020304" pitchFamily="18" charset="0"/>
-                        </a:rPr>
-                        <a:t>1.3 Гбит/с</a:t>
-                      </a:r>
-                      <a:endParaRPr lang="en-US" sz="2000" b="0" dirty="0">
-                        <a:solidFill>
-                          <a:schemeClr val="tx1"/>
-                        </a:solidFill>
-                        <a:latin typeface="Times New Roman" panose="02020603050405020304" pitchFamily="18" charset="0"/>
-                        <a:cs typeface="Times New Roman" panose="02020603050405020304" pitchFamily="18" charset="0"/>
-                      </a:endParaRPr>
-                    </a:p>
-                  </a:txBody>
-                  <a:tcPr>
-                    <a:lnL w="12700" cap="flat" cmpd="sng" algn="ctr">
-                      <a:solidFill>
-                        <a:schemeClr val="tx1"/>
-                      </a:solidFill>
-                      <a:prstDash val="solid"/>
-                      <a:round/>
-                      <a:headEnd type="none" w="med" len="med"/>
-                      <a:tailEnd type="none" w="med" len="med"/>
-                    </a:lnL>
-                    <a:lnR w="12700" cap="flat" cmpd="sng" algn="ctr">
-                      <a:solidFill>
-                        <a:schemeClr val="tx1"/>
-                      </a:solidFill>
-                      <a:prstDash val="solid"/>
-                      <a:round/>
-                      <a:headEnd type="none" w="med" len="med"/>
-                      <a:tailEnd type="none" w="med" len="med"/>
-                    </a:lnR>
-                    <a:lnT w="12700" cap="flat" cmpd="sng" algn="ctr">
-                      <a:solidFill>
-                        <a:schemeClr val="tx1"/>
-                      </a:solidFill>
-                      <a:prstDash val="solid"/>
-                      <a:round/>
-                      <a:headEnd type="none" w="med" len="med"/>
-                      <a:tailEnd type="none" w="med" len="med"/>
-                    </a:lnT>
-                    <a:lnB w="12700" cap="flat" cmpd="sng" algn="ctr">
-                      <a:solidFill>
-                        <a:schemeClr val="tx1"/>
-                      </a:solidFill>
-                      <a:prstDash val="solid"/>
-                      <a:round/>
-                      <a:headEnd type="none" w="med" len="med"/>
-                      <a:tailEnd type="none" w="med" len="med"/>
-                    </a:lnB>
-                    <a:noFill/>
-                  </a:tcPr>
-                </a:tc>
-                <a:tc>
-                  <a:txBody>
-                    <a:bodyPr/>
-                    <a:lstStyle/>
-                    <a:p>
-                      <a:pPr marL="0" marR="0" indent="0" algn="ctr" defTabSz="914400" rtl="0" eaLnBrk="1" fontAlgn="auto" latinLnBrk="0" hangingPunct="1">
-                        <a:lnSpc>
-                          <a:spcPct val="100000"/>
-                        </a:lnSpc>
-                        <a:spcBef>
-                          <a:spcPts val="0"/>
-                        </a:spcBef>
-                        <a:spcAft>
-                          <a:spcPts val="0"/>
-                        </a:spcAft>
-                        <a:buClrTx/>
-                        <a:buSzTx/>
-                        <a:buFontTx/>
-                        <a:buNone/>
-                        <a:tabLst/>
-                        <a:defRPr/>
-                      </a:pPr>
-                      <a:r>
-                        <a:rPr lang="ru-RU" sz="2000" b="0" dirty="0">
-                          <a:solidFill>
-                            <a:schemeClr val="tx1"/>
-                          </a:solidFill>
-                          <a:latin typeface="Times New Roman" panose="02020603050405020304" pitchFamily="18" charset="0"/>
-                          <a:cs typeface="Times New Roman" panose="02020603050405020304" pitchFamily="18" charset="0"/>
-                        </a:rPr>
-                        <a:t>2.4 ГГц и 5 ГГц</a:t>
-                      </a:r>
-                    </a:p>
-                  </a:txBody>
-                  <a:tcPr>
-                    <a:lnL w="12700" cap="flat" cmpd="sng" algn="ctr">
-                      <a:solidFill>
-                        <a:schemeClr val="tx1"/>
-                      </a:solidFill>
-                      <a:prstDash val="solid"/>
-                      <a:round/>
-                      <a:headEnd type="none" w="med" len="med"/>
-                      <a:tailEnd type="none" w="med" len="med"/>
-                    </a:lnL>
-                    <a:lnR w="12700" cap="flat" cmpd="sng" algn="ctr">
-                      <a:solidFill>
-                        <a:schemeClr val="tx1"/>
-                      </a:solidFill>
-                      <a:prstDash val="solid"/>
-                      <a:round/>
-                      <a:headEnd type="none" w="med" len="med"/>
-                      <a:tailEnd type="none" w="med" len="med"/>
-                    </a:lnR>
-                    <a:lnT w="12700" cap="flat" cmpd="sng" algn="ctr">
-                      <a:solidFill>
-                        <a:schemeClr val="tx1"/>
-                      </a:solidFill>
-                      <a:prstDash val="solid"/>
-                      <a:round/>
-                      <a:headEnd type="none" w="med" len="med"/>
-                      <a:tailEnd type="none" w="med" len="med"/>
-                    </a:lnT>
-                    <a:lnB w="12700" cap="flat" cmpd="sng" algn="ctr">
-                      <a:solidFill>
-                        <a:schemeClr val="tx1"/>
-                      </a:solidFill>
-                      <a:prstDash val="solid"/>
-                      <a:round/>
-                      <a:headEnd type="none" w="med" len="med"/>
-                      <a:tailEnd type="none" w="med" len="med"/>
-                    </a:lnB>
-                    <a:noFill/>
-                  </a:tcPr>
-                </a:tc>
-                <a:extLst>
-                  <a:ext uri="{0D108BD9-81ED-4DB2-BD59-A6C34878D82A}">
-                    <a16:rowId xmlns:a16="http://schemas.microsoft.com/office/drawing/2014/main" val="1759583195"/>
-                  </a:ext>
-                </a:extLst>
-              </a:tr>
-              <a:tr h="546319">
-                <a:tc>
-                  <a:txBody>
-                    <a:bodyPr/>
-                    <a:lstStyle/>
-                    <a:p>
-                      <a:pPr algn="ctr"/>
-                      <a:r>
-                        <a:rPr lang="en-US" sz="2000" b="0" dirty="0">
-                          <a:solidFill>
-                            <a:schemeClr val="tx1"/>
-                          </a:solidFill>
-                          <a:latin typeface="Times New Roman" panose="02020603050405020304" pitchFamily="18" charset="0"/>
-                          <a:cs typeface="Times New Roman" panose="02020603050405020304" pitchFamily="18" charset="0"/>
-                        </a:rPr>
-                        <a:t>ax</a:t>
-                      </a:r>
-                      <a:endParaRPr lang="ru-RU" sz="2000" b="0" dirty="0">
-                        <a:solidFill>
-                          <a:schemeClr val="tx1"/>
-                        </a:solidFill>
-                        <a:latin typeface="Times New Roman" panose="02020603050405020304" pitchFamily="18" charset="0"/>
-                        <a:cs typeface="Times New Roman" panose="02020603050405020304" pitchFamily="18" charset="0"/>
-                      </a:endParaRPr>
-                    </a:p>
-                  </a:txBody>
-                  <a:tcPr>
-                    <a:lnL w="12700" cap="flat" cmpd="sng" algn="ctr">
-                      <a:solidFill>
-                        <a:schemeClr val="tx1"/>
-                      </a:solidFill>
-                      <a:prstDash val="solid"/>
-                      <a:round/>
-                      <a:headEnd type="none" w="med" len="med"/>
-                      <a:tailEnd type="none" w="med" len="med"/>
-                    </a:lnL>
-                    <a:lnR w="12700" cap="flat" cmpd="sng" algn="ctr">
-                      <a:solidFill>
-                        <a:schemeClr val="tx1"/>
-                      </a:solidFill>
-                      <a:prstDash val="solid"/>
-                      <a:round/>
-                      <a:headEnd type="none" w="med" len="med"/>
-                      <a:tailEnd type="none" w="med" len="med"/>
-                    </a:lnR>
-                    <a:lnT w="12700" cap="flat" cmpd="sng" algn="ctr">
-                      <a:solidFill>
-                        <a:schemeClr val="tx1"/>
-                      </a:solidFill>
-                      <a:prstDash val="solid"/>
-                      <a:round/>
-                      <a:headEnd type="none" w="med" len="med"/>
-                      <a:tailEnd type="none" w="med" len="med"/>
-                    </a:lnT>
-                    <a:lnB w="12700" cap="flat" cmpd="sng" algn="ctr">
-                      <a:solidFill>
-                        <a:schemeClr val="tx1"/>
-                      </a:solidFill>
-                      <a:prstDash val="solid"/>
-                      <a:round/>
-                      <a:headEnd type="none" w="med" len="med"/>
-                      <a:tailEnd type="none" w="med" len="med"/>
-                    </a:lnB>
-                    <a:noFill/>
-                  </a:tcPr>
-                </a:tc>
-                <a:tc>
-                  <a:txBody>
-                    <a:bodyPr/>
-                    <a:lstStyle/>
-                    <a:p>
-                      <a:pPr marL="0" marR="0" lvl="0" indent="0" algn="ctr" defTabSz="914400" rtl="0" eaLnBrk="1" fontAlgn="auto" latinLnBrk="0" hangingPunct="1">
-                        <a:lnSpc>
-                          <a:spcPct val="100000"/>
-                        </a:lnSpc>
-                        <a:spcBef>
-                          <a:spcPts val="0"/>
-                        </a:spcBef>
-                        <a:spcAft>
-                          <a:spcPts val="0"/>
-                        </a:spcAft>
-                        <a:buClrTx/>
-                        <a:buSzTx/>
-                        <a:buFontTx/>
-                        <a:buNone/>
-                        <a:tabLst/>
-                        <a:defRPr/>
-                      </a:pPr>
-                      <a:r>
-                        <a:rPr lang="ru-RU" sz="2000" b="0" dirty="0">
-                          <a:solidFill>
-                            <a:schemeClr val="tx1"/>
-                          </a:solidFill>
-                          <a:latin typeface="Times New Roman" panose="02020603050405020304" pitchFamily="18" charset="0"/>
-                          <a:cs typeface="Times New Roman" panose="02020603050405020304" pitchFamily="18" charset="0"/>
-                        </a:rPr>
-                        <a:t>11Гбит/с</a:t>
-                      </a:r>
-                    </a:p>
-                  </a:txBody>
-                  <a:tcPr>
-                    <a:lnL w="12700" cap="flat" cmpd="sng" algn="ctr">
-                      <a:solidFill>
-                        <a:schemeClr val="tx1"/>
-                      </a:solidFill>
-                      <a:prstDash val="solid"/>
-                      <a:round/>
-                      <a:headEnd type="none" w="med" len="med"/>
-                      <a:tailEnd type="none" w="med" len="med"/>
-                    </a:lnL>
-                    <a:lnR w="12700" cap="flat" cmpd="sng" algn="ctr">
-                      <a:solidFill>
-                        <a:schemeClr val="tx1"/>
-                      </a:solidFill>
-                      <a:prstDash val="solid"/>
-                      <a:round/>
-                      <a:headEnd type="none" w="med" len="med"/>
-                      <a:tailEnd type="none" w="med" len="med"/>
-                    </a:lnR>
-                    <a:lnT w="12700" cap="flat" cmpd="sng" algn="ctr">
-                      <a:solidFill>
-                        <a:schemeClr val="tx1"/>
-                      </a:solidFill>
-                      <a:prstDash val="solid"/>
-                      <a:round/>
-                      <a:headEnd type="none" w="med" len="med"/>
-                      <a:tailEnd type="none" w="med" len="med"/>
-                    </a:lnT>
-                    <a:lnB w="12700" cap="flat" cmpd="sng" algn="ctr">
-                      <a:solidFill>
-                        <a:schemeClr val="tx1"/>
-                      </a:solidFill>
-                      <a:prstDash val="solid"/>
-                      <a:round/>
-                      <a:headEnd type="none" w="med" len="med"/>
-                      <a:tailEnd type="none" w="med" len="med"/>
-                    </a:lnB>
-                    <a:noFill/>
-                  </a:tcPr>
-                </a:tc>
-                <a:tc>
-                  <a:txBody>
-                    <a:bodyPr/>
-                    <a:lstStyle/>
-                    <a:p>
-                      <a:pPr marL="0" marR="0" indent="0" algn="ctr" defTabSz="914400" rtl="0" eaLnBrk="1" fontAlgn="auto" latinLnBrk="0" hangingPunct="1">
-                        <a:lnSpc>
-                          <a:spcPct val="100000"/>
-                        </a:lnSpc>
-                        <a:spcBef>
-                          <a:spcPts val="0"/>
-                        </a:spcBef>
-                        <a:spcAft>
-                          <a:spcPts val="0"/>
-                        </a:spcAft>
-                        <a:buClrTx/>
-                        <a:buSzTx/>
-                        <a:buFontTx/>
-                        <a:buNone/>
-                        <a:tabLst/>
-                        <a:defRPr/>
-                      </a:pPr>
-                      <a:r>
-                        <a:rPr lang="ru-RU" sz="2000" b="0" dirty="0">
-                          <a:solidFill>
-                            <a:schemeClr val="tx1"/>
-                          </a:solidFill>
-                          <a:latin typeface="Times New Roman" panose="02020603050405020304" pitchFamily="18" charset="0"/>
-                          <a:cs typeface="Times New Roman" panose="02020603050405020304" pitchFamily="18" charset="0"/>
-                        </a:rPr>
-                        <a:t>2.4 ГГц и 5 ГГц</a:t>
-                      </a:r>
-                    </a:p>
-                  </a:txBody>
-                  <a:tcPr>
-                    <a:lnL w="12700" cap="flat" cmpd="sng" algn="ctr">
-                      <a:solidFill>
-                        <a:schemeClr val="tx1"/>
-                      </a:solidFill>
-                      <a:prstDash val="solid"/>
-                      <a:round/>
-                      <a:headEnd type="none" w="med" len="med"/>
-                      <a:tailEnd type="none" w="med" len="med"/>
-                    </a:lnL>
-                    <a:lnR w="12700" cap="flat" cmpd="sng" algn="ctr">
-                      <a:solidFill>
-                        <a:schemeClr val="tx1"/>
-                      </a:solidFill>
-                      <a:prstDash val="solid"/>
-                      <a:round/>
-                      <a:headEnd type="none" w="med" len="med"/>
-                      <a:tailEnd type="none" w="med" len="med"/>
-                    </a:lnR>
-                    <a:lnT w="12700" cap="flat" cmpd="sng" algn="ctr">
-                      <a:solidFill>
-                        <a:schemeClr val="tx1"/>
-                      </a:solidFill>
-                      <a:prstDash val="solid"/>
-                      <a:round/>
-                      <a:headEnd type="none" w="med" len="med"/>
-                      <a:tailEnd type="none" w="med" len="med"/>
-                    </a:lnT>
-                    <a:lnB w="12700" cap="flat" cmpd="sng" algn="ctr">
-                      <a:solidFill>
-                        <a:schemeClr val="tx1"/>
-                      </a:solidFill>
-                      <a:prstDash val="solid"/>
-                      <a:round/>
-                      <a:headEnd type="none" w="med" len="med"/>
-                      <a:tailEnd type="none" w="med" len="med"/>
-                    </a:lnB>
-                    <a:noFill/>
-                  </a:tcPr>
-                </a:tc>
-                <a:extLst>
-                  <a:ext uri="{0D108BD9-81ED-4DB2-BD59-A6C34878D82A}">
-                    <a16:rowId xmlns:a16="http://schemas.microsoft.com/office/drawing/2014/main" val="3290240075"/>
-                  </a:ext>
-                </a:extLst>
-              </a:tr>
-            </a:tbl>
-          </a:graphicData>
-        </a:graphic>
-      </p:graphicFrame>
+              <a:t>Основной функционал</a:t>
+            </a:r>
+            <a:r>
+              <a:rPr lang="en-US" dirty="0">
+                <a:latin typeface="Times New Roman" panose="02020603050405020304" pitchFamily="18" charset="0"/>
+                <a:cs typeface="Times New Roman" panose="02020603050405020304" pitchFamily="18" charset="0"/>
+              </a:rPr>
+              <a:t> </a:t>
+            </a:r>
+            <a:r>
+              <a:rPr lang="ru-RU" dirty="0">
+                <a:latin typeface="Times New Roman" panose="02020603050405020304" pitchFamily="18" charset="0"/>
+                <a:cs typeface="Times New Roman" panose="02020603050405020304" pitchFamily="18" charset="0"/>
+              </a:rPr>
+              <a:t>образовательной платформы:</a:t>
+            </a:r>
+          </a:p>
+          <a:p>
+            <a:pPr marL="285750" indent="-285750">
+              <a:buFont typeface="Arial" panose="020B0604020202020204" pitchFamily="34" charset="0"/>
+              <a:buChar char="•"/>
+            </a:pPr>
+            <a:r>
+              <a:rPr lang="ru-RU" dirty="0">
+                <a:latin typeface="Times New Roman" panose="02020603050405020304" pitchFamily="18" charset="0"/>
+                <a:cs typeface="Times New Roman" panose="02020603050405020304" pitchFamily="18" charset="0"/>
+              </a:rPr>
+              <a:t>Регистрация и авторизация пользователей</a:t>
+            </a:r>
+          </a:p>
+          <a:p>
+            <a:pPr marL="285750" indent="-285750">
+              <a:buFont typeface="Arial" panose="020B0604020202020204" pitchFamily="34" charset="0"/>
+              <a:buChar char="•"/>
+            </a:pPr>
+            <a:r>
+              <a:rPr lang="ru-RU" dirty="0">
+                <a:latin typeface="Times New Roman" panose="02020603050405020304" pitchFamily="18" charset="0"/>
+                <a:cs typeface="Times New Roman" panose="02020603050405020304" pitchFamily="18" charset="0"/>
+              </a:rPr>
+              <a:t>Создание обучающих курсов</a:t>
+            </a:r>
+          </a:p>
+          <a:p>
+            <a:pPr marL="285750" indent="-285750">
+              <a:buFont typeface="Arial" panose="020B0604020202020204" pitchFamily="34" charset="0"/>
+              <a:buChar char="•"/>
+            </a:pPr>
+            <a:r>
+              <a:rPr lang="ru-RU" dirty="0">
+                <a:latin typeface="Times New Roman" panose="02020603050405020304" pitchFamily="18" charset="0"/>
+                <a:cs typeface="Times New Roman" panose="02020603050405020304" pitchFamily="18" charset="0"/>
+              </a:rPr>
+              <a:t>Прохождение курсов, обратная связь в виде оценки</a:t>
+            </a:r>
+          </a:p>
+          <a:p>
+            <a:pPr marL="285750" indent="-285750">
+              <a:buFont typeface="Arial" panose="020B0604020202020204" pitchFamily="34" charset="0"/>
+              <a:buChar char="•"/>
+            </a:pPr>
+            <a:r>
+              <a:rPr lang="ru-RU" dirty="0">
+                <a:latin typeface="Times New Roman" panose="02020603050405020304" pitchFamily="18" charset="0"/>
+                <a:cs typeface="Times New Roman" panose="02020603050405020304" pitchFamily="18" charset="0"/>
+              </a:rPr>
+              <a:t>Управление профилем и </a:t>
+            </a:r>
+            <a:r>
+              <a:rPr lang="ru-RU" dirty="0" err="1">
+                <a:latin typeface="Times New Roman" panose="02020603050405020304" pitchFamily="18" charset="0"/>
+                <a:cs typeface="Times New Roman" panose="02020603050405020304" pitchFamily="18" charset="0"/>
+              </a:rPr>
+              <a:t>аватаром</a:t>
+            </a:r>
+            <a:endParaRPr lang="ru-RU" dirty="0">
+              <a:latin typeface="Times New Roman" panose="02020603050405020304" pitchFamily="18" charset="0"/>
+              <a:cs typeface="Times New Roman" panose="02020603050405020304" pitchFamily="18" charset="0"/>
+            </a:endParaRPr>
+          </a:p>
+          <a:p>
+            <a:pPr marL="285750" indent="-285750">
+              <a:buFont typeface="Arial" panose="020B0604020202020204" pitchFamily="34" charset="0"/>
+              <a:buChar char="•"/>
+            </a:pPr>
+            <a:r>
+              <a:rPr lang="ru-RU" dirty="0">
+                <a:latin typeface="Times New Roman" panose="02020603050405020304" pitchFamily="18" charset="0"/>
+                <a:cs typeface="Times New Roman" panose="02020603050405020304" pitchFamily="18" charset="0"/>
+              </a:rPr>
+              <a:t>Поиск и сортировка курсов</a:t>
+            </a:r>
+          </a:p>
+        </p:txBody>
+      </p:sp>
+      <p:pic>
+        <p:nvPicPr>
+          <p:cNvPr id="7" name="Рисунок 6">
+            <a:extLst>
+              <a:ext uri="{FF2B5EF4-FFF2-40B4-BE49-F238E27FC236}">
+                <a16:creationId xmlns:a16="http://schemas.microsoft.com/office/drawing/2014/main" id="{724512BE-A257-4FE1-9B8F-CEA9A4418B4D}"/>
+              </a:ext>
+            </a:extLst>
+          </p:cNvPr>
+          <p:cNvPicPr>
+            <a:picLocks noChangeAspect="1"/>
+          </p:cNvPicPr>
+          <p:nvPr/>
+        </p:nvPicPr>
+        <p:blipFill>
+          <a:blip r:embed="rId3">
+            <a:extLst>
+              <a:ext uri="{28A0092B-C50C-407E-A947-70E740481C1C}">
+                <a14:useLocalDpi xmlns:a14="http://schemas.microsoft.com/office/drawing/2010/main" val="0"/>
+              </a:ext>
+            </a:extLst>
+          </a:blip>
+          <a:stretch>
+            <a:fillRect/>
+          </a:stretch>
+        </p:blipFill>
+        <p:spPr>
+          <a:xfrm>
+            <a:off x="7074742" y="1931398"/>
+            <a:ext cx="4023056" cy="2397741"/>
+          </a:xfrm>
+          <a:prstGeom prst="rect">
+            <a:avLst/>
+          </a:prstGeom>
+        </p:spPr>
+      </p:pic>
+      <p:sp>
+        <p:nvSpPr>
+          <p:cNvPr id="13" name="Прямоугольник 12">
+            <a:extLst>
+              <a:ext uri="{FF2B5EF4-FFF2-40B4-BE49-F238E27FC236}">
+                <a16:creationId xmlns:a16="http://schemas.microsoft.com/office/drawing/2014/main" id="{2D0F893F-7F3F-47F2-AD78-50F7DDF21EC5}"/>
+              </a:ext>
+            </a:extLst>
+          </p:cNvPr>
+          <p:cNvSpPr/>
+          <p:nvPr/>
+        </p:nvSpPr>
+        <p:spPr>
+          <a:xfrm>
+            <a:off x="6974474" y="1563864"/>
+            <a:ext cx="4223592" cy="369332"/>
+          </a:xfrm>
+          <a:prstGeom prst="rect">
+            <a:avLst/>
+          </a:prstGeom>
+        </p:spPr>
+        <p:txBody>
+          <a:bodyPr wrap="none">
+            <a:spAutoFit/>
+          </a:bodyPr>
+          <a:lstStyle/>
+          <a:p>
+            <a:r>
+              <a:rPr lang="ru-RU" dirty="0">
+                <a:latin typeface="Times New Roman"/>
+                <a:cs typeface="Times New Roman"/>
+              </a:rPr>
+              <a:t>Пример кода системы оценивания курсов</a:t>
+            </a:r>
+          </a:p>
+        </p:txBody>
+      </p:sp>
+      <p:pic>
+        <p:nvPicPr>
+          <p:cNvPr id="14" name="Рисунок 13">
+            <a:extLst>
+              <a:ext uri="{FF2B5EF4-FFF2-40B4-BE49-F238E27FC236}">
+                <a16:creationId xmlns:a16="http://schemas.microsoft.com/office/drawing/2014/main" id="{D94246BA-BA9D-4363-A396-51564BF0F964}"/>
+              </a:ext>
+            </a:extLst>
+          </p:cNvPr>
+          <p:cNvPicPr>
+            <a:picLocks noChangeAspect="1"/>
+          </p:cNvPicPr>
+          <p:nvPr/>
+        </p:nvPicPr>
+        <p:blipFill>
+          <a:blip r:embed="rId4"/>
+          <a:stretch>
+            <a:fillRect/>
+          </a:stretch>
+        </p:blipFill>
+        <p:spPr>
+          <a:xfrm>
+            <a:off x="6955794" y="4873714"/>
+            <a:ext cx="4572000" cy="1343025"/>
+          </a:xfrm>
+          <a:prstGeom prst="rect">
+            <a:avLst/>
+          </a:prstGeom>
+        </p:spPr>
+      </p:pic>
+      <p:sp>
+        <p:nvSpPr>
+          <p:cNvPr id="15" name="Прямоугольник 14">
+            <a:extLst>
+              <a:ext uri="{FF2B5EF4-FFF2-40B4-BE49-F238E27FC236}">
+                <a16:creationId xmlns:a16="http://schemas.microsoft.com/office/drawing/2014/main" id="{90192B9B-43FC-43DD-B051-EEEF37E397F7}"/>
+              </a:ext>
+            </a:extLst>
+          </p:cNvPr>
+          <p:cNvSpPr/>
+          <p:nvPr/>
+        </p:nvSpPr>
+        <p:spPr>
+          <a:xfrm>
+            <a:off x="6601103" y="4512007"/>
+            <a:ext cx="5281382" cy="369332"/>
+          </a:xfrm>
+          <a:prstGeom prst="rect">
+            <a:avLst/>
+          </a:prstGeom>
+        </p:spPr>
+        <p:txBody>
+          <a:bodyPr wrap="none">
+            <a:spAutoFit/>
+          </a:bodyPr>
+          <a:lstStyle/>
+          <a:p>
+            <a:r>
+              <a:rPr lang="ru-RU" dirty="0">
+                <a:latin typeface="Times New Roman"/>
+                <a:cs typeface="Times New Roman"/>
+              </a:rPr>
+              <a:t>Пример кода, уведомляющего о прохождении курса</a:t>
+            </a:r>
+          </a:p>
+        </p:txBody>
+      </p:sp>
+      <p:pic>
+        <p:nvPicPr>
+          <p:cNvPr id="16" name="Рисунок 15">
+            <a:extLst>
+              <a:ext uri="{FF2B5EF4-FFF2-40B4-BE49-F238E27FC236}">
+                <a16:creationId xmlns:a16="http://schemas.microsoft.com/office/drawing/2014/main" id="{0FF57D1C-8684-496D-941F-45CD7F1986B6}"/>
+              </a:ext>
+            </a:extLst>
+          </p:cNvPr>
+          <p:cNvPicPr>
+            <a:picLocks noChangeAspect="1"/>
+          </p:cNvPicPr>
+          <p:nvPr/>
+        </p:nvPicPr>
+        <p:blipFill>
+          <a:blip r:embed="rId5"/>
+          <a:stretch>
+            <a:fillRect/>
+          </a:stretch>
+        </p:blipFill>
+        <p:spPr>
+          <a:xfrm>
+            <a:off x="559919" y="3899058"/>
+            <a:ext cx="5769429" cy="1921577"/>
+          </a:xfrm>
+          <a:prstGeom prst="rect">
+            <a:avLst/>
+          </a:prstGeom>
+        </p:spPr>
+      </p:pic>
+      <p:sp>
+        <p:nvSpPr>
+          <p:cNvPr id="17" name="Прямоугольник 16">
+            <a:extLst>
+              <a:ext uri="{FF2B5EF4-FFF2-40B4-BE49-F238E27FC236}">
+                <a16:creationId xmlns:a16="http://schemas.microsoft.com/office/drawing/2014/main" id="{F03FE370-C6BD-41B3-A890-75E8452E6E23}"/>
+              </a:ext>
+            </a:extLst>
+          </p:cNvPr>
+          <p:cNvSpPr/>
+          <p:nvPr/>
+        </p:nvSpPr>
+        <p:spPr>
+          <a:xfrm>
+            <a:off x="1498587" y="3526428"/>
+            <a:ext cx="3892091" cy="369332"/>
+          </a:xfrm>
+          <a:prstGeom prst="rect">
+            <a:avLst/>
+          </a:prstGeom>
+        </p:spPr>
+        <p:txBody>
+          <a:bodyPr wrap="none">
+            <a:spAutoFit/>
+          </a:bodyPr>
+          <a:lstStyle/>
+          <a:p>
+            <a:r>
+              <a:rPr lang="ru-RU" dirty="0">
+                <a:latin typeface="Times New Roman"/>
+                <a:cs typeface="Times New Roman"/>
+              </a:rPr>
+              <a:t>Пример кода персонального кабинета</a:t>
+            </a:r>
+          </a:p>
+        </p:txBody>
+      </p:sp>
     </p:spTree>
     <p:extLst>
       <p:ext uri="{BB962C8B-B14F-4D97-AF65-F5344CB8AC3E}">
@@ -13015,71 +10385,6 @@
       </p:sp>
       <p:sp>
         <p:nvSpPr>
-          <p:cNvPr id="3" name="TextBox 2"/>
-          <p:cNvSpPr txBox="1"/>
-          <p:nvPr/>
-        </p:nvSpPr>
-        <p:spPr>
-          <a:xfrm>
-            <a:off x="5837129" y="211366"/>
-            <a:ext cx="6354871" cy="954107"/>
-          </a:xfrm>
-          <a:prstGeom prst="rect">
-            <a:avLst/>
-          </a:prstGeom>
-          <a:noFill/>
-        </p:spPr>
-        <p:txBody>
-          <a:bodyPr wrap="square" rtlCol="0" anchor="t">
-            <a:spAutoFit/>
-          </a:bodyPr>
-          <a:lstStyle/>
-          <a:p>
-            <a:r>
-              <a:rPr lang="ru-RU" sz="2800" b="1" dirty="0">
-                <a:solidFill>
-                  <a:srgbClr val="002060"/>
-                </a:solidFill>
-                <a:latin typeface="Times New Roman"/>
-                <a:ea typeface="Calibri" panose="020F0502020204030204" pitchFamily="34" charset="0"/>
-                <a:cs typeface="Times New Roman"/>
-              </a:rPr>
-              <a:t>Основы беспроводных сетей и технологии </a:t>
-            </a:r>
-            <a:r>
-              <a:rPr lang="en-US" sz="2800" b="1" dirty="0">
-                <a:solidFill>
-                  <a:srgbClr val="002060"/>
-                </a:solidFill>
-                <a:latin typeface="Times New Roman"/>
-                <a:ea typeface="Calibri" panose="020F0502020204030204" pitchFamily="34" charset="0"/>
-                <a:cs typeface="Times New Roman"/>
-              </a:rPr>
-              <a:t>Wi-Fi</a:t>
-            </a:r>
-            <a:r>
-              <a:rPr lang="ru-RU" sz="2800" b="1" dirty="0">
-                <a:solidFill>
-                  <a:srgbClr val="002060"/>
-                </a:solidFill>
-                <a:latin typeface="Times New Roman"/>
-                <a:ea typeface="Calibri" panose="020F0502020204030204" pitchFamily="34" charset="0"/>
-                <a:cs typeface="Times New Roman"/>
-              </a:rPr>
-              <a:t> </a:t>
-            </a:r>
-            <a:endParaRPr lang="ru-RU" sz="2800" b="1" dirty="0">
-              <a:solidFill>
-                <a:srgbClr val="002060"/>
-              </a:solidFill>
-              <a:latin typeface="Times New Roman" panose="02020603050405020304" pitchFamily="18" charset="0"/>
-              <a:ea typeface="Calibri" panose="020F0502020204030204" pitchFamily="34" charset="0"/>
-            </a:endParaRPr>
-          </a:p>
-        </p:txBody>
-      </p:sp>
-      <p:sp>
-        <p:nvSpPr>
           <p:cNvPr id="12" name="TextBox 11"/>
           <p:cNvSpPr txBox="1"/>
           <p:nvPr/>
@@ -13236,22 +10541,75 @@
       </p:sp>
       <p:sp>
         <p:nvSpPr>
-          <p:cNvPr id="4" name="TextBox 3"/>
-          <p:cNvSpPr txBox="1"/>
+          <p:cNvPr id="5" name="Прямоугольник 4">
+            <a:extLst>
+              <a:ext uri="{FF2B5EF4-FFF2-40B4-BE49-F238E27FC236}">
+                <a16:creationId xmlns:a16="http://schemas.microsoft.com/office/drawing/2014/main" id="{26C8F83A-A830-4C22-B5C1-A756DF5A908D}"/>
+              </a:ext>
+            </a:extLst>
+          </p:cNvPr>
+          <p:cNvSpPr/>
           <p:nvPr/>
         </p:nvSpPr>
         <p:spPr>
           <a:xfrm>
-            <a:off x="448540" y="2434690"/>
-            <a:ext cx="3370410" cy="369332"/>
-          </a:xfrm>
-          <a:prstGeom prst="rect">
-            <a:avLst/>
-          </a:prstGeom>
-          <a:noFill/>
-        </p:spPr>
-        <p:txBody>
-          <a:bodyPr wrap="none" rtlCol="0">
+            <a:off x="5837129" y="432227"/>
+            <a:ext cx="5683864" cy="461665"/>
+          </a:xfrm>
+          <a:prstGeom prst="rect">
+            <a:avLst/>
+          </a:prstGeom>
+        </p:spPr>
+        <p:txBody>
+          <a:bodyPr wrap="none">
+            <a:spAutoFit/>
+          </a:bodyPr>
+          <a:lstStyle/>
+          <a:p>
+            <a:r>
+              <a:rPr lang="ru-RU" sz="2400" b="1" dirty="0">
+                <a:solidFill>
+                  <a:srgbClr val="002060"/>
+                </a:solidFill>
+                <a:latin typeface="Times New Roman"/>
+                <a:ea typeface="Calibri" panose="020F0502020204030204" pitchFamily="34" charset="0"/>
+                <a:cs typeface="Times New Roman"/>
+              </a:rPr>
+              <a:t>ПОЛЬЗОВАТЕЛЬСКИЙ ИНТЕРФЕЙС</a:t>
+            </a:r>
+            <a:endParaRPr lang="ru-RU" sz="2400" b="1" dirty="0">
+              <a:solidFill>
+                <a:srgbClr val="002060"/>
+              </a:solidFill>
+              <a:latin typeface="Times New Roman" panose="02020603050405020304" pitchFamily="18" charset="0"/>
+              <a:ea typeface="Calibri" panose="020F0502020204030204" pitchFamily="34" charset="0"/>
+            </a:endParaRPr>
+          </a:p>
+        </p:txBody>
+      </p:sp>
+      <p:sp>
+        <p:nvSpPr>
+          <p:cNvPr id="13" name="Прямоугольник 12">
+            <a:extLst>
+              <a:ext uri="{FF2B5EF4-FFF2-40B4-BE49-F238E27FC236}">
+                <a16:creationId xmlns:a16="http://schemas.microsoft.com/office/drawing/2014/main" id="{52EC4BE7-D262-4047-8F1F-C54A020E4383}"/>
+              </a:ext>
+            </a:extLst>
+          </p:cNvPr>
+          <p:cNvSpPr/>
+          <p:nvPr/>
+        </p:nvSpPr>
+        <p:spPr>
+          <a:xfrm>
+            <a:off x="679550" y="1563864"/>
+            <a:ext cx="6659067" cy="1200329"/>
+          </a:xfrm>
+          <a:prstGeom prst="rect">
+            <a:avLst/>
+          </a:prstGeom>
+        </p:spPr>
+        <p:txBody>
+          <a:bodyPr wrap="none">
             <a:spAutoFit/>
           </a:bodyPr>
           <a:lstStyle/>
@@ -13261,240 +10619,212 @@
                 <a:latin typeface="Times New Roman" panose="02020603050405020304" pitchFamily="18" charset="0"/>
                 <a:cs typeface="Times New Roman" panose="02020603050405020304" pitchFamily="18" charset="0"/>
               </a:rPr>
-              <a:t>Разновидности адаптеров </a:t>
+              <a:t>Интерфейс веб-сайта обладает следующими особенностями:</a:t>
+            </a:r>
+          </a:p>
+          <a:p>
+            <a:pPr marL="285750" indent="-285750">
+              <a:buFont typeface="Arial" panose="020B0604020202020204" pitchFamily="34" charset="0"/>
+              <a:buChar char="•"/>
+            </a:pPr>
+            <a:r>
+              <a:rPr lang="ru-RU" dirty="0">
+                <a:latin typeface="Times New Roman" panose="02020603050405020304" pitchFamily="18" charset="0"/>
+                <a:cs typeface="Times New Roman" panose="02020603050405020304" pitchFamily="18" charset="0"/>
+              </a:rPr>
+              <a:t>Адаптивность дизайна под ПК и мобильные устройства</a:t>
+            </a:r>
+          </a:p>
+          <a:p>
+            <a:pPr marL="285750" indent="-285750">
+              <a:buFont typeface="Arial" panose="020B0604020202020204" pitchFamily="34" charset="0"/>
+              <a:buChar char="•"/>
+            </a:pPr>
+            <a:r>
+              <a:rPr lang="ru-RU" dirty="0">
+                <a:latin typeface="Times New Roman" panose="02020603050405020304" pitchFamily="18" charset="0"/>
+                <a:cs typeface="Times New Roman" panose="02020603050405020304" pitchFamily="18" charset="0"/>
+              </a:rPr>
+              <a:t>Интуитивная навигация</a:t>
+            </a:r>
+          </a:p>
+          <a:p>
+            <a:pPr marL="285750" indent="-285750">
+              <a:buFont typeface="Arial" panose="020B0604020202020204" pitchFamily="34" charset="0"/>
+              <a:buChar char="•"/>
+            </a:pPr>
+            <a:r>
+              <a:rPr lang="ru-RU" dirty="0">
+                <a:latin typeface="Times New Roman" panose="02020603050405020304" pitchFamily="18" charset="0"/>
+                <a:cs typeface="Times New Roman" panose="02020603050405020304" pitchFamily="18" charset="0"/>
+              </a:rPr>
+              <a:t>Набор</a:t>
             </a:r>
             <a:r>
               <a:rPr lang="en-US" dirty="0">
                 <a:latin typeface="Times New Roman" panose="02020603050405020304" pitchFamily="18" charset="0"/>
                 <a:cs typeface="Times New Roman" panose="02020603050405020304" pitchFamily="18" charset="0"/>
               </a:rPr>
-              <a:t>Wi-Fi</a:t>
+              <a:t> </a:t>
             </a:r>
             <a:r>
               <a:rPr lang="ru-RU" dirty="0">
                 <a:latin typeface="Times New Roman" panose="02020603050405020304" pitchFamily="18" charset="0"/>
                 <a:cs typeface="Times New Roman" panose="02020603050405020304" pitchFamily="18" charset="0"/>
               </a:rPr>
-              <a:t>:</a:t>
-            </a:r>
-          </a:p>
-        </p:txBody>
-      </p:sp>
-      <p:sp>
-        <p:nvSpPr>
-          <p:cNvPr id="16" name="Прямоугольник 15"/>
+              <a:t>страниц, соответствующий заявленному функционалу </a:t>
+            </a:r>
+          </a:p>
+        </p:txBody>
+      </p:sp>
+      <p:pic>
+        <p:nvPicPr>
+          <p:cNvPr id="10" name="Рисунок 9">
+            <a:extLst>
+              <a:ext uri="{FF2B5EF4-FFF2-40B4-BE49-F238E27FC236}">
+                <a16:creationId xmlns:a16="http://schemas.microsoft.com/office/drawing/2014/main" id="{42C9C5CC-DA6A-4AAF-AB5C-EEBBD3985D4E}"/>
+              </a:ext>
+            </a:extLst>
+          </p:cNvPr>
+          <p:cNvPicPr>
+            <a:picLocks noChangeAspect="1"/>
+          </p:cNvPicPr>
+          <p:nvPr/>
+        </p:nvPicPr>
+        <p:blipFill>
+          <a:blip r:embed="rId3">
+            <a:extLst>
+              <a:ext uri="{28A0092B-C50C-407E-A947-70E740481C1C}">
+                <a14:useLocalDpi xmlns:a14="http://schemas.microsoft.com/office/drawing/2010/main" val="0"/>
+              </a:ext>
+            </a:extLst>
+          </a:blip>
+          <a:stretch>
+            <a:fillRect/>
+          </a:stretch>
+        </p:blipFill>
+        <p:spPr>
+          <a:xfrm>
+            <a:off x="7973634" y="2059631"/>
+            <a:ext cx="3489222" cy="3924562"/>
+          </a:xfrm>
+          <a:prstGeom prst="rect">
+            <a:avLst/>
+          </a:prstGeom>
+        </p:spPr>
+      </p:pic>
+      <p:sp>
+        <p:nvSpPr>
+          <p:cNvPr id="11" name="Прямоугольник 10">
+            <a:extLst>
+              <a:ext uri="{FF2B5EF4-FFF2-40B4-BE49-F238E27FC236}">
+                <a16:creationId xmlns:a16="http://schemas.microsoft.com/office/drawing/2014/main" id="{C6D097F9-8F2A-4B32-A19B-7F3B1A39F5EC}"/>
+              </a:ext>
+            </a:extLst>
+          </p:cNvPr>
           <p:cNvSpPr/>
           <p:nvPr/>
         </p:nvSpPr>
         <p:spPr>
           <a:xfrm>
-            <a:off x="448540" y="1552173"/>
-            <a:ext cx="11370925" cy="646331"/>
-          </a:xfrm>
-          <a:prstGeom prst="rect">
-            <a:avLst/>
-          </a:prstGeom>
-        </p:spPr>
-        <p:txBody>
-          <a:bodyPr wrap="square">
+            <a:off x="7546176" y="1690299"/>
+            <a:ext cx="4344138" cy="369332"/>
+          </a:xfrm>
+          <a:prstGeom prst="rect">
+            <a:avLst/>
+          </a:prstGeom>
+        </p:spPr>
+        <p:txBody>
+          <a:bodyPr wrap="none">
             <a:spAutoFit/>
           </a:bodyPr>
           <a:lstStyle/>
           <a:p>
             <a:r>
               <a:rPr lang="ru-RU" dirty="0">
-                <a:latin typeface="Times New Roman" panose="02020603050405020304" pitchFamily="18" charset="0"/>
-                <a:ea typeface="Arial" panose="020B0604020202020204" pitchFamily="34" charset="0"/>
-                <a:cs typeface="Times New Roman" panose="02020603050405020304" pitchFamily="18" charset="0"/>
+                <a:latin typeface="Times New Roman"/>
+                <a:cs typeface="Times New Roman"/>
               </a:rPr>
-              <a:t>Для подключения к беспроводной сети </a:t>
+              <a:t>Вид профиля с индивидуальным </a:t>
             </a:r>
             <a:r>
               <a:rPr lang="ru-RU" dirty="0" err="1">
-                <a:latin typeface="Times New Roman" panose="02020603050405020304" pitchFamily="18" charset="0"/>
-                <a:ea typeface="Arial" panose="020B0604020202020204" pitchFamily="34" charset="0"/>
-                <a:cs typeface="Times New Roman" panose="02020603050405020304" pitchFamily="18" charset="0"/>
+                <a:latin typeface="Times New Roman"/>
+                <a:cs typeface="Times New Roman"/>
               </a:rPr>
-              <a:t>Wi-Fi</a:t>
-            </a:r>
-            <a:r>
-              <a:rPr lang="ru-RU" dirty="0">
-                <a:latin typeface="Times New Roman" panose="02020603050405020304" pitchFamily="18" charset="0"/>
-                <a:ea typeface="Arial" panose="020B0604020202020204" pitchFamily="34" charset="0"/>
-                <a:cs typeface="Times New Roman" panose="02020603050405020304" pitchFamily="18" charset="0"/>
-              </a:rPr>
-              <a:t> достаточно обладать ноутбуком или карманным персональным компьютером (КПК) с подключенным </a:t>
-            </a:r>
-            <a:r>
-              <a:rPr lang="ru-RU" dirty="0" err="1">
-                <a:latin typeface="Times New Roman" panose="02020603050405020304" pitchFamily="18" charset="0"/>
-                <a:ea typeface="Arial" panose="020B0604020202020204" pitchFamily="34" charset="0"/>
-                <a:cs typeface="Times New Roman" panose="02020603050405020304" pitchFamily="18" charset="0"/>
-              </a:rPr>
-              <a:t>Wi-Fi</a:t>
-            </a:r>
-            <a:r>
-              <a:rPr lang="ru-RU" dirty="0">
-                <a:latin typeface="Times New Roman" panose="02020603050405020304" pitchFamily="18" charset="0"/>
-                <a:ea typeface="Arial" panose="020B0604020202020204" pitchFamily="34" charset="0"/>
-                <a:cs typeface="Times New Roman" panose="02020603050405020304" pitchFamily="18" charset="0"/>
-              </a:rPr>
-              <a:t> адаптером</a:t>
+              <a:t>аватаром</a:t>
             </a:r>
             <a:endParaRPr lang="ru-RU" dirty="0">
-              <a:latin typeface="Times New Roman" panose="02020603050405020304" pitchFamily="18" charset="0"/>
-              <a:cs typeface="Times New Roman" panose="02020603050405020304" pitchFamily="18" charset="0"/>
+              <a:latin typeface="Times New Roman"/>
+              <a:cs typeface="Times New Roman"/>
             </a:endParaRPr>
           </a:p>
         </p:txBody>
       </p:sp>
-      <p:sp>
-        <p:nvSpPr>
-          <p:cNvPr id="18" name="Прямоугольник 17"/>
+      <p:pic>
+        <p:nvPicPr>
+          <p:cNvPr id="15" name="Рисунок 14">
+            <a:extLst>
+              <a:ext uri="{FF2B5EF4-FFF2-40B4-BE49-F238E27FC236}">
+                <a16:creationId xmlns:a16="http://schemas.microsoft.com/office/drawing/2014/main" id="{55786BEE-971E-4D7C-B028-0724099EBF7C}"/>
+              </a:ext>
+            </a:extLst>
+          </p:cNvPr>
+          <p:cNvPicPr>
+            <a:picLocks noChangeAspect="1"/>
+          </p:cNvPicPr>
+          <p:nvPr/>
+        </p:nvPicPr>
+        <p:blipFill>
+          <a:blip r:embed="rId4"/>
+          <a:stretch>
+            <a:fillRect/>
+          </a:stretch>
+        </p:blipFill>
+        <p:spPr>
+          <a:xfrm>
+            <a:off x="1964955" y="3390700"/>
+            <a:ext cx="4424702" cy="2518499"/>
+          </a:xfrm>
+          <a:prstGeom prst="rect">
+            <a:avLst/>
+          </a:prstGeom>
+        </p:spPr>
+      </p:pic>
+      <p:sp>
+        <p:nvSpPr>
+          <p:cNvPr id="17" name="Прямоугольник 16">
+            <a:extLst>
+              <a:ext uri="{FF2B5EF4-FFF2-40B4-BE49-F238E27FC236}">
+                <a16:creationId xmlns:a16="http://schemas.microsoft.com/office/drawing/2014/main" id="{3E314D05-4550-42F2-A8EE-D8500FF61F74}"/>
+              </a:ext>
+            </a:extLst>
+          </p:cNvPr>
           <p:cNvSpPr/>
           <p:nvPr/>
         </p:nvSpPr>
         <p:spPr>
           <a:xfrm>
-            <a:off x="448540" y="2804022"/>
-            <a:ext cx="11370925" cy="3077766"/>
-          </a:xfrm>
-          <a:prstGeom prst="rect">
-            <a:avLst/>
-          </a:prstGeom>
-        </p:spPr>
-        <p:txBody>
-          <a:bodyPr wrap="square">
+            <a:off x="1703936" y="3021368"/>
+            <a:ext cx="4946739" cy="369332"/>
+          </a:xfrm>
+          <a:prstGeom prst="rect">
+            <a:avLst/>
+          </a:prstGeom>
+        </p:spPr>
+        <p:txBody>
+          <a:bodyPr wrap="none">
             <a:spAutoFit/>
           </a:bodyPr>
           <a:lstStyle/>
           <a:p>
-            <a:pPr marL="342900" lvl="0" indent="-342900" algn="just">
-              <a:lnSpc>
-                <a:spcPct val="150000"/>
-              </a:lnSpc>
-              <a:spcBef>
-                <a:spcPts val="600"/>
-              </a:spcBef>
-              <a:spcAft>
-                <a:spcPts val="0"/>
-              </a:spcAft>
-              <a:buFont typeface="Symbol" panose="05050102010706020507" pitchFamily="18" charset="2"/>
-              <a:buChar char=""/>
-              <a:tabLst>
-                <a:tab pos="541020" algn="l"/>
-                <a:tab pos="810260" algn="l"/>
-              </a:tabLst>
-            </a:pPr>
-            <a:r>
-              <a:rPr lang="ru-RU" kern="100" dirty="0">
-                <a:latin typeface="Times New Roman" panose="02020603050405020304" pitchFamily="18" charset="0"/>
-                <a:ea typeface="Courier New" panose="02070309020205020404" pitchFamily="49" charset="0"/>
-                <a:cs typeface="Times New Roman" panose="02020603050405020304" pitchFamily="18" charset="0"/>
+            <a:r>
+              <a:rPr lang="ru-RU" dirty="0">
+                <a:latin typeface="Times New Roman"/>
+                <a:cs typeface="Times New Roman"/>
               </a:rPr>
-              <a:t>подключаемые к USB порту компьютера. Такие адаптеры компактны, их легко настраивать, а USB интерфейс обеспечивает функцию «горячего подключения»;</a:t>
-            </a:r>
-          </a:p>
-          <a:p>
-            <a:pPr marL="342900" lvl="0" indent="-342900" algn="just">
-              <a:lnSpc>
-                <a:spcPct val="150000"/>
-              </a:lnSpc>
-              <a:spcBef>
-                <a:spcPts val="600"/>
-              </a:spcBef>
-              <a:spcAft>
-                <a:spcPts val="0"/>
-              </a:spcAft>
-              <a:buFont typeface="Symbol" panose="05050102010706020507" pitchFamily="18" charset="2"/>
-              <a:buChar char=""/>
-              <a:tabLst>
-                <a:tab pos="541020" algn="l"/>
-                <a:tab pos="810260" algn="l"/>
-              </a:tabLst>
-            </a:pPr>
-            <a:r>
-              <a:rPr lang="ru-RU" kern="100" dirty="0">
-                <a:latin typeface="Times New Roman" panose="02020603050405020304" pitchFamily="18" charset="0"/>
-                <a:ea typeface="Courier New" panose="02070309020205020404" pitchFamily="49" charset="0"/>
-                <a:cs typeface="Times New Roman" panose="02020603050405020304" pitchFamily="18" charset="0"/>
-              </a:rPr>
-              <a:t>подключаемые через PCMCIA слот (</a:t>
-            </a:r>
-            <a:r>
-              <a:rPr lang="ru-RU" kern="100" dirty="0" err="1">
-                <a:latin typeface="Times New Roman" panose="02020603050405020304" pitchFamily="18" charset="0"/>
-                <a:ea typeface="Courier New" panose="02070309020205020404" pitchFamily="49" charset="0"/>
-                <a:cs typeface="Times New Roman" panose="02020603050405020304" pitchFamily="18" charset="0"/>
-              </a:rPr>
-              <a:t>CardBus</a:t>
-            </a:r>
-            <a:r>
-              <a:rPr lang="ru-RU" kern="100" dirty="0">
-                <a:latin typeface="Times New Roman" panose="02020603050405020304" pitchFamily="18" charset="0"/>
-                <a:ea typeface="Courier New" panose="02070309020205020404" pitchFamily="49" charset="0"/>
-                <a:cs typeface="Times New Roman" panose="02020603050405020304" pitchFamily="18" charset="0"/>
-              </a:rPr>
-              <a:t>) компьютера. Такие устройства располагаются внутри компьютера (ноутбука) и поддерживают любые стандарты, позволяющие передавать информацию со скоростью до 108 Мбит/с;</a:t>
-            </a:r>
-          </a:p>
-          <a:p>
-            <a:pPr marL="285750" indent="-285750">
-              <a:buFont typeface="Symbol" panose="05050102010706020507" pitchFamily="18" charset="2"/>
-              <a:buChar char=""/>
-            </a:pPr>
-            <a:r>
-              <a:rPr lang="ru-RU" dirty="0">
-                <a:latin typeface="Times New Roman" panose="02020603050405020304" pitchFamily="18" charset="0"/>
-                <a:ea typeface="Arial" panose="020B0604020202020204" pitchFamily="34" charset="0"/>
-                <a:cs typeface="Times New Roman" panose="02020603050405020304" pitchFamily="18" charset="0"/>
-              </a:rPr>
-              <a:t>устройства, интегрированные непосредственно в материнскую плату компьютера. Самый перспективный вариант. Такие адаптеры устанавливаются на ноутбуки серии </a:t>
-            </a:r>
-            <a:r>
-              <a:rPr lang="ru-RU" dirty="0" err="1">
-                <a:latin typeface="Times New Roman" panose="02020603050405020304" pitchFamily="18" charset="0"/>
-                <a:ea typeface="Arial" panose="020B0604020202020204" pitchFamily="34" charset="0"/>
-                <a:cs typeface="Times New Roman" panose="02020603050405020304" pitchFamily="18" charset="0"/>
-              </a:rPr>
-              <a:t>Intel</a:t>
-            </a:r>
-            <a:r>
-              <a:rPr lang="ru-RU" dirty="0">
-                <a:latin typeface="Times New Roman" panose="02020603050405020304" pitchFamily="18" charset="0"/>
-                <a:ea typeface="Arial" panose="020B0604020202020204" pitchFamily="34" charset="0"/>
-                <a:cs typeface="Times New Roman" panose="02020603050405020304" pitchFamily="18" charset="0"/>
-              </a:rPr>
-              <a:t> </a:t>
-            </a:r>
-            <a:r>
-              <a:rPr lang="ru-RU" dirty="0" err="1">
-                <a:latin typeface="Times New Roman" panose="02020603050405020304" pitchFamily="18" charset="0"/>
-                <a:ea typeface="Arial" panose="020B0604020202020204" pitchFamily="34" charset="0"/>
-                <a:cs typeface="Times New Roman" panose="02020603050405020304" pitchFamily="18" charset="0"/>
-              </a:rPr>
-              <a:t>Centrino</a:t>
-            </a:r>
-            <a:r>
-              <a:rPr lang="ru-RU" dirty="0">
-                <a:latin typeface="Times New Roman" panose="02020603050405020304" pitchFamily="18" charset="0"/>
-                <a:ea typeface="Arial" panose="020B0604020202020204" pitchFamily="34" charset="0"/>
-                <a:cs typeface="Times New Roman" panose="02020603050405020304" pitchFamily="18" charset="0"/>
-              </a:rPr>
-              <a:t>. И, в настоящее время используются на подавляющем большинстве мобильных компьютеров</a:t>
-            </a:r>
-            <a:r>
-              <a:rPr lang="en-US" dirty="0">
-                <a:latin typeface="Times New Roman" panose="02020603050405020304" pitchFamily="18" charset="0"/>
-                <a:ea typeface="Arial" panose="020B0604020202020204" pitchFamily="34" charset="0"/>
-                <a:cs typeface="Times New Roman" panose="02020603050405020304" pitchFamily="18" charset="0"/>
-              </a:rPr>
-              <a:t>.</a:t>
-            </a:r>
-            <a:endParaRPr lang="ru-RU" dirty="0">
-              <a:latin typeface="Times New Roman" panose="02020603050405020304" pitchFamily="18" charset="0"/>
-              <a:cs typeface="Times New Roman" panose="02020603050405020304" pitchFamily="18" charset="0"/>
-            </a:endParaRPr>
+              <a:t>Вид главной страницы с мобильного устройства</a:t>
+            </a:r>
           </a:p>
         </p:txBody>
       </p:sp>
